--- a/Apache thrift.pptx
+++ b/Apache thrift.pptx
@@ -1,32 +1,31 @@
 
 <file path=ppt/presentation.xml><?xml version="1.0" encoding="utf-8"?>
-<p:presentation xmlns:a="http://schemas.openxmlformats.org/drawingml/2006/main" xmlns:r="http://schemas.openxmlformats.org/officeDocument/2006/relationships" xmlns:p="http://schemas.openxmlformats.org/presentationml/2006/main" saveSubsetFonts="1" embedTrueTypeFonts="true">
+<p:presentation xmlns:a="http://schemas.openxmlformats.org/drawingml/2006/main" xmlns:r="http://schemas.openxmlformats.org/officeDocument/2006/relationships" xmlns:p="http://schemas.openxmlformats.org/presentationml/2006/main" embedTrueTypeFonts="1" saveSubsetFonts="1">
   <p:sldMasterIdLst>
     <p:sldMasterId id="2147483648" r:id="rId1"/>
   </p:sldMasterIdLst>
   <p:sldIdLst>
-    <p:sldId id="256" r:id="rId6"/>
-    <p:sldId id="257" r:id="rId7"/>
-    <p:sldId id="258" r:id="rId8"/>
-    <p:sldId id="259" r:id="rId9"/>
-    <p:sldId id="260" r:id="rId10"/>
-    <p:sldId id="261" r:id="rId11"/>
-    <p:sldId id="262" r:id="rId12"/>
+    <p:sldId id="256" r:id="rId2"/>
+    <p:sldId id="257" r:id="rId3"/>
+    <p:sldId id="258" r:id="rId4"/>
+    <p:sldId id="260" r:id="rId5"/>
+    <p:sldId id="259" r:id="rId6"/>
+    <p:sldId id="262" r:id="rId7"/>
   </p:sldIdLst>
   <p:sldSz cx="18288000" cy="10287000"/>
   <p:notesSz cx="6858000" cy="9144000"/>
   <p:embeddedFontLst>
     <p:embeddedFont>
-      <p:font typeface="Open Sans" charset="1" panose="00000000000000000000"/>
-      <p:regular r:id="rId13"/>
+      <p:font typeface="Open Sans" panose="020B0606030504020204" pitchFamily="34" charset="0"/>
+      <p:regular r:id="rId8"/>
     </p:embeddedFont>
     <p:embeddedFont>
-      <p:font typeface="TT Octosquares Compressed" charset="1" panose="02010001040000080307"/>
-      <p:regular r:id="rId14"/>
+      <p:font typeface="Open Sans Bold" panose="020B0806030504020204" charset="0"/>
+      <p:regular r:id="rId9"/>
     </p:embeddedFont>
     <p:embeddedFont>
-      <p:font typeface="Open Sans Bold" charset="1" panose="00000000000000000000"/>
-      <p:regular r:id="rId15"/>
+      <p:font typeface="TT Octosquares Compressed" panose="020B0604020202020204" charset="0"/>
+      <p:regular r:id="rId10"/>
     </p:embeddedFont>
   </p:embeddedFontLst>
   <p:defaultTextStyle>
@@ -124,6 +123,22 @@
       </a:defRPr>
     </a:lvl9pPr>
   </p:defaultTextStyle>
+  <p:extLst>
+    <p:ext uri="{EFAFB233-063F-42B5-8137-9DF3F51BA10A}">
+      <p15:sldGuideLst xmlns:p15="http://schemas.microsoft.com/office/powerpoint/2012/main">
+        <p15:guide id="1" orient="horz" pos="2160">
+          <p15:clr>
+            <a:srgbClr val="A4A3A4"/>
+          </p15:clr>
+        </p15:guide>
+        <p15:guide id="2" pos="2880">
+          <p15:clr>
+            <a:srgbClr val="A4A3A4"/>
+          </p15:clr>
+        </p15:guide>
+      </p15:sldGuideLst>
+    </p:ext>
+  </p:extLst>
 </p:presentation>
 </file>
 
@@ -165,10 +180,9 @@
           <a:lstStyle/>
           <a:p>
             <a:r>
-              <a:rPr lang="en-US" smtClean="0"/>
+              <a:rPr lang="en-US"/>
               <a:t>Click to edit Master title style</a:t>
             </a:r>
-            <a:endParaRPr lang="en-US"/>
           </a:p>
         </p:txBody>
       </p:sp>
@@ -284,10 +298,9 @@
           </a:lstStyle>
           <a:p>
             <a:r>
-              <a:rPr lang="en-US" smtClean="0"/>
+              <a:rPr lang="en-US"/>
               <a:t>Click to edit Master subtitle style</a:t>
             </a:r>
-            <a:endParaRPr lang="en-US"/>
           </a:p>
         </p:txBody>
       </p:sp>
@@ -309,7 +322,7 @@
             <a:fld id="{1D8BD707-D9CF-40AE-B4C6-C98DA3205C09}" type="datetimeFigureOut">
               <a:rPr lang="en-US" smtClean="0"/>
               <a:pPr/>
-              <a:t>8/1/2011</a:t>
+              <a:t>6/28/2024</a:t>
             </a:fld>
             <a:endParaRPr lang="en-US"/>
           </a:p>
@@ -352,7 +365,7 @@
             <a:fld id="{B6F15528-21DE-4FAA-801E-634DDDAF4B2B}" type="slidenum">
               <a:rPr lang="en-US" smtClean="0"/>
               <a:pPr/>
-              <a:t>‹#›</a:t>
+              <a:t>‹Nº›</a:t>
             </a:fld>
             <a:endParaRPr lang="en-US"/>
           </a:p>
@@ -399,10 +412,9 @@
           <a:lstStyle/>
           <a:p>
             <a:r>
-              <a:rPr lang="en-US" smtClean="0"/>
+              <a:rPr lang="en-US"/>
               <a:t>Click to edit Master title style</a:t>
             </a:r>
-            <a:endParaRPr lang="en-US"/>
           </a:p>
         </p:txBody>
       </p:sp>
@@ -423,38 +435,37 @@
           <a:p>
             <a:pPr lvl="0"/>
             <a:r>
-              <a:rPr lang="en-US" smtClean="0"/>
+              <a:rPr lang="en-US"/>
               <a:t>Click to edit Master text styles</a:t>
             </a:r>
           </a:p>
           <a:p>
             <a:pPr lvl="1"/>
             <a:r>
-              <a:rPr lang="en-US" smtClean="0"/>
+              <a:rPr lang="en-US"/>
               <a:t>Second level</a:t>
             </a:r>
           </a:p>
           <a:p>
             <a:pPr lvl="2"/>
             <a:r>
-              <a:rPr lang="en-US" smtClean="0"/>
+              <a:rPr lang="en-US"/>
               <a:t>Third level</a:t>
             </a:r>
           </a:p>
           <a:p>
             <a:pPr lvl="3"/>
             <a:r>
-              <a:rPr lang="en-US" smtClean="0"/>
+              <a:rPr lang="en-US"/>
               <a:t>Fourth level</a:t>
             </a:r>
           </a:p>
           <a:p>
             <a:pPr lvl="4"/>
             <a:r>
-              <a:rPr lang="en-US" smtClean="0"/>
+              <a:rPr lang="en-US"/>
               <a:t>Fifth level</a:t>
             </a:r>
-            <a:endParaRPr lang="en-US"/>
           </a:p>
         </p:txBody>
       </p:sp>
@@ -476,7 +487,7 @@
             <a:fld id="{1D8BD707-D9CF-40AE-B4C6-C98DA3205C09}" type="datetimeFigureOut">
               <a:rPr lang="en-US" smtClean="0"/>
               <a:pPr/>
-              <a:t>8/1/2011</a:t>
+              <a:t>6/28/2024</a:t>
             </a:fld>
             <a:endParaRPr lang="en-US"/>
           </a:p>
@@ -519,7 +530,7 @@
             <a:fld id="{B6F15528-21DE-4FAA-801E-634DDDAF4B2B}" type="slidenum">
               <a:rPr lang="en-US" smtClean="0"/>
               <a:pPr/>
-              <a:t>‹#›</a:t>
+              <a:t>‹Nº›</a:t>
             </a:fld>
             <a:endParaRPr lang="en-US"/>
           </a:p>
@@ -571,10 +582,9 @@
           <a:lstStyle/>
           <a:p>
             <a:r>
-              <a:rPr lang="en-US" smtClean="0"/>
+              <a:rPr lang="en-US"/>
               <a:t>Click to edit Master title style</a:t>
             </a:r>
-            <a:endParaRPr lang="en-US"/>
           </a:p>
         </p:txBody>
       </p:sp>
@@ -600,38 +610,37 @@
           <a:p>
             <a:pPr lvl="0"/>
             <a:r>
-              <a:rPr lang="en-US" smtClean="0"/>
+              <a:rPr lang="en-US"/>
               <a:t>Click to edit Master text styles</a:t>
             </a:r>
           </a:p>
           <a:p>
             <a:pPr lvl="1"/>
             <a:r>
-              <a:rPr lang="en-US" smtClean="0"/>
+              <a:rPr lang="en-US"/>
               <a:t>Second level</a:t>
             </a:r>
           </a:p>
           <a:p>
             <a:pPr lvl="2"/>
             <a:r>
-              <a:rPr lang="en-US" smtClean="0"/>
+              <a:rPr lang="en-US"/>
               <a:t>Third level</a:t>
             </a:r>
           </a:p>
           <a:p>
             <a:pPr lvl="3"/>
             <a:r>
-              <a:rPr lang="en-US" smtClean="0"/>
+              <a:rPr lang="en-US"/>
               <a:t>Fourth level</a:t>
             </a:r>
           </a:p>
           <a:p>
             <a:pPr lvl="4"/>
             <a:r>
-              <a:rPr lang="en-US" smtClean="0"/>
+              <a:rPr lang="en-US"/>
               <a:t>Fifth level</a:t>
             </a:r>
-            <a:endParaRPr lang="en-US"/>
           </a:p>
         </p:txBody>
       </p:sp>
@@ -653,7 +662,7 @@
             <a:fld id="{1D8BD707-D9CF-40AE-B4C6-C98DA3205C09}" type="datetimeFigureOut">
               <a:rPr lang="en-US" smtClean="0"/>
               <a:pPr/>
-              <a:t>8/1/2011</a:t>
+              <a:t>6/28/2024</a:t>
             </a:fld>
             <a:endParaRPr lang="en-US"/>
           </a:p>
@@ -696,7 +705,7 @@
             <a:fld id="{B6F15528-21DE-4FAA-801E-634DDDAF4B2B}" type="slidenum">
               <a:rPr lang="en-US" smtClean="0"/>
               <a:pPr/>
-              <a:t>‹#›</a:t>
+              <a:t>‹Nº›</a:t>
             </a:fld>
             <a:endParaRPr lang="en-US"/>
           </a:p>
@@ -743,10 +752,9 @@
           <a:lstStyle/>
           <a:p>
             <a:r>
-              <a:rPr lang="en-US" smtClean="0"/>
+              <a:rPr lang="en-US"/>
               <a:t>Click to edit Master title style</a:t>
             </a:r>
-            <a:endParaRPr lang="en-US"/>
           </a:p>
         </p:txBody>
       </p:sp>
@@ -767,38 +775,37 @@
           <a:p>
             <a:pPr lvl="0"/>
             <a:r>
-              <a:rPr lang="en-US" smtClean="0"/>
+              <a:rPr lang="en-US"/>
               <a:t>Click to edit Master text styles</a:t>
             </a:r>
           </a:p>
           <a:p>
             <a:pPr lvl="1"/>
             <a:r>
-              <a:rPr lang="en-US" smtClean="0"/>
+              <a:rPr lang="en-US"/>
               <a:t>Second level</a:t>
             </a:r>
           </a:p>
           <a:p>
             <a:pPr lvl="2"/>
             <a:r>
-              <a:rPr lang="en-US" smtClean="0"/>
+              <a:rPr lang="en-US"/>
               <a:t>Third level</a:t>
             </a:r>
           </a:p>
           <a:p>
             <a:pPr lvl="3"/>
             <a:r>
-              <a:rPr lang="en-US" smtClean="0"/>
+              <a:rPr lang="en-US"/>
               <a:t>Fourth level</a:t>
             </a:r>
           </a:p>
           <a:p>
             <a:pPr lvl="4"/>
             <a:r>
-              <a:rPr lang="en-US" smtClean="0"/>
+              <a:rPr lang="en-US"/>
               <a:t>Fifth level</a:t>
             </a:r>
-            <a:endParaRPr lang="en-US"/>
           </a:p>
         </p:txBody>
       </p:sp>
@@ -820,7 +827,7 @@
             <a:fld id="{1D8BD707-D9CF-40AE-B4C6-C98DA3205C09}" type="datetimeFigureOut">
               <a:rPr lang="en-US" smtClean="0"/>
               <a:pPr/>
-              <a:t>8/1/2011</a:t>
+              <a:t>6/28/2024</a:t>
             </a:fld>
             <a:endParaRPr lang="en-US"/>
           </a:p>
@@ -863,7 +870,7 @@
             <a:fld id="{B6F15528-21DE-4FAA-801E-634DDDAF4B2B}" type="slidenum">
               <a:rPr lang="en-US" smtClean="0"/>
               <a:pPr/>
-              <a:t>‹#›</a:t>
+              <a:t>‹Nº›</a:t>
             </a:fld>
             <a:endParaRPr lang="en-US"/>
           </a:p>
@@ -919,10 +926,9 @@
           </a:lstStyle>
           <a:p>
             <a:r>
-              <a:rPr lang="en-US" smtClean="0"/>
+              <a:rPr lang="en-US"/>
               <a:t>Click to edit Master title style</a:t>
             </a:r>
-            <a:endParaRPr lang="en-US"/>
           </a:p>
         </p:txBody>
       </p:sp>
@@ -1039,7 +1045,7 @@
           <a:p>
             <a:pPr lvl="0"/>
             <a:r>
-              <a:rPr lang="en-US" smtClean="0"/>
+              <a:rPr lang="en-US"/>
               <a:t>Click to edit Master text styles</a:t>
             </a:r>
           </a:p>
@@ -1063,7 +1069,7 @@
             <a:fld id="{1D8BD707-D9CF-40AE-B4C6-C98DA3205C09}" type="datetimeFigureOut">
               <a:rPr lang="en-US" smtClean="0"/>
               <a:pPr/>
-              <a:t>8/1/2011</a:t>
+              <a:t>6/28/2024</a:t>
             </a:fld>
             <a:endParaRPr lang="en-US"/>
           </a:p>
@@ -1106,7 +1112,7 @@
             <a:fld id="{B6F15528-21DE-4FAA-801E-634DDDAF4B2B}" type="slidenum">
               <a:rPr lang="en-US" smtClean="0"/>
               <a:pPr/>
-              <a:t>‹#›</a:t>
+              <a:t>‹Nº›</a:t>
             </a:fld>
             <a:endParaRPr lang="en-US"/>
           </a:p>
@@ -1153,10 +1159,9 @@
           <a:lstStyle/>
           <a:p>
             <a:r>
-              <a:rPr lang="en-US" smtClean="0"/>
+              <a:rPr lang="en-US"/>
               <a:t>Click to edit Master title style</a:t>
             </a:r>
-            <a:endParaRPr lang="en-US"/>
           </a:p>
         </p:txBody>
       </p:sp>
@@ -1210,38 +1215,37 @@
           <a:p>
             <a:pPr lvl="0"/>
             <a:r>
-              <a:rPr lang="en-US" smtClean="0"/>
+              <a:rPr lang="en-US"/>
               <a:t>Click to edit Master text styles</a:t>
             </a:r>
           </a:p>
           <a:p>
             <a:pPr lvl="1"/>
             <a:r>
-              <a:rPr lang="en-US" smtClean="0"/>
+              <a:rPr lang="en-US"/>
               <a:t>Second level</a:t>
             </a:r>
           </a:p>
           <a:p>
             <a:pPr lvl="2"/>
             <a:r>
-              <a:rPr lang="en-US" smtClean="0"/>
+              <a:rPr lang="en-US"/>
               <a:t>Third level</a:t>
             </a:r>
           </a:p>
           <a:p>
             <a:pPr lvl="3"/>
             <a:r>
-              <a:rPr lang="en-US" smtClean="0"/>
+              <a:rPr lang="en-US"/>
               <a:t>Fourth level</a:t>
             </a:r>
           </a:p>
           <a:p>
             <a:pPr lvl="4"/>
             <a:r>
-              <a:rPr lang="en-US" smtClean="0"/>
+              <a:rPr lang="en-US"/>
               <a:t>Fifth level</a:t>
             </a:r>
-            <a:endParaRPr lang="en-US"/>
           </a:p>
         </p:txBody>
       </p:sp>
@@ -1295,38 +1299,37 @@
           <a:p>
             <a:pPr lvl="0"/>
             <a:r>
-              <a:rPr lang="en-US" smtClean="0"/>
+              <a:rPr lang="en-US"/>
               <a:t>Click to edit Master text styles</a:t>
             </a:r>
           </a:p>
           <a:p>
             <a:pPr lvl="1"/>
             <a:r>
-              <a:rPr lang="en-US" smtClean="0"/>
+              <a:rPr lang="en-US"/>
               <a:t>Second level</a:t>
             </a:r>
           </a:p>
           <a:p>
             <a:pPr lvl="2"/>
             <a:r>
-              <a:rPr lang="en-US" smtClean="0"/>
+              <a:rPr lang="en-US"/>
               <a:t>Third level</a:t>
             </a:r>
           </a:p>
           <a:p>
             <a:pPr lvl="3"/>
             <a:r>
-              <a:rPr lang="en-US" smtClean="0"/>
+              <a:rPr lang="en-US"/>
               <a:t>Fourth level</a:t>
             </a:r>
           </a:p>
           <a:p>
             <a:pPr lvl="4"/>
             <a:r>
-              <a:rPr lang="en-US" smtClean="0"/>
+              <a:rPr lang="en-US"/>
               <a:t>Fifth level</a:t>
             </a:r>
-            <a:endParaRPr lang="en-US"/>
           </a:p>
         </p:txBody>
       </p:sp>
@@ -1348,7 +1351,7 @@
             <a:fld id="{1D8BD707-D9CF-40AE-B4C6-C98DA3205C09}" type="datetimeFigureOut">
               <a:rPr lang="en-US" smtClean="0"/>
               <a:pPr/>
-              <a:t>8/1/2011</a:t>
+              <a:t>6/28/2024</a:t>
             </a:fld>
             <a:endParaRPr lang="en-US"/>
           </a:p>
@@ -1391,7 +1394,7 @@
             <a:fld id="{B6F15528-21DE-4FAA-801E-634DDDAF4B2B}" type="slidenum">
               <a:rPr lang="en-US" smtClean="0"/>
               <a:pPr/>
-              <a:t>‹#›</a:t>
+              <a:t>‹Nº›</a:t>
             </a:fld>
             <a:endParaRPr lang="en-US"/>
           </a:p>
@@ -1442,10 +1445,9 @@
           </a:lstStyle>
           <a:p>
             <a:r>
-              <a:rPr lang="en-US" smtClean="0"/>
+              <a:rPr lang="en-US"/>
               <a:t>Click to edit Master title style</a:t>
             </a:r>
-            <a:endParaRPr lang="en-US"/>
           </a:p>
         </p:txBody>
       </p:sp>
@@ -1508,7 +1510,7 @@
           <a:p>
             <a:pPr lvl="0"/>
             <a:r>
-              <a:rPr lang="en-US" smtClean="0"/>
+              <a:rPr lang="en-US"/>
               <a:t>Click to edit Master text styles</a:t>
             </a:r>
           </a:p>
@@ -1564,38 +1566,37 @@
           <a:p>
             <a:pPr lvl="0"/>
             <a:r>
-              <a:rPr lang="en-US" smtClean="0"/>
+              <a:rPr lang="en-US"/>
               <a:t>Click to edit Master text styles</a:t>
             </a:r>
           </a:p>
           <a:p>
             <a:pPr lvl="1"/>
             <a:r>
-              <a:rPr lang="en-US" smtClean="0"/>
+              <a:rPr lang="en-US"/>
               <a:t>Second level</a:t>
             </a:r>
           </a:p>
           <a:p>
             <a:pPr lvl="2"/>
             <a:r>
-              <a:rPr lang="en-US" smtClean="0"/>
+              <a:rPr lang="en-US"/>
               <a:t>Third level</a:t>
             </a:r>
           </a:p>
           <a:p>
             <a:pPr lvl="3"/>
             <a:r>
-              <a:rPr lang="en-US" smtClean="0"/>
+              <a:rPr lang="en-US"/>
               <a:t>Fourth level</a:t>
             </a:r>
           </a:p>
           <a:p>
             <a:pPr lvl="4"/>
             <a:r>
-              <a:rPr lang="en-US" smtClean="0"/>
+              <a:rPr lang="en-US"/>
               <a:t>Fifth level</a:t>
             </a:r>
-            <a:endParaRPr lang="en-US"/>
           </a:p>
         </p:txBody>
       </p:sp>
@@ -1658,7 +1659,7 @@
           <a:p>
             <a:pPr lvl="0"/>
             <a:r>
-              <a:rPr lang="en-US" smtClean="0"/>
+              <a:rPr lang="en-US"/>
               <a:t>Click to edit Master text styles</a:t>
             </a:r>
           </a:p>
@@ -1714,38 +1715,37 @@
           <a:p>
             <a:pPr lvl="0"/>
             <a:r>
-              <a:rPr lang="en-US" smtClean="0"/>
+              <a:rPr lang="en-US"/>
               <a:t>Click to edit Master text styles</a:t>
             </a:r>
           </a:p>
           <a:p>
             <a:pPr lvl="1"/>
             <a:r>
-              <a:rPr lang="en-US" smtClean="0"/>
+              <a:rPr lang="en-US"/>
               <a:t>Second level</a:t>
             </a:r>
           </a:p>
           <a:p>
             <a:pPr lvl="2"/>
             <a:r>
-              <a:rPr lang="en-US" smtClean="0"/>
+              <a:rPr lang="en-US"/>
               <a:t>Third level</a:t>
             </a:r>
           </a:p>
           <a:p>
             <a:pPr lvl="3"/>
             <a:r>
-              <a:rPr lang="en-US" smtClean="0"/>
+              <a:rPr lang="en-US"/>
               <a:t>Fourth level</a:t>
             </a:r>
           </a:p>
           <a:p>
             <a:pPr lvl="4"/>
             <a:r>
-              <a:rPr lang="en-US" smtClean="0"/>
+              <a:rPr lang="en-US"/>
               <a:t>Fifth level</a:t>
             </a:r>
-            <a:endParaRPr lang="en-US"/>
           </a:p>
         </p:txBody>
       </p:sp>
@@ -1767,7 +1767,7 @@
             <a:fld id="{1D8BD707-D9CF-40AE-B4C6-C98DA3205C09}" type="datetimeFigureOut">
               <a:rPr lang="en-US" smtClean="0"/>
               <a:pPr/>
-              <a:t>8/1/2011</a:t>
+              <a:t>6/28/2024</a:t>
             </a:fld>
             <a:endParaRPr lang="en-US"/>
           </a:p>
@@ -1810,7 +1810,7 @@
             <a:fld id="{B6F15528-21DE-4FAA-801E-634DDDAF4B2B}" type="slidenum">
               <a:rPr lang="en-US" smtClean="0"/>
               <a:pPr/>
-              <a:t>‹#›</a:t>
+              <a:t>‹Nº›</a:t>
             </a:fld>
             <a:endParaRPr lang="en-US"/>
           </a:p>
@@ -1857,10 +1857,9 @@
           <a:lstStyle/>
           <a:p>
             <a:r>
-              <a:rPr lang="en-US" smtClean="0"/>
+              <a:rPr lang="en-US"/>
               <a:t>Click to edit Master title style</a:t>
             </a:r>
-            <a:endParaRPr lang="en-US"/>
           </a:p>
         </p:txBody>
       </p:sp>
@@ -1882,7 +1881,7 @@
             <a:fld id="{1D8BD707-D9CF-40AE-B4C6-C98DA3205C09}" type="datetimeFigureOut">
               <a:rPr lang="en-US" smtClean="0"/>
               <a:pPr/>
-              <a:t>8/1/2011</a:t>
+              <a:t>6/28/2024</a:t>
             </a:fld>
             <a:endParaRPr lang="en-US"/>
           </a:p>
@@ -1925,7 +1924,7 @@
             <a:fld id="{B6F15528-21DE-4FAA-801E-634DDDAF4B2B}" type="slidenum">
               <a:rPr lang="en-US" smtClean="0"/>
               <a:pPr/>
-              <a:t>‹#›</a:t>
+              <a:t>‹Nº›</a:t>
             </a:fld>
             <a:endParaRPr lang="en-US"/>
           </a:p>
@@ -1974,7 +1973,7 @@
             <a:fld id="{1D8BD707-D9CF-40AE-B4C6-C98DA3205C09}" type="datetimeFigureOut">
               <a:rPr lang="en-US" smtClean="0"/>
               <a:pPr/>
-              <a:t>8/1/2011</a:t>
+              <a:t>6/28/2024</a:t>
             </a:fld>
             <a:endParaRPr lang="en-US"/>
           </a:p>
@@ -2017,7 +2016,7 @@
             <a:fld id="{B6F15528-21DE-4FAA-801E-634DDDAF4B2B}" type="slidenum">
               <a:rPr lang="en-US" smtClean="0"/>
               <a:pPr/>
-              <a:t>‹#›</a:t>
+              <a:t>‹Nº›</a:t>
             </a:fld>
             <a:endParaRPr lang="en-US"/>
           </a:p>
@@ -2073,10 +2072,9 @@
           </a:lstStyle>
           <a:p>
             <a:r>
-              <a:rPr lang="en-US" smtClean="0"/>
+              <a:rPr lang="en-US"/>
               <a:t>Click to edit Master title style</a:t>
             </a:r>
-            <a:endParaRPr lang="en-US"/>
           </a:p>
         </p:txBody>
       </p:sp>
@@ -2130,38 +2128,37 @@
           <a:p>
             <a:pPr lvl="0"/>
             <a:r>
-              <a:rPr lang="en-US" smtClean="0"/>
+              <a:rPr lang="en-US"/>
               <a:t>Click to edit Master text styles</a:t>
             </a:r>
           </a:p>
           <a:p>
             <a:pPr lvl="1"/>
             <a:r>
-              <a:rPr lang="en-US" smtClean="0"/>
+              <a:rPr lang="en-US"/>
               <a:t>Second level</a:t>
             </a:r>
           </a:p>
           <a:p>
             <a:pPr lvl="2"/>
             <a:r>
-              <a:rPr lang="en-US" smtClean="0"/>
+              <a:rPr lang="en-US"/>
               <a:t>Third level</a:t>
             </a:r>
           </a:p>
           <a:p>
             <a:pPr lvl="3"/>
             <a:r>
-              <a:rPr lang="en-US" smtClean="0"/>
+              <a:rPr lang="en-US"/>
               <a:t>Fourth level</a:t>
             </a:r>
           </a:p>
           <a:p>
             <a:pPr lvl="4"/>
             <a:r>
-              <a:rPr lang="en-US" smtClean="0"/>
+              <a:rPr lang="en-US"/>
               <a:t>Fifth level</a:t>
             </a:r>
-            <a:endParaRPr lang="en-US"/>
           </a:p>
         </p:txBody>
       </p:sp>
@@ -2224,7 +2221,7 @@
           <a:p>
             <a:pPr lvl="0"/>
             <a:r>
-              <a:rPr lang="en-US" smtClean="0"/>
+              <a:rPr lang="en-US"/>
               <a:t>Click to edit Master text styles</a:t>
             </a:r>
           </a:p>
@@ -2248,7 +2245,7 @@
             <a:fld id="{1D8BD707-D9CF-40AE-B4C6-C98DA3205C09}" type="datetimeFigureOut">
               <a:rPr lang="en-US" smtClean="0"/>
               <a:pPr/>
-              <a:t>8/1/2011</a:t>
+              <a:t>6/28/2024</a:t>
             </a:fld>
             <a:endParaRPr lang="en-US"/>
           </a:p>
@@ -2291,7 +2288,7 @@
             <a:fld id="{B6F15528-21DE-4FAA-801E-634DDDAF4B2B}" type="slidenum">
               <a:rPr lang="en-US" smtClean="0"/>
               <a:pPr/>
-              <a:t>‹#›</a:t>
+              <a:t>‹Nº›</a:t>
             </a:fld>
             <a:endParaRPr lang="en-US"/>
           </a:p>
@@ -2347,10 +2344,9 @@
           </a:lstStyle>
           <a:p>
             <a:r>
-              <a:rPr lang="en-US" smtClean="0"/>
+              <a:rPr lang="en-US"/>
               <a:t>Click to edit Master title style</a:t>
             </a:r>
-            <a:endParaRPr lang="en-US"/>
           </a:p>
         </p:txBody>
       </p:sp>
@@ -2474,7 +2470,7 @@
           <a:p>
             <a:pPr lvl="0"/>
             <a:r>
-              <a:rPr lang="en-US" smtClean="0"/>
+              <a:rPr lang="en-US"/>
               <a:t>Click to edit Master text styles</a:t>
             </a:r>
           </a:p>
@@ -2498,7 +2494,7 @@
             <a:fld id="{1D8BD707-D9CF-40AE-B4C6-C98DA3205C09}" type="datetimeFigureOut">
               <a:rPr lang="en-US" smtClean="0"/>
               <a:pPr/>
-              <a:t>8/1/2011</a:t>
+              <a:t>6/28/2024</a:t>
             </a:fld>
             <a:endParaRPr lang="en-US"/>
           </a:p>
@@ -2541,7 +2537,7 @@
             <a:fld id="{B6F15528-21DE-4FAA-801E-634DDDAF4B2B}" type="slidenum">
               <a:rPr lang="en-US" smtClean="0"/>
               <a:pPr/>
-              <a:t>‹#›</a:t>
+              <a:t>‹Nº›</a:t>
             </a:fld>
             <a:endParaRPr lang="en-US"/>
           </a:p>
@@ -2603,10 +2599,9 @@
           <a:lstStyle/>
           <a:p>
             <a:r>
-              <a:rPr lang="en-US" smtClean="0"/>
+              <a:rPr lang="en-US"/>
               <a:t>Click to edit Master title style</a:t>
             </a:r>
-            <a:endParaRPr lang="en-US"/>
           </a:p>
         </p:txBody>
       </p:sp>
@@ -2637,38 +2632,37 @@
           <a:p>
             <a:pPr lvl="0"/>
             <a:r>
-              <a:rPr lang="en-US" smtClean="0"/>
+              <a:rPr lang="en-US"/>
               <a:t>Click to edit Master text styles</a:t>
             </a:r>
           </a:p>
           <a:p>
             <a:pPr lvl="1"/>
             <a:r>
-              <a:rPr lang="en-US" smtClean="0"/>
+              <a:rPr lang="en-US"/>
               <a:t>Second level</a:t>
             </a:r>
           </a:p>
           <a:p>
             <a:pPr lvl="2"/>
             <a:r>
-              <a:rPr lang="en-US" smtClean="0"/>
+              <a:rPr lang="en-US"/>
               <a:t>Third level</a:t>
             </a:r>
           </a:p>
           <a:p>
             <a:pPr lvl="3"/>
             <a:r>
-              <a:rPr lang="en-US" smtClean="0"/>
+              <a:rPr lang="en-US"/>
               <a:t>Fourth level</a:t>
             </a:r>
           </a:p>
           <a:p>
             <a:pPr lvl="4"/>
             <a:r>
-              <a:rPr lang="en-US" smtClean="0"/>
+              <a:rPr lang="en-US"/>
               <a:t>Fifth level</a:t>
             </a:r>
-            <a:endParaRPr lang="en-US"/>
           </a:p>
         </p:txBody>
       </p:sp>
@@ -2708,7 +2702,7 @@
             <a:fld id="{1D8BD707-D9CF-40AE-B4C6-C98DA3205C09}" type="datetimeFigureOut">
               <a:rPr lang="en-US" smtClean="0"/>
               <a:pPr/>
-              <a:t>8/1/2011</a:t>
+              <a:t>6/28/2024</a:t>
             </a:fld>
             <a:endParaRPr lang="en-US"/>
           </a:p>
@@ -2787,7 +2781,7 @@
             <a:fld id="{B6F15528-21DE-4FAA-801E-634DDDAF4B2B}" type="slidenum">
               <a:rPr lang="en-US" smtClean="0"/>
               <a:pPr/>
-              <a:t>‹#›</a:t>
+              <a:t>‹Nº›</a:t>
             </a:fld>
             <a:endParaRPr lang="en-US"/>
           </a:p>
@@ -3063,7 +3057,7 @@
 </file>
 
 <file path=ppt/slides/slide1.xml><?xml version="1.0" encoding="utf-8"?>
-<p:sld xmlns:p="http://schemas.openxmlformats.org/presentationml/2006/main" xmlns:a="http://schemas.openxmlformats.org/drawingml/2006/main" xmlns:r="http://schemas.openxmlformats.org/officeDocument/2006/relationships">
+<p:sld xmlns:a="http://schemas.openxmlformats.org/drawingml/2006/main" xmlns:r="http://schemas.openxmlformats.org/officeDocument/2006/relationships" xmlns:p="http://schemas.openxmlformats.org/presentationml/2006/main">
   <p:cSld>
     <p:spTree>
       <p:nvGrpSpPr>
@@ -3081,12 +3075,12 @@
       </p:grpSpPr>
       <p:sp>
         <p:nvSpPr>
-          <p:cNvPr name="Freeform 2" id="2"/>
+          <p:cNvPr id="2" name="Freeform 2"/>
           <p:cNvSpPr/>
           <p:nvPr/>
         </p:nvSpPr>
         <p:spPr>
-          <a:xfrm flipH="false" flipV="false" rot="0">
+          <a:xfrm>
             <a:off x="0" y="0"/>
             <a:ext cx="18288000" cy="10287000"/>
           </a:xfrm>
@@ -3095,9 +3089,9 @@
             <a:gdLst/>
             <a:ahLst/>
             <a:cxnLst/>
-            <a:rect r="r" b="b" t="t" l="l"/>
+            <a:rect l="l" t="t" r="r" b="b"/>
             <a:pathLst>
-              <a:path h="10287000" w="18288000">
+              <a:path w="18288000" h="10287000">
                 <a:moveTo>
                   <a:pt x="0" y="0"/>
                 </a:moveTo>
@@ -3120,19 +3114,26 @@
           <a:blipFill>
             <a:blip r:embed="rId2"/>
             <a:stretch>
-              <a:fillRect l="0" t="-38888" r="0" b="-38888"/>
+              <a:fillRect t="-38888" b="-38888"/>
             </a:stretch>
           </a:blipFill>
         </p:spPr>
-      </p:sp>
-      <p:sp>
-        <p:nvSpPr>
-          <p:cNvPr name="Freeform 3" id="3"/>
+        <p:txBody>
+          <a:bodyPr/>
+          <a:lstStyle/>
+          <a:p>
+            <a:endParaRPr lang="es-CR"/>
+          </a:p>
+        </p:txBody>
+      </p:sp>
+      <p:sp>
+        <p:nvSpPr>
+          <p:cNvPr id="3" name="Freeform 3"/>
           <p:cNvSpPr/>
           <p:nvPr/>
         </p:nvSpPr>
         <p:spPr>
-          <a:xfrm flipH="false" flipV="false" rot="0">
+          <a:xfrm>
             <a:off x="17324710" y="458184"/>
             <a:ext cx="306065" cy="336000"/>
           </a:xfrm>
@@ -3141,9 +3142,9 @@
             <a:gdLst/>
             <a:ahLst/>
             <a:cxnLst/>
-            <a:rect r="r" b="b" t="t" l="l"/>
+            <a:rect l="l" t="t" r="r" b="b"/>
             <a:pathLst>
-              <a:path h="336000" w="306065">
+              <a:path w="306065" h="336000">
                 <a:moveTo>
                   <a:pt x="0" y="0"/>
                 </a:moveTo>
@@ -3172,19 +3173,26 @@
               </a:extLst>
             </a:blip>
             <a:stretch>
-              <a:fillRect l="0" t="0" r="0" b="0"/>
+              <a:fillRect/>
             </a:stretch>
           </a:blipFill>
         </p:spPr>
-      </p:sp>
-      <p:sp>
-        <p:nvSpPr>
-          <p:cNvPr name="Freeform 4" id="4"/>
+        <p:txBody>
+          <a:bodyPr/>
+          <a:lstStyle/>
+          <a:p>
+            <a:endParaRPr lang="es-CR"/>
+          </a:p>
+        </p:txBody>
+      </p:sp>
+      <p:sp>
+        <p:nvSpPr>
+          <p:cNvPr id="4" name="Freeform 4"/>
           <p:cNvSpPr/>
           <p:nvPr/>
         </p:nvSpPr>
         <p:spPr>
-          <a:xfrm flipH="false" flipV="false" rot="0">
+          <a:xfrm>
             <a:off x="602972" y="439904"/>
             <a:ext cx="253149" cy="354280"/>
           </a:xfrm>
@@ -3193,9 +3201,9 @@
             <a:gdLst/>
             <a:ahLst/>
             <a:cxnLst/>
-            <a:rect r="r" b="b" t="t" l="l"/>
+            <a:rect l="l" t="t" r="r" b="b"/>
             <a:pathLst>
-              <a:path h="354280" w="253149">
+              <a:path w="253149" h="354280">
                 <a:moveTo>
                   <a:pt x="0" y="0"/>
                 </a:moveTo>
@@ -3224,14 +3232,21 @@
               </a:extLst>
             </a:blip>
             <a:stretch>
-              <a:fillRect l="0" t="0" r="0" b="0"/>
+              <a:fillRect/>
             </a:stretch>
           </a:blipFill>
         </p:spPr>
+        <p:txBody>
+          <a:bodyPr/>
+          <a:lstStyle/>
+          <a:p>
+            <a:endParaRPr lang="es-CR"/>
+          </a:p>
+        </p:txBody>
       </p:sp>
       <p:grpSp>
         <p:nvGrpSpPr>
-          <p:cNvPr name="Group 5" id="5"/>
+          <p:cNvPr id="5" name="Group 5"/>
           <p:cNvGrpSpPr/>
           <p:nvPr/>
         </p:nvGrpSpPr>
@@ -3245,12 +3260,12 @@
         </p:grpSpPr>
         <p:sp>
           <p:nvSpPr>
-            <p:cNvPr name="Freeform 6" id="6"/>
+            <p:cNvPr id="6" name="Freeform 6"/>
             <p:cNvSpPr/>
             <p:nvPr/>
           </p:nvSpPr>
           <p:spPr>
-            <a:xfrm flipH="false" flipV="false" rot="0">
+            <a:xfrm>
               <a:off x="0" y="0"/>
               <a:ext cx="1347239" cy="579341"/>
             </a:xfrm>
@@ -3259,9 +3274,9 @@
               <a:gdLst/>
               <a:ahLst/>
               <a:cxnLst/>
-              <a:rect r="r" b="b" t="t" l="l"/>
+              <a:rect l="l" t="t" r="r" b="b"/>
               <a:pathLst>
-                <a:path h="579341" w="1347239">
+                <a:path w="1347239" h="579341">
                   <a:moveTo>
                     <a:pt x="673619" y="0"/>
                   </a:moveTo>
@@ -3282,11 +3297,18 @@
               <a:srgbClr val="12F1FF"/>
             </a:solidFill>
           </p:spPr>
+          <p:txBody>
+            <a:bodyPr/>
+            <a:lstStyle/>
+            <a:p>
+              <a:endParaRPr lang="es-CR"/>
+            </a:p>
+          </p:txBody>
         </p:sp>
         <p:sp>
           <p:nvSpPr>
-            <p:cNvPr name="TextBox 7" id="7"/>
-            <p:cNvSpPr txBox="true"/>
+            <p:cNvPr id="7" name="TextBox 7"/>
+            <p:cNvSpPr txBox="1"/>
             <p:nvPr/>
           </p:nvSpPr>
           <p:spPr>
@@ -3299,7 +3321,7 @@
             </a:prstGeom>
           </p:spPr>
           <p:txBody>
-            <a:bodyPr anchor="ctr" rtlCol="false" tIns="50800" lIns="50800" bIns="50800" rIns="50800"/>
+            <a:bodyPr lIns="50800" tIns="50800" rIns="50800" bIns="50800" rtlCol="0" anchor="ctr"/>
             <a:lstStyle/>
             <a:p>
               <a:pPr algn="ctr">
@@ -3310,18 +3332,19 @@
                   <a:spcPct val="0"/>
                 </a:spcBef>
               </a:pPr>
+              <a:endParaRPr/>
             </a:p>
           </p:txBody>
         </p:sp>
       </p:grpSp>
       <p:sp>
         <p:nvSpPr>
-          <p:cNvPr name="Freeform 8" id="8"/>
+          <p:cNvPr id="8" name="Freeform 8"/>
           <p:cNvSpPr/>
           <p:nvPr/>
         </p:nvSpPr>
         <p:spPr>
-          <a:xfrm flipH="false" flipV="false" rot="0">
+          <a:xfrm>
             <a:off x="2843386" y="4189844"/>
             <a:ext cx="1218296" cy="1907312"/>
           </a:xfrm>
@@ -3330,9 +3353,9 @@
             <a:gdLst/>
             <a:ahLst/>
             <a:cxnLst/>
-            <a:rect r="r" b="b" t="t" l="l"/>
+            <a:rect l="l" t="t" r="r" b="b"/>
             <a:pathLst>
-              <a:path h="1907312" w="1218296">
+              <a:path w="1218296" h="1907312">
                 <a:moveTo>
                   <a:pt x="0" y="0"/>
                 </a:moveTo>
@@ -3361,19 +3384,26 @@
               </a:extLst>
             </a:blip>
             <a:stretch>
-              <a:fillRect l="0" t="0" r="0" b="0"/>
+              <a:fillRect/>
             </a:stretch>
           </a:blipFill>
         </p:spPr>
-      </p:sp>
-      <p:sp>
-        <p:nvSpPr>
-          <p:cNvPr name="TextBox 9" id="9"/>
-          <p:cNvSpPr txBox="true"/>
-          <p:nvPr/>
-        </p:nvSpPr>
-        <p:spPr>
-          <a:xfrm rot="0">
+        <p:txBody>
+          <a:bodyPr/>
+          <a:lstStyle/>
+          <a:p>
+            <a:endParaRPr lang="es-CR"/>
+          </a:p>
+        </p:txBody>
+      </p:sp>
+      <p:sp>
+        <p:nvSpPr>
+          <p:cNvPr id="9" name="TextBox 9"/>
+          <p:cNvSpPr txBox="1"/>
+          <p:nvPr/>
+        </p:nvSpPr>
+        <p:spPr>
+          <a:xfrm>
             <a:off x="16089294" y="517674"/>
             <a:ext cx="978460" cy="197971"/>
           </a:xfrm>
@@ -3382,7 +3412,7 @@
           </a:prstGeom>
         </p:spPr>
         <p:txBody>
-          <a:bodyPr anchor="t" rtlCol="false" tIns="0" lIns="0" bIns="0" rIns="0">
+          <a:bodyPr lIns="0" tIns="0" rIns="0" bIns="0" rtlCol="0" anchor="t">
             <a:spAutoFit/>
           </a:bodyPr>
           <a:lstStyle/>
@@ -3409,12 +3439,12 @@
       </p:sp>
       <p:sp>
         <p:nvSpPr>
-          <p:cNvPr name="TextBox 10" id="10"/>
-          <p:cNvSpPr txBox="true"/>
-          <p:nvPr/>
-        </p:nvSpPr>
-        <p:spPr>
-          <a:xfrm rot="0">
+          <p:cNvPr id="10" name="TextBox 10"/>
+          <p:cNvSpPr txBox="1"/>
+          <p:nvPr/>
+        </p:nvSpPr>
+        <p:spPr>
+          <a:xfrm>
             <a:off x="14533497" y="517674"/>
             <a:ext cx="1060497" cy="197971"/>
           </a:xfrm>
@@ -3423,7 +3453,7 @@
           </a:prstGeom>
         </p:spPr>
         <p:txBody>
-          <a:bodyPr anchor="t" rtlCol="false" tIns="0" lIns="0" bIns="0" rIns="0">
+          <a:bodyPr lIns="0" tIns="0" rIns="0" bIns="0" rtlCol="0" anchor="t">
             <a:spAutoFit/>
           </a:bodyPr>
           <a:lstStyle/>
@@ -3450,12 +3480,12 @@
       </p:sp>
       <p:sp>
         <p:nvSpPr>
-          <p:cNvPr name="TextBox 11" id="11"/>
-          <p:cNvSpPr txBox="true"/>
-          <p:nvPr/>
-        </p:nvSpPr>
-        <p:spPr>
-          <a:xfrm rot="0">
+          <p:cNvPr id="11" name="TextBox 11"/>
+          <p:cNvSpPr txBox="1"/>
+          <p:nvPr/>
+        </p:nvSpPr>
+        <p:spPr>
+          <a:xfrm>
             <a:off x="13302741" y="517674"/>
             <a:ext cx="735456" cy="197971"/>
           </a:xfrm>
@@ -3464,7 +3494,7 @@
           </a:prstGeom>
         </p:spPr>
         <p:txBody>
-          <a:bodyPr anchor="t" rtlCol="false" tIns="0" lIns="0" bIns="0" rIns="0">
+          <a:bodyPr lIns="0" tIns="0" rIns="0" bIns="0" rtlCol="0" anchor="t">
             <a:spAutoFit/>
           </a:bodyPr>
           <a:lstStyle/>
@@ -3491,12 +3521,12 @@
       </p:sp>
       <p:sp>
         <p:nvSpPr>
-          <p:cNvPr name="TextBox 12" id="12"/>
-          <p:cNvSpPr txBox="true"/>
-          <p:nvPr/>
-        </p:nvSpPr>
-        <p:spPr>
-          <a:xfrm rot="0">
+          <p:cNvPr id="12" name="TextBox 12"/>
+          <p:cNvSpPr txBox="1"/>
+          <p:nvPr/>
+        </p:nvSpPr>
+        <p:spPr>
+          <a:xfrm>
             <a:off x="12046981" y="517674"/>
             <a:ext cx="809760" cy="197971"/>
           </a:xfrm>
@@ -3505,7 +3535,7 @@
           </a:prstGeom>
         </p:spPr>
         <p:txBody>
-          <a:bodyPr anchor="t" rtlCol="false" tIns="0" lIns="0" bIns="0" rIns="0">
+          <a:bodyPr lIns="0" tIns="0" rIns="0" bIns="0" rtlCol="0" anchor="t">
             <a:spAutoFit/>
           </a:bodyPr>
           <a:lstStyle/>
@@ -3532,12 +3562,12 @@
       </p:sp>
       <p:sp>
         <p:nvSpPr>
-          <p:cNvPr name="TextBox 13" id="13"/>
-          <p:cNvSpPr txBox="true"/>
-          <p:nvPr/>
-        </p:nvSpPr>
-        <p:spPr>
-          <a:xfrm rot="0">
+          <p:cNvPr id="13" name="TextBox 13"/>
+          <p:cNvSpPr txBox="1"/>
+          <p:nvPr/>
+        </p:nvSpPr>
+        <p:spPr>
+          <a:xfrm>
             <a:off x="4061681" y="2038936"/>
             <a:ext cx="10164638" cy="6295140"/>
           </a:xfrm>
@@ -3546,7 +3576,7 @@
           </a:prstGeom>
         </p:spPr>
         <p:txBody>
-          <a:bodyPr anchor="t" rtlCol="false" tIns="0" lIns="0" bIns="0" rIns="0">
+          <a:bodyPr lIns="0" tIns="0" rIns="0" bIns="0" rtlCol="0" anchor="t">
             <a:spAutoFit/>
           </a:bodyPr>
           <a:lstStyle/>
@@ -3573,12 +3603,12 @@
       </p:sp>
       <p:sp>
         <p:nvSpPr>
-          <p:cNvPr name="Freeform 14" id="14"/>
+          <p:cNvPr id="14" name="Freeform 14"/>
           <p:cNvSpPr/>
           <p:nvPr/>
         </p:nvSpPr>
         <p:spPr>
-          <a:xfrm flipH="false" flipV="false" rot="0">
+          <a:xfrm>
             <a:off x="2105520" y="4471286"/>
             <a:ext cx="858754" cy="1344429"/>
           </a:xfrm>
@@ -3587,9 +3617,9 @@
             <a:gdLst/>
             <a:ahLst/>
             <a:cxnLst/>
-            <a:rect r="r" b="b" t="t" l="l"/>
+            <a:rect l="l" t="t" r="r" b="b"/>
             <a:pathLst>
-              <a:path h="1344429" w="858754">
+              <a:path w="858754" h="1344429">
                 <a:moveTo>
                   <a:pt x="0" y="0"/>
                 </a:moveTo>
@@ -3618,19 +3648,26 @@
               </a:extLst>
             </a:blip>
             <a:stretch>
-              <a:fillRect l="0" t="0" r="0" b="0"/>
+              <a:fillRect/>
             </a:stretch>
           </a:blipFill>
         </p:spPr>
-      </p:sp>
-      <p:sp>
-        <p:nvSpPr>
-          <p:cNvPr name="Freeform 15" id="15"/>
+        <p:txBody>
+          <a:bodyPr/>
+          <a:lstStyle/>
+          <a:p>
+            <a:endParaRPr lang="es-CR"/>
+          </a:p>
+        </p:txBody>
+      </p:sp>
+      <p:sp>
+        <p:nvSpPr>
+          <p:cNvPr id="15" name="Freeform 15"/>
           <p:cNvSpPr/>
           <p:nvPr/>
         </p:nvSpPr>
         <p:spPr>
-          <a:xfrm flipH="false" flipV="false" rot="0">
+          <a:xfrm>
             <a:off x="1390081" y="4650573"/>
             <a:ext cx="629715" cy="985855"/>
           </a:xfrm>
@@ -3639,9 +3676,9 @@
             <a:gdLst/>
             <a:ahLst/>
             <a:cxnLst/>
-            <a:rect r="r" b="b" t="t" l="l"/>
+            <a:rect l="l" t="t" r="r" b="b"/>
             <a:pathLst>
-              <a:path h="985855" w="629715">
+              <a:path w="629715" h="985855">
                 <a:moveTo>
                   <a:pt x="0" y="0"/>
                 </a:moveTo>
@@ -3670,19 +3707,26 @@
               </a:extLst>
             </a:blip>
             <a:stretch>
-              <a:fillRect l="0" t="0" r="0" b="0"/>
+              <a:fillRect/>
             </a:stretch>
           </a:blipFill>
         </p:spPr>
-      </p:sp>
-      <p:sp>
-        <p:nvSpPr>
-          <p:cNvPr name="Freeform 16" id="16"/>
+        <p:txBody>
+          <a:bodyPr/>
+          <a:lstStyle/>
+          <a:p>
+            <a:endParaRPr lang="es-CR"/>
+          </a:p>
+        </p:txBody>
+      </p:sp>
+      <p:sp>
+        <p:nvSpPr>
+          <p:cNvPr id="16" name="Freeform 16"/>
           <p:cNvSpPr/>
           <p:nvPr/>
         </p:nvSpPr>
         <p:spPr>
-          <a:xfrm flipH="false" flipV="false" rot="-10800000">
+          <a:xfrm rot="-10800000">
             <a:off x="14226319" y="4189844"/>
             <a:ext cx="1218296" cy="1907312"/>
           </a:xfrm>
@@ -3691,9 +3735,9 @@
             <a:gdLst/>
             <a:ahLst/>
             <a:cxnLst/>
-            <a:rect r="r" b="b" t="t" l="l"/>
+            <a:rect l="l" t="t" r="r" b="b"/>
             <a:pathLst>
-              <a:path h="1907312" w="1218296">
+              <a:path w="1218296" h="1907312">
                 <a:moveTo>
                   <a:pt x="0" y="0"/>
                 </a:moveTo>
@@ -3722,19 +3766,26 @@
               </a:extLst>
             </a:blip>
             <a:stretch>
-              <a:fillRect l="0" t="0" r="0" b="0"/>
+              <a:fillRect/>
             </a:stretch>
           </a:blipFill>
         </p:spPr>
-      </p:sp>
-      <p:sp>
-        <p:nvSpPr>
-          <p:cNvPr name="Freeform 17" id="17"/>
+        <p:txBody>
+          <a:bodyPr/>
+          <a:lstStyle/>
+          <a:p>
+            <a:endParaRPr lang="es-CR"/>
+          </a:p>
+        </p:txBody>
+      </p:sp>
+      <p:sp>
+        <p:nvSpPr>
+          <p:cNvPr id="17" name="Freeform 17"/>
           <p:cNvSpPr/>
           <p:nvPr/>
         </p:nvSpPr>
         <p:spPr>
-          <a:xfrm flipH="false" flipV="false" rot="-10800000">
+          <a:xfrm rot="-10800000">
             <a:off x="15323726" y="4471286"/>
             <a:ext cx="858754" cy="1344429"/>
           </a:xfrm>
@@ -3743,9 +3794,9 @@
             <a:gdLst/>
             <a:ahLst/>
             <a:cxnLst/>
-            <a:rect r="r" b="b" t="t" l="l"/>
+            <a:rect l="l" t="t" r="r" b="b"/>
             <a:pathLst>
-              <a:path h="1344429" w="858754">
+              <a:path w="858754" h="1344429">
                 <a:moveTo>
                   <a:pt x="0" y="0"/>
                 </a:moveTo>
@@ -3774,19 +3825,26 @@
               </a:extLst>
             </a:blip>
             <a:stretch>
-              <a:fillRect l="0" t="0" r="0" b="0"/>
+              <a:fillRect/>
             </a:stretch>
           </a:blipFill>
         </p:spPr>
-      </p:sp>
-      <p:sp>
-        <p:nvSpPr>
-          <p:cNvPr name="Freeform 18" id="18"/>
+        <p:txBody>
+          <a:bodyPr/>
+          <a:lstStyle/>
+          <a:p>
+            <a:endParaRPr lang="es-CR"/>
+          </a:p>
+        </p:txBody>
+      </p:sp>
+      <p:sp>
+        <p:nvSpPr>
+          <p:cNvPr id="18" name="Freeform 18"/>
           <p:cNvSpPr/>
           <p:nvPr/>
         </p:nvSpPr>
         <p:spPr>
-          <a:xfrm flipH="false" flipV="false" rot="-10800000">
+          <a:xfrm rot="-10800000">
             <a:off x="16268205" y="4650573"/>
             <a:ext cx="629715" cy="985855"/>
           </a:xfrm>
@@ -3795,9 +3853,9 @@
             <a:gdLst/>
             <a:ahLst/>
             <a:cxnLst/>
-            <a:rect r="r" b="b" t="t" l="l"/>
+            <a:rect l="l" t="t" r="r" b="b"/>
             <a:pathLst>
-              <a:path h="985855" w="629715">
+              <a:path w="629715" h="985855">
                 <a:moveTo>
                   <a:pt x="0" y="0"/>
                 </a:moveTo>
@@ -3826,10 +3884,17 @@
               </a:extLst>
             </a:blip>
             <a:stretch>
-              <a:fillRect l="0" t="0" r="0" b="0"/>
+              <a:fillRect/>
             </a:stretch>
           </a:blipFill>
         </p:spPr>
+        <p:txBody>
+          <a:bodyPr/>
+          <a:lstStyle/>
+          <a:p>
+            <a:endParaRPr lang="es-CR"/>
+          </a:p>
+        </p:txBody>
       </p:sp>
     </p:spTree>
   </p:cSld>
@@ -3840,7 +3905,7 @@
 </file>
 
 <file path=ppt/slides/slide2.xml><?xml version="1.0" encoding="utf-8"?>
-<p:sld xmlns:p="http://schemas.openxmlformats.org/presentationml/2006/main" xmlns:a="http://schemas.openxmlformats.org/drawingml/2006/main" xmlns:r="http://schemas.openxmlformats.org/officeDocument/2006/relationships">
+<p:sld xmlns:a="http://schemas.openxmlformats.org/drawingml/2006/main" xmlns:r="http://schemas.openxmlformats.org/officeDocument/2006/relationships" xmlns:p="http://schemas.openxmlformats.org/presentationml/2006/main">
   <p:cSld>
     <p:spTree>
       <p:nvGrpSpPr>
@@ -3858,12 +3923,12 @@
       </p:grpSpPr>
       <p:sp>
         <p:nvSpPr>
-          <p:cNvPr name="Freeform 2" id="2"/>
+          <p:cNvPr id="2" name="Freeform 2"/>
           <p:cNvSpPr/>
           <p:nvPr/>
         </p:nvSpPr>
         <p:spPr>
-          <a:xfrm flipH="false" flipV="false" rot="0">
+          <a:xfrm>
             <a:off x="0" y="0"/>
             <a:ext cx="18288000" cy="10287000"/>
           </a:xfrm>
@@ -3872,9 +3937,9 @@
             <a:gdLst/>
             <a:ahLst/>
             <a:cxnLst/>
-            <a:rect r="r" b="b" t="t" l="l"/>
+            <a:rect l="l" t="t" r="r" b="b"/>
             <a:pathLst>
-              <a:path h="10287000" w="18288000">
+              <a:path w="18288000" h="10287000">
                 <a:moveTo>
                   <a:pt x="0" y="0"/>
                 </a:moveTo>
@@ -3897,19 +3962,26 @@
           <a:blipFill>
             <a:blip r:embed="rId2"/>
             <a:stretch>
-              <a:fillRect l="0" t="-38888" r="0" b="-38888"/>
+              <a:fillRect t="-38888" b="-38888"/>
             </a:stretch>
           </a:blipFill>
         </p:spPr>
-      </p:sp>
-      <p:sp>
-        <p:nvSpPr>
-          <p:cNvPr name="Freeform 3" id="3"/>
+        <p:txBody>
+          <a:bodyPr/>
+          <a:lstStyle/>
+          <a:p>
+            <a:endParaRPr lang="es-CR"/>
+          </a:p>
+        </p:txBody>
+      </p:sp>
+      <p:sp>
+        <p:nvSpPr>
+          <p:cNvPr id="3" name="Freeform 3"/>
           <p:cNvSpPr/>
           <p:nvPr/>
         </p:nvSpPr>
         <p:spPr>
-          <a:xfrm flipH="false" flipV="false" rot="0">
+          <a:xfrm>
             <a:off x="17324710" y="458184"/>
             <a:ext cx="306065" cy="336000"/>
           </a:xfrm>
@@ -3918,9 +3990,9 @@
             <a:gdLst/>
             <a:ahLst/>
             <a:cxnLst/>
-            <a:rect r="r" b="b" t="t" l="l"/>
+            <a:rect l="l" t="t" r="r" b="b"/>
             <a:pathLst>
-              <a:path h="336000" w="306065">
+              <a:path w="306065" h="336000">
                 <a:moveTo>
                   <a:pt x="0" y="0"/>
                 </a:moveTo>
@@ -3949,19 +4021,26 @@
               </a:extLst>
             </a:blip>
             <a:stretch>
-              <a:fillRect l="0" t="0" r="0" b="0"/>
+              <a:fillRect/>
             </a:stretch>
           </a:blipFill>
         </p:spPr>
-      </p:sp>
-      <p:sp>
-        <p:nvSpPr>
-          <p:cNvPr name="Freeform 4" id="4"/>
+        <p:txBody>
+          <a:bodyPr/>
+          <a:lstStyle/>
+          <a:p>
+            <a:endParaRPr lang="es-CR"/>
+          </a:p>
+        </p:txBody>
+      </p:sp>
+      <p:sp>
+        <p:nvSpPr>
+          <p:cNvPr id="4" name="Freeform 4"/>
           <p:cNvSpPr/>
           <p:nvPr/>
         </p:nvSpPr>
         <p:spPr>
-          <a:xfrm flipH="false" flipV="false" rot="0">
+          <a:xfrm>
             <a:off x="602972" y="439904"/>
             <a:ext cx="253149" cy="354280"/>
           </a:xfrm>
@@ -3970,9 +4049,9 @@
             <a:gdLst/>
             <a:ahLst/>
             <a:cxnLst/>
-            <a:rect r="r" b="b" t="t" l="l"/>
+            <a:rect l="l" t="t" r="r" b="b"/>
             <a:pathLst>
-              <a:path h="354280" w="253149">
+              <a:path w="253149" h="354280">
                 <a:moveTo>
                   <a:pt x="0" y="0"/>
                 </a:moveTo>
@@ -4001,14 +4080,21 @@
               </a:extLst>
             </a:blip>
             <a:stretch>
-              <a:fillRect l="0" t="0" r="0" b="0"/>
+              <a:fillRect/>
             </a:stretch>
           </a:blipFill>
         </p:spPr>
+        <p:txBody>
+          <a:bodyPr/>
+          <a:lstStyle/>
+          <a:p>
+            <a:endParaRPr lang="es-CR"/>
+          </a:p>
+        </p:txBody>
       </p:sp>
       <p:grpSp>
         <p:nvGrpSpPr>
-          <p:cNvPr name="Group 5" id="5"/>
+          <p:cNvPr id="5" name="Group 5"/>
           <p:cNvGrpSpPr/>
           <p:nvPr/>
         </p:nvGrpSpPr>
@@ -4022,12 +4108,12 @@
         </p:grpSpPr>
         <p:sp>
           <p:nvSpPr>
-            <p:cNvPr name="Freeform 6" id="6"/>
+            <p:cNvPr id="6" name="Freeform 6"/>
             <p:cNvSpPr/>
             <p:nvPr/>
           </p:nvSpPr>
           <p:spPr>
-            <a:xfrm flipH="false" flipV="false" rot="0">
+            <a:xfrm>
               <a:off x="0" y="0"/>
               <a:ext cx="1347239" cy="579341"/>
             </a:xfrm>
@@ -4036,9 +4122,9 @@
               <a:gdLst/>
               <a:ahLst/>
               <a:cxnLst/>
-              <a:rect r="r" b="b" t="t" l="l"/>
+              <a:rect l="l" t="t" r="r" b="b"/>
               <a:pathLst>
-                <a:path h="579341" w="1347239">
+                <a:path w="1347239" h="579341">
                   <a:moveTo>
                     <a:pt x="673619" y="0"/>
                   </a:moveTo>
@@ -4059,11 +4145,18 @@
               <a:srgbClr val="12F1FF"/>
             </a:solidFill>
           </p:spPr>
+          <p:txBody>
+            <a:bodyPr/>
+            <a:lstStyle/>
+            <a:p>
+              <a:endParaRPr lang="es-CR"/>
+            </a:p>
+          </p:txBody>
         </p:sp>
         <p:sp>
           <p:nvSpPr>
-            <p:cNvPr name="TextBox 7" id="7"/>
-            <p:cNvSpPr txBox="true"/>
+            <p:cNvPr id="7" name="TextBox 7"/>
+            <p:cNvSpPr txBox="1"/>
             <p:nvPr/>
           </p:nvSpPr>
           <p:spPr>
@@ -4076,7 +4169,7 @@
             </a:prstGeom>
           </p:spPr>
           <p:txBody>
-            <a:bodyPr anchor="ctr" rtlCol="false" tIns="50800" lIns="50800" bIns="50800" rIns="50800"/>
+            <a:bodyPr lIns="50800" tIns="50800" rIns="50800" bIns="50800" rtlCol="0" anchor="ctr"/>
             <a:lstStyle/>
             <a:p>
               <a:pPr algn="ctr">
@@ -4087,18 +4180,19 @@
                   <a:spcPct val="0"/>
                 </a:spcBef>
               </a:pPr>
+              <a:endParaRPr/>
             </a:p>
           </p:txBody>
         </p:sp>
       </p:grpSp>
       <p:grpSp>
         <p:nvGrpSpPr>
-          <p:cNvPr name="Group 8" id="8"/>
+          <p:cNvPr id="8" name="Group 8"/>
           <p:cNvGrpSpPr/>
           <p:nvPr/>
         </p:nvGrpSpPr>
         <p:grpSpPr>
-          <a:xfrm rot="0">
+          <a:xfrm>
             <a:off x="1286140" y="5369868"/>
             <a:ext cx="3310410" cy="4917132"/>
             <a:chOff x="0" y="0"/>
@@ -4107,12 +4201,12 @@
         </p:grpSpPr>
         <p:sp>
           <p:nvSpPr>
-            <p:cNvPr name="Freeform 9" id="9"/>
+            <p:cNvPr id="9" name="Freeform 9"/>
             <p:cNvSpPr/>
             <p:nvPr/>
           </p:nvSpPr>
           <p:spPr>
-            <a:xfrm flipH="false" flipV="false" rot="0">
+            <a:xfrm>
               <a:off x="0" y="0"/>
               <a:ext cx="4275074" cy="6350000"/>
             </a:xfrm>
@@ -4121,9 +4215,9 @@
               <a:gdLst/>
               <a:ahLst/>
               <a:cxnLst/>
-              <a:rect r="r" b="b" t="t" l="l"/>
+              <a:rect l="l" t="t" r="r" b="b"/>
               <a:pathLst>
-                <a:path h="6350000" w="4275074">
+                <a:path w="4275074" h="6350000">
                   <a:moveTo>
                     <a:pt x="4275074" y="0"/>
                   </a:moveTo>
@@ -4152,16 +4246,23 @@
               </a:solidFill>
             </a:ln>
           </p:spPr>
+          <p:txBody>
+            <a:bodyPr/>
+            <a:lstStyle/>
+            <a:p>
+              <a:endParaRPr lang="es-CR"/>
+            </a:p>
+          </p:txBody>
         </p:sp>
       </p:grpSp>
       <p:grpSp>
         <p:nvGrpSpPr>
-          <p:cNvPr name="Group 10" id="10"/>
+          <p:cNvPr id="10" name="Group 10"/>
           <p:cNvGrpSpPr/>
           <p:nvPr/>
         </p:nvGrpSpPr>
         <p:grpSpPr>
-          <a:xfrm rot="0">
+          <a:xfrm>
             <a:off x="5655741" y="0"/>
             <a:ext cx="3310410" cy="4917132"/>
             <a:chOff x="0" y="0"/>
@@ -4170,12 +4271,12 @@
         </p:grpSpPr>
         <p:sp>
           <p:nvSpPr>
-            <p:cNvPr name="Freeform 11" id="11"/>
+            <p:cNvPr id="11" name="Freeform 11"/>
             <p:cNvSpPr/>
             <p:nvPr/>
           </p:nvSpPr>
           <p:spPr>
-            <a:xfrm flipH="false" flipV="false" rot="0">
+            <a:xfrm>
               <a:off x="0" y="0"/>
               <a:ext cx="4275074" cy="6350000"/>
             </a:xfrm>
@@ -4184,9 +4285,9 @@
               <a:gdLst/>
               <a:ahLst/>
               <a:cxnLst/>
-              <a:rect r="r" b="b" t="t" l="l"/>
+              <a:rect l="l" t="t" r="r" b="b"/>
               <a:pathLst>
-                <a:path h="6350000" w="4275074">
+                <a:path w="4275074" h="6350000">
                   <a:moveTo>
                     <a:pt x="4275074" y="0"/>
                   </a:moveTo>
@@ -4215,16 +4316,23 @@
               </a:solidFill>
             </a:ln>
           </p:spPr>
+          <p:txBody>
+            <a:bodyPr/>
+            <a:lstStyle/>
+            <a:p>
+              <a:endParaRPr lang="es-CR"/>
+            </a:p>
+          </p:txBody>
         </p:sp>
       </p:grpSp>
       <p:sp>
         <p:nvSpPr>
-          <p:cNvPr name="TextBox 12" id="12"/>
-          <p:cNvSpPr txBox="true"/>
-          <p:nvPr/>
-        </p:nvSpPr>
-        <p:spPr>
-          <a:xfrm rot="0">
+          <p:cNvPr id="12" name="TextBox 12"/>
+          <p:cNvSpPr txBox="1"/>
+          <p:nvPr/>
+        </p:nvSpPr>
+        <p:spPr>
+          <a:xfrm>
             <a:off x="16089294" y="517674"/>
             <a:ext cx="978460" cy="197971"/>
           </a:xfrm>
@@ -4233,7 +4341,7 @@
           </a:prstGeom>
         </p:spPr>
         <p:txBody>
-          <a:bodyPr anchor="t" rtlCol="false" tIns="0" lIns="0" bIns="0" rIns="0">
+          <a:bodyPr lIns="0" tIns="0" rIns="0" bIns="0" rtlCol="0" anchor="t">
             <a:spAutoFit/>
           </a:bodyPr>
           <a:lstStyle/>
@@ -4260,12 +4368,12 @@
       </p:sp>
       <p:sp>
         <p:nvSpPr>
-          <p:cNvPr name="TextBox 13" id="13"/>
-          <p:cNvSpPr txBox="true"/>
-          <p:nvPr/>
-        </p:nvSpPr>
-        <p:spPr>
-          <a:xfrm rot="0">
+          <p:cNvPr id="13" name="TextBox 13"/>
+          <p:cNvSpPr txBox="1"/>
+          <p:nvPr/>
+        </p:nvSpPr>
+        <p:spPr>
+          <a:xfrm>
             <a:off x="14533497" y="517674"/>
             <a:ext cx="1060497" cy="197971"/>
           </a:xfrm>
@@ -4274,7 +4382,7 @@
           </a:prstGeom>
         </p:spPr>
         <p:txBody>
-          <a:bodyPr anchor="t" rtlCol="false" tIns="0" lIns="0" bIns="0" rIns="0">
+          <a:bodyPr lIns="0" tIns="0" rIns="0" bIns="0" rtlCol="0" anchor="t">
             <a:spAutoFit/>
           </a:bodyPr>
           <a:lstStyle/>
@@ -4301,12 +4409,12 @@
       </p:sp>
       <p:sp>
         <p:nvSpPr>
-          <p:cNvPr name="TextBox 14" id="14"/>
-          <p:cNvSpPr txBox="true"/>
-          <p:nvPr/>
-        </p:nvSpPr>
-        <p:spPr>
-          <a:xfrm rot="0">
+          <p:cNvPr id="14" name="TextBox 14"/>
+          <p:cNvSpPr txBox="1"/>
+          <p:nvPr/>
+        </p:nvSpPr>
+        <p:spPr>
+          <a:xfrm>
             <a:off x="13302741" y="517674"/>
             <a:ext cx="735456" cy="197971"/>
           </a:xfrm>
@@ -4315,7 +4423,7 @@
           </a:prstGeom>
         </p:spPr>
         <p:txBody>
-          <a:bodyPr anchor="t" rtlCol="false" tIns="0" lIns="0" bIns="0" rIns="0">
+          <a:bodyPr lIns="0" tIns="0" rIns="0" bIns="0" rtlCol="0" anchor="t">
             <a:spAutoFit/>
           </a:bodyPr>
           <a:lstStyle/>
@@ -4342,12 +4450,12 @@
       </p:sp>
       <p:sp>
         <p:nvSpPr>
-          <p:cNvPr name="TextBox 15" id="15"/>
-          <p:cNvSpPr txBox="true"/>
-          <p:nvPr/>
-        </p:nvSpPr>
-        <p:spPr>
-          <a:xfrm rot="0">
+          <p:cNvPr id="15" name="TextBox 15"/>
+          <p:cNvSpPr txBox="1"/>
+          <p:nvPr/>
+        </p:nvSpPr>
+        <p:spPr>
+          <a:xfrm>
             <a:off x="12046981" y="517674"/>
             <a:ext cx="809760" cy="197971"/>
           </a:xfrm>
@@ -4356,7 +4464,7 @@
           </a:prstGeom>
         </p:spPr>
         <p:txBody>
-          <a:bodyPr anchor="t" rtlCol="false" tIns="0" lIns="0" bIns="0" rIns="0">
+          <a:bodyPr lIns="0" tIns="0" rIns="0" bIns="0" rtlCol="0" anchor="t">
             <a:spAutoFit/>
           </a:bodyPr>
           <a:lstStyle/>
@@ -4383,12 +4491,12 @@
       </p:sp>
       <p:sp>
         <p:nvSpPr>
-          <p:cNvPr name="TextBox 16" id="16"/>
-          <p:cNvSpPr txBox="true"/>
-          <p:nvPr/>
-        </p:nvSpPr>
-        <p:spPr>
-          <a:xfrm rot="0">
+          <p:cNvPr id="16" name="TextBox 16"/>
+          <p:cNvSpPr txBox="1"/>
+          <p:nvPr/>
+        </p:nvSpPr>
+        <p:spPr>
+          <a:xfrm>
             <a:off x="9619429" y="1805817"/>
             <a:ext cx="4770406" cy="1471955"/>
           </a:xfrm>
@@ -4397,7 +4505,7 @@
           </a:prstGeom>
         </p:spPr>
         <p:txBody>
-          <a:bodyPr anchor="t" rtlCol="false" tIns="0" lIns="0" bIns="0" rIns="0">
+          <a:bodyPr lIns="0" tIns="0" rIns="0" bIns="0" rtlCol="0" anchor="t">
             <a:spAutoFit/>
           </a:bodyPr>
           <a:lstStyle/>
@@ -4424,12 +4532,12 @@
       </p:sp>
       <p:sp>
         <p:nvSpPr>
-          <p:cNvPr name="Freeform 17" id="17"/>
+          <p:cNvPr id="17" name="Freeform 17"/>
           <p:cNvSpPr/>
           <p:nvPr/>
         </p:nvSpPr>
         <p:spPr>
-          <a:xfrm flipH="false" flipV="false" rot="0">
+          <a:xfrm>
             <a:off x="10549877" y="2247308"/>
             <a:ext cx="355359" cy="556335"/>
           </a:xfrm>
@@ -4438,9 +4546,9 @@
             <a:gdLst/>
             <a:ahLst/>
             <a:cxnLst/>
-            <a:rect r="r" b="b" t="t" l="l"/>
+            <a:rect l="l" t="t" r="r" b="b"/>
             <a:pathLst>
-              <a:path h="556335" w="355359">
+              <a:path w="355359" h="556335">
                 <a:moveTo>
                   <a:pt x="0" y="0"/>
                 </a:moveTo>
@@ -4469,19 +4577,26 @@
               </a:extLst>
             </a:blip>
             <a:stretch>
-              <a:fillRect l="0" t="0" r="0" b="0"/>
+              <a:fillRect/>
             </a:stretch>
           </a:blipFill>
         </p:spPr>
-      </p:sp>
-      <p:sp>
-        <p:nvSpPr>
-          <p:cNvPr name="Freeform 18" id="18"/>
+        <p:txBody>
+          <a:bodyPr/>
+          <a:lstStyle/>
+          <a:p>
+            <a:endParaRPr lang="es-CR"/>
+          </a:p>
+        </p:txBody>
+      </p:sp>
+      <p:sp>
+        <p:nvSpPr>
+          <p:cNvPr id="18" name="Freeform 18"/>
           <p:cNvSpPr/>
           <p:nvPr/>
         </p:nvSpPr>
         <p:spPr>
-          <a:xfrm flipH="false" flipV="false" rot="0">
+          <a:xfrm>
             <a:off x="11014997" y="2247308"/>
             <a:ext cx="355359" cy="556335"/>
           </a:xfrm>
@@ -4490,9 +4605,9 @@
             <a:gdLst/>
             <a:ahLst/>
             <a:cxnLst/>
-            <a:rect r="r" b="b" t="t" l="l"/>
+            <a:rect l="l" t="t" r="r" b="b"/>
             <a:pathLst>
-              <a:path h="556335" w="355359">
+              <a:path w="355359" h="556335">
                 <a:moveTo>
                   <a:pt x="0" y="0"/>
                 </a:moveTo>
@@ -4521,19 +4636,26 @@
               </a:extLst>
             </a:blip>
             <a:stretch>
-              <a:fillRect l="0" t="0" r="0" b="0"/>
+              <a:fillRect/>
             </a:stretch>
           </a:blipFill>
         </p:spPr>
-      </p:sp>
-      <p:sp>
-        <p:nvSpPr>
-          <p:cNvPr name="Freeform 19" id="19"/>
+        <p:txBody>
+          <a:bodyPr/>
+          <a:lstStyle/>
+          <a:p>
+            <a:endParaRPr lang="es-CR"/>
+          </a:p>
+        </p:txBody>
+      </p:sp>
+      <p:sp>
+        <p:nvSpPr>
+          <p:cNvPr id="19" name="Freeform 19"/>
           <p:cNvSpPr/>
           <p:nvPr/>
         </p:nvSpPr>
         <p:spPr>
-          <a:xfrm flipH="false" flipV="false" rot="0">
+          <a:xfrm>
             <a:off x="11480118" y="2247308"/>
             <a:ext cx="355359" cy="556335"/>
           </a:xfrm>
@@ -4542,9 +4664,9 @@
             <a:gdLst/>
             <a:ahLst/>
             <a:cxnLst/>
-            <a:rect r="r" b="b" t="t" l="l"/>
+            <a:rect l="l" t="t" r="r" b="b"/>
             <a:pathLst>
-              <a:path h="556335" w="355359">
+              <a:path w="355359" h="556335">
                 <a:moveTo>
                   <a:pt x="0" y="0"/>
                 </a:moveTo>
@@ -4573,19 +4695,26 @@
               </a:extLst>
             </a:blip>
             <a:stretch>
-              <a:fillRect l="0" t="0" r="0" b="0"/>
+              <a:fillRect/>
             </a:stretch>
           </a:blipFill>
         </p:spPr>
-      </p:sp>
-      <p:sp>
-        <p:nvSpPr>
-          <p:cNvPr name="TextBox 20" id="20"/>
-          <p:cNvSpPr txBox="true"/>
-          <p:nvPr/>
-        </p:nvSpPr>
-        <p:spPr>
-          <a:xfrm rot="0">
+        <p:txBody>
+          <a:bodyPr/>
+          <a:lstStyle/>
+          <a:p>
+            <a:endParaRPr lang="es-CR"/>
+          </a:p>
+        </p:txBody>
+      </p:sp>
+      <p:sp>
+        <p:nvSpPr>
+          <p:cNvPr id="20" name="TextBox 20"/>
+          <p:cNvSpPr txBox="1"/>
+          <p:nvPr/>
+        </p:nvSpPr>
+        <p:spPr>
+          <a:xfrm>
             <a:off x="8564136" y="3533840"/>
             <a:ext cx="8503618" cy="3624430"/>
           </a:xfrm>
@@ -4594,7 +4723,7 @@
           </a:prstGeom>
         </p:spPr>
         <p:txBody>
-          <a:bodyPr anchor="t" rtlCol="false" tIns="0" lIns="0" bIns="0" rIns="0">
+          <a:bodyPr lIns="0" tIns="0" rIns="0" bIns="0" rtlCol="0" anchor="t">
             <a:spAutoFit/>
           </a:bodyPr>
           <a:lstStyle/>
@@ -4628,7 +4757,7 @@
 </file>
 
 <file path=ppt/slides/slide3.xml><?xml version="1.0" encoding="utf-8"?>
-<p:sld xmlns:p="http://schemas.openxmlformats.org/presentationml/2006/main" xmlns:a="http://schemas.openxmlformats.org/drawingml/2006/main" xmlns:r="http://schemas.openxmlformats.org/officeDocument/2006/relationships">
+<p:sld xmlns:a="http://schemas.openxmlformats.org/drawingml/2006/main" xmlns:r="http://schemas.openxmlformats.org/officeDocument/2006/relationships" xmlns:p="http://schemas.openxmlformats.org/presentationml/2006/main">
   <p:cSld>
     <p:spTree>
       <p:nvGrpSpPr>
@@ -4646,12 +4775,12 @@
       </p:grpSpPr>
       <p:sp>
         <p:nvSpPr>
-          <p:cNvPr name="Freeform 2" id="2"/>
+          <p:cNvPr id="2" name="Freeform 2"/>
           <p:cNvSpPr/>
           <p:nvPr/>
         </p:nvSpPr>
         <p:spPr>
-          <a:xfrm flipH="false" flipV="false" rot="0">
+          <a:xfrm>
             <a:off x="0" y="0"/>
             <a:ext cx="18288000" cy="10287000"/>
           </a:xfrm>
@@ -4660,9 +4789,9 @@
             <a:gdLst/>
             <a:ahLst/>
             <a:cxnLst/>
-            <a:rect r="r" b="b" t="t" l="l"/>
+            <a:rect l="l" t="t" r="r" b="b"/>
             <a:pathLst>
-              <a:path h="10287000" w="18288000">
+              <a:path w="18288000" h="10287000">
                 <a:moveTo>
                   <a:pt x="0" y="0"/>
                 </a:moveTo>
@@ -4685,19 +4814,26 @@
           <a:blipFill>
             <a:blip r:embed="rId2"/>
             <a:stretch>
-              <a:fillRect l="0" t="-38888" r="0" b="-38888"/>
+              <a:fillRect t="-38888" b="-38888"/>
             </a:stretch>
           </a:blipFill>
         </p:spPr>
-      </p:sp>
-      <p:sp>
-        <p:nvSpPr>
-          <p:cNvPr name="Freeform 3" id="3"/>
+        <p:txBody>
+          <a:bodyPr/>
+          <a:lstStyle/>
+          <a:p>
+            <a:endParaRPr lang="es-CR"/>
+          </a:p>
+        </p:txBody>
+      </p:sp>
+      <p:sp>
+        <p:nvSpPr>
+          <p:cNvPr id="3" name="Freeform 3"/>
           <p:cNvSpPr/>
           <p:nvPr/>
         </p:nvSpPr>
         <p:spPr>
-          <a:xfrm flipH="false" flipV="false" rot="0">
+          <a:xfrm>
             <a:off x="17324710" y="458184"/>
             <a:ext cx="306065" cy="336000"/>
           </a:xfrm>
@@ -4706,9 +4842,9 @@
             <a:gdLst/>
             <a:ahLst/>
             <a:cxnLst/>
-            <a:rect r="r" b="b" t="t" l="l"/>
+            <a:rect l="l" t="t" r="r" b="b"/>
             <a:pathLst>
-              <a:path h="336000" w="306065">
+              <a:path w="306065" h="336000">
                 <a:moveTo>
                   <a:pt x="0" y="0"/>
                 </a:moveTo>
@@ -4737,19 +4873,26 @@
               </a:extLst>
             </a:blip>
             <a:stretch>
-              <a:fillRect l="0" t="0" r="0" b="0"/>
+              <a:fillRect/>
             </a:stretch>
           </a:blipFill>
         </p:spPr>
-      </p:sp>
-      <p:sp>
-        <p:nvSpPr>
-          <p:cNvPr name="Freeform 4" id="4"/>
+        <p:txBody>
+          <a:bodyPr/>
+          <a:lstStyle/>
+          <a:p>
+            <a:endParaRPr lang="es-CR"/>
+          </a:p>
+        </p:txBody>
+      </p:sp>
+      <p:sp>
+        <p:nvSpPr>
+          <p:cNvPr id="4" name="Freeform 4"/>
           <p:cNvSpPr/>
           <p:nvPr/>
         </p:nvSpPr>
         <p:spPr>
-          <a:xfrm flipH="false" flipV="false" rot="0">
+          <a:xfrm>
             <a:off x="602972" y="439904"/>
             <a:ext cx="253149" cy="354280"/>
           </a:xfrm>
@@ -4758,9 +4901,9 @@
             <a:gdLst/>
             <a:ahLst/>
             <a:cxnLst/>
-            <a:rect r="r" b="b" t="t" l="l"/>
+            <a:rect l="l" t="t" r="r" b="b"/>
             <a:pathLst>
-              <a:path h="354280" w="253149">
+              <a:path w="253149" h="354280">
                 <a:moveTo>
                   <a:pt x="0" y="0"/>
                 </a:moveTo>
@@ -4789,14 +4932,21 @@
               </a:extLst>
             </a:blip>
             <a:stretch>
-              <a:fillRect l="0" t="0" r="0" b="0"/>
+              <a:fillRect/>
             </a:stretch>
           </a:blipFill>
         </p:spPr>
+        <p:txBody>
+          <a:bodyPr/>
+          <a:lstStyle/>
+          <a:p>
+            <a:endParaRPr lang="es-CR"/>
+          </a:p>
+        </p:txBody>
       </p:sp>
       <p:grpSp>
         <p:nvGrpSpPr>
-          <p:cNvPr name="Group 5" id="5"/>
+          <p:cNvPr id="5" name="Group 5"/>
           <p:cNvGrpSpPr/>
           <p:nvPr/>
         </p:nvGrpSpPr>
@@ -4810,12 +4960,12 @@
         </p:grpSpPr>
         <p:sp>
           <p:nvSpPr>
-            <p:cNvPr name="Freeform 6" id="6"/>
+            <p:cNvPr id="6" name="Freeform 6"/>
             <p:cNvSpPr/>
             <p:nvPr/>
           </p:nvSpPr>
           <p:spPr>
-            <a:xfrm flipH="false" flipV="false" rot="0">
+            <a:xfrm>
               <a:off x="0" y="0"/>
               <a:ext cx="1347239" cy="579341"/>
             </a:xfrm>
@@ -4824,9 +4974,9 @@
               <a:gdLst/>
               <a:ahLst/>
               <a:cxnLst/>
-              <a:rect r="r" b="b" t="t" l="l"/>
+              <a:rect l="l" t="t" r="r" b="b"/>
               <a:pathLst>
-                <a:path h="579341" w="1347239">
+                <a:path w="1347239" h="579341">
                   <a:moveTo>
                     <a:pt x="673619" y="0"/>
                   </a:moveTo>
@@ -4847,11 +4997,18 @@
               <a:srgbClr val="12F1FF"/>
             </a:solidFill>
           </p:spPr>
+          <p:txBody>
+            <a:bodyPr/>
+            <a:lstStyle/>
+            <a:p>
+              <a:endParaRPr lang="es-CR"/>
+            </a:p>
+          </p:txBody>
         </p:sp>
         <p:sp>
           <p:nvSpPr>
-            <p:cNvPr name="TextBox 7" id="7"/>
-            <p:cNvSpPr txBox="true"/>
+            <p:cNvPr id="7" name="TextBox 7"/>
+            <p:cNvSpPr txBox="1"/>
             <p:nvPr/>
           </p:nvSpPr>
           <p:spPr>
@@ -4864,7 +5021,7 @@
             </a:prstGeom>
           </p:spPr>
           <p:txBody>
-            <a:bodyPr anchor="ctr" rtlCol="false" tIns="50800" lIns="50800" bIns="50800" rIns="50800"/>
+            <a:bodyPr lIns="50800" tIns="50800" rIns="50800" bIns="50800" rtlCol="0" anchor="ctr"/>
             <a:lstStyle/>
             <a:p>
               <a:pPr algn="ctr">
@@ -4875,18 +5032,19 @@
                   <a:spcPct val="0"/>
                 </a:spcBef>
               </a:pPr>
+              <a:endParaRPr/>
             </a:p>
           </p:txBody>
         </p:sp>
       </p:grpSp>
       <p:grpSp>
         <p:nvGrpSpPr>
-          <p:cNvPr name="Group 8" id="8"/>
+          <p:cNvPr id="8" name="Group 8"/>
           <p:cNvGrpSpPr/>
           <p:nvPr/>
         </p:nvGrpSpPr>
         <p:grpSpPr>
-          <a:xfrm rot="0">
+          <a:xfrm>
             <a:off x="0" y="6666286"/>
             <a:ext cx="2669523" cy="3799826"/>
             <a:chOff x="0" y="0"/>
@@ -4895,12 +5053,12 @@
         </p:grpSpPr>
         <p:sp>
           <p:nvSpPr>
-            <p:cNvPr name="Freeform 9" id="9"/>
+            <p:cNvPr id="9" name="Freeform 9"/>
             <p:cNvSpPr/>
             <p:nvPr/>
           </p:nvSpPr>
           <p:spPr>
-            <a:xfrm flipH="false" flipV="false" rot="0">
+            <a:xfrm>
               <a:off x="0" y="0"/>
               <a:ext cx="703084" cy="1000777"/>
             </a:xfrm>
@@ -4909,9 +5067,9 @@
               <a:gdLst/>
               <a:ahLst/>
               <a:cxnLst/>
-              <a:rect r="r" b="b" t="t" l="l"/>
+              <a:rect l="l" t="t" r="r" b="b"/>
               <a:pathLst>
-                <a:path h="1000777" w="703084">
+                <a:path w="703084" h="1000777">
                   <a:moveTo>
                     <a:pt x="0" y="0"/>
                   </a:moveTo>
@@ -4932,11 +5090,18 @@
               <a:srgbClr val="12F1FF"/>
             </a:solidFill>
           </p:spPr>
+          <p:txBody>
+            <a:bodyPr/>
+            <a:lstStyle/>
+            <a:p>
+              <a:endParaRPr lang="es-CR"/>
+            </a:p>
+          </p:txBody>
         </p:sp>
         <p:sp>
           <p:nvSpPr>
-            <p:cNvPr name="TextBox 10" id="10"/>
-            <p:cNvSpPr txBox="true"/>
+            <p:cNvPr id="10" name="TextBox 10"/>
+            <p:cNvSpPr txBox="1"/>
             <p:nvPr/>
           </p:nvSpPr>
           <p:spPr>
@@ -4949,7 +5114,7 @@
             </a:prstGeom>
           </p:spPr>
           <p:txBody>
-            <a:bodyPr anchor="ctr" rtlCol="false" tIns="50800" lIns="50800" bIns="50800" rIns="50800"/>
+            <a:bodyPr lIns="50800" tIns="50800" rIns="50800" bIns="50800" rtlCol="0" anchor="ctr"/>
             <a:lstStyle/>
             <a:p>
               <a:pPr algn="ctr">
@@ -4957,18 +5122,19 @@
                   <a:spcPts val="2659"/>
                 </a:lnSpc>
               </a:pPr>
+              <a:endParaRPr/>
             </a:p>
           </p:txBody>
         </p:sp>
       </p:grpSp>
       <p:sp>
         <p:nvSpPr>
-          <p:cNvPr name="TextBox 11" id="11"/>
-          <p:cNvSpPr txBox="true"/>
-          <p:nvPr/>
-        </p:nvSpPr>
-        <p:spPr>
-          <a:xfrm rot="0">
+          <p:cNvPr id="11" name="TextBox 11"/>
+          <p:cNvSpPr txBox="1"/>
+          <p:nvPr/>
+        </p:nvSpPr>
+        <p:spPr>
+          <a:xfrm>
             <a:off x="16089294" y="517674"/>
             <a:ext cx="978460" cy="197971"/>
           </a:xfrm>
@@ -4977,7 +5143,7 @@
           </a:prstGeom>
         </p:spPr>
         <p:txBody>
-          <a:bodyPr anchor="t" rtlCol="false" tIns="0" lIns="0" bIns="0" rIns="0">
+          <a:bodyPr lIns="0" tIns="0" rIns="0" bIns="0" rtlCol="0" anchor="t">
             <a:spAutoFit/>
           </a:bodyPr>
           <a:lstStyle/>
@@ -5004,12 +5170,12 @@
       </p:sp>
       <p:sp>
         <p:nvSpPr>
-          <p:cNvPr name="TextBox 12" id="12"/>
-          <p:cNvSpPr txBox="true"/>
-          <p:nvPr/>
-        </p:nvSpPr>
-        <p:spPr>
-          <a:xfrm rot="0">
+          <p:cNvPr id="12" name="TextBox 12"/>
+          <p:cNvSpPr txBox="1"/>
+          <p:nvPr/>
+        </p:nvSpPr>
+        <p:spPr>
+          <a:xfrm>
             <a:off x="14533497" y="517674"/>
             <a:ext cx="1060497" cy="197971"/>
           </a:xfrm>
@@ -5018,7 +5184,7 @@
           </a:prstGeom>
         </p:spPr>
         <p:txBody>
-          <a:bodyPr anchor="t" rtlCol="false" tIns="0" lIns="0" bIns="0" rIns="0">
+          <a:bodyPr lIns="0" tIns="0" rIns="0" bIns="0" rtlCol="0" anchor="t">
             <a:spAutoFit/>
           </a:bodyPr>
           <a:lstStyle/>
@@ -5045,12 +5211,12 @@
       </p:sp>
       <p:sp>
         <p:nvSpPr>
-          <p:cNvPr name="TextBox 13" id="13"/>
-          <p:cNvSpPr txBox="true"/>
-          <p:nvPr/>
-        </p:nvSpPr>
-        <p:spPr>
-          <a:xfrm rot="0">
+          <p:cNvPr id="13" name="TextBox 13"/>
+          <p:cNvSpPr txBox="1"/>
+          <p:nvPr/>
+        </p:nvSpPr>
+        <p:spPr>
+          <a:xfrm>
             <a:off x="13302741" y="517674"/>
             <a:ext cx="735456" cy="197971"/>
           </a:xfrm>
@@ -5059,7 +5225,7 @@
           </a:prstGeom>
         </p:spPr>
         <p:txBody>
-          <a:bodyPr anchor="t" rtlCol="false" tIns="0" lIns="0" bIns="0" rIns="0">
+          <a:bodyPr lIns="0" tIns="0" rIns="0" bIns="0" rtlCol="0" anchor="t">
             <a:spAutoFit/>
           </a:bodyPr>
           <a:lstStyle/>
@@ -5086,12 +5252,12 @@
       </p:sp>
       <p:sp>
         <p:nvSpPr>
-          <p:cNvPr name="TextBox 14" id="14"/>
-          <p:cNvSpPr txBox="true"/>
-          <p:nvPr/>
-        </p:nvSpPr>
-        <p:spPr>
-          <a:xfrm rot="0">
+          <p:cNvPr id="14" name="TextBox 14"/>
+          <p:cNvSpPr txBox="1"/>
+          <p:nvPr/>
+        </p:nvSpPr>
+        <p:spPr>
+          <a:xfrm>
             <a:off x="12046981" y="517674"/>
             <a:ext cx="809760" cy="197971"/>
           </a:xfrm>
@@ -5100,7 +5266,7 @@
           </a:prstGeom>
         </p:spPr>
         <p:txBody>
-          <a:bodyPr anchor="t" rtlCol="false" tIns="0" lIns="0" bIns="0" rIns="0">
+          <a:bodyPr lIns="0" tIns="0" rIns="0" bIns="0" rtlCol="0" anchor="t">
             <a:spAutoFit/>
           </a:bodyPr>
           <a:lstStyle/>
@@ -5127,12 +5293,12 @@
       </p:sp>
       <p:sp>
         <p:nvSpPr>
-          <p:cNvPr name="TextBox 15" id="15"/>
-          <p:cNvSpPr txBox="true"/>
-          <p:nvPr/>
-        </p:nvSpPr>
-        <p:spPr>
-          <a:xfrm rot="0">
+          <p:cNvPr id="15" name="TextBox 15"/>
+          <p:cNvSpPr txBox="1"/>
+          <p:nvPr/>
+        </p:nvSpPr>
+        <p:spPr>
+          <a:xfrm>
             <a:off x="7225993" y="1115831"/>
             <a:ext cx="5630748" cy="1471955"/>
           </a:xfrm>
@@ -5141,7 +5307,7 @@
           </a:prstGeom>
         </p:spPr>
         <p:txBody>
-          <a:bodyPr anchor="t" rtlCol="false" tIns="0" lIns="0" bIns="0" rIns="0">
+          <a:bodyPr lIns="0" tIns="0" rIns="0" bIns="0" rtlCol="0" anchor="t">
             <a:spAutoFit/>
           </a:bodyPr>
           <a:lstStyle/>
@@ -5168,12 +5334,12 @@
       </p:sp>
       <p:sp>
         <p:nvSpPr>
-          <p:cNvPr name="Freeform 16" id="16"/>
+          <p:cNvPr id="16" name="Freeform 16"/>
           <p:cNvSpPr/>
           <p:nvPr/>
         </p:nvSpPr>
         <p:spPr>
-          <a:xfrm flipH="false" flipV="false" rot="0">
+          <a:xfrm>
             <a:off x="10668341" y="2309619"/>
             <a:ext cx="355359" cy="556335"/>
           </a:xfrm>
@@ -5182,9 +5348,9 @@
             <a:gdLst/>
             <a:ahLst/>
             <a:cxnLst/>
-            <a:rect r="r" b="b" t="t" l="l"/>
+            <a:rect l="l" t="t" r="r" b="b"/>
             <a:pathLst>
-              <a:path h="556335" w="355359">
+              <a:path w="355359" h="556335">
                 <a:moveTo>
                   <a:pt x="0" y="0"/>
                 </a:moveTo>
@@ -5213,19 +5379,26 @@
               </a:extLst>
             </a:blip>
             <a:stretch>
-              <a:fillRect l="0" t="0" r="0" b="0"/>
+              <a:fillRect/>
             </a:stretch>
           </a:blipFill>
         </p:spPr>
-      </p:sp>
-      <p:sp>
-        <p:nvSpPr>
-          <p:cNvPr name="Freeform 17" id="17"/>
+        <p:txBody>
+          <a:bodyPr/>
+          <a:lstStyle/>
+          <a:p>
+            <a:endParaRPr lang="es-CR"/>
+          </a:p>
+        </p:txBody>
+      </p:sp>
+      <p:sp>
+        <p:nvSpPr>
+          <p:cNvPr id="17" name="Freeform 17"/>
           <p:cNvSpPr/>
           <p:nvPr/>
         </p:nvSpPr>
         <p:spPr>
-          <a:xfrm flipH="false" flipV="false" rot="0">
+          <a:xfrm>
             <a:off x="11133462" y="2309619"/>
             <a:ext cx="355359" cy="556335"/>
           </a:xfrm>
@@ -5234,9 +5407,9 @@
             <a:gdLst/>
             <a:ahLst/>
             <a:cxnLst/>
-            <a:rect r="r" b="b" t="t" l="l"/>
+            <a:rect l="l" t="t" r="r" b="b"/>
             <a:pathLst>
-              <a:path h="556335" w="355359">
+              <a:path w="355359" h="556335">
                 <a:moveTo>
                   <a:pt x="0" y="0"/>
                 </a:moveTo>
@@ -5265,19 +5438,26 @@
               </a:extLst>
             </a:blip>
             <a:stretch>
-              <a:fillRect l="0" t="0" r="0" b="0"/>
+              <a:fillRect/>
             </a:stretch>
           </a:blipFill>
         </p:spPr>
-      </p:sp>
-      <p:sp>
-        <p:nvSpPr>
-          <p:cNvPr name="Freeform 18" id="18"/>
+        <p:txBody>
+          <a:bodyPr/>
+          <a:lstStyle/>
+          <a:p>
+            <a:endParaRPr lang="es-CR"/>
+          </a:p>
+        </p:txBody>
+      </p:sp>
+      <p:sp>
+        <p:nvSpPr>
+          <p:cNvPr id="18" name="Freeform 18"/>
           <p:cNvSpPr/>
           <p:nvPr/>
         </p:nvSpPr>
         <p:spPr>
-          <a:xfrm flipH="false" flipV="false" rot="0">
+          <a:xfrm>
             <a:off x="11598582" y="2309619"/>
             <a:ext cx="355359" cy="556335"/>
           </a:xfrm>
@@ -5286,9 +5466,9 @@
             <a:gdLst/>
             <a:ahLst/>
             <a:cxnLst/>
-            <a:rect r="r" b="b" t="t" l="l"/>
+            <a:rect l="l" t="t" r="r" b="b"/>
             <a:pathLst>
-              <a:path h="556335" w="355359">
+              <a:path w="355359" h="556335">
                 <a:moveTo>
                   <a:pt x="0" y="0"/>
                 </a:moveTo>
@@ -5317,28 +5497,35 @@
               </a:extLst>
             </a:blip>
             <a:stretch>
-              <a:fillRect l="0" t="0" r="0" b="0"/>
+              <a:fillRect/>
             </a:stretch>
           </a:blipFill>
         </p:spPr>
-      </p:sp>
-      <p:sp>
-        <p:nvSpPr>
-          <p:cNvPr name="TextBox 19" id="19"/>
-          <p:cNvSpPr txBox="true"/>
-          <p:nvPr/>
-        </p:nvSpPr>
-        <p:spPr>
-          <a:xfrm rot="0">
+        <p:txBody>
+          <a:bodyPr/>
+          <a:lstStyle/>
+          <a:p>
+            <a:endParaRPr lang="es-CR"/>
+          </a:p>
+        </p:txBody>
+      </p:sp>
+      <p:sp>
+        <p:nvSpPr>
+          <p:cNvPr id="19" name="TextBox 19"/>
+          <p:cNvSpPr txBox="1"/>
+          <p:nvPr/>
+        </p:nvSpPr>
+        <p:spPr>
+          <a:xfrm>
             <a:off x="3614134" y="2886548"/>
-            <a:ext cx="10056335" cy="3779739"/>
+            <a:ext cx="10056335" cy="3824445"/>
           </a:xfrm>
           <a:prstGeom prst="rect">
             <a:avLst/>
           </a:prstGeom>
         </p:spPr>
         <p:txBody>
-          <a:bodyPr anchor="t" rtlCol="false" tIns="0" lIns="0" bIns="0" rIns="0">
+          <a:bodyPr lIns="0" tIns="0" rIns="0" bIns="0" rtlCol="0" anchor="t">
             <a:spAutoFit/>
           </a:bodyPr>
           <a:lstStyle/>
@@ -5352,25 +5539,511 @@
               </a:spcBef>
             </a:pPr>
             <a:r>
-              <a:rPr lang="en-US" sz="3089">
+              <a:rPr lang="en-US" sz="3089" dirty="0">
                 <a:solidFill>
                   <a:srgbClr val="FFFFFF"/>
                 </a:solidFill>
                 <a:latin typeface="Open Sans"/>
               </a:rPr>
-              <a:t>Thrift es utilizado para crear aplicaciones distribuidas y microservicios que requieren comunicación entre componentes escritos en diferentes lenguajes de programación. Es especialmente útil en entornos donde se necesita alta eficiencia y soporte para múltiples lenguajes de programación, como C++, Java, Python, PHP, Ruby, Erlang, Perl, Haskell, C#, y más.</a:t>
-            </a:r>
-          </a:p>
-        </p:txBody>
-      </p:sp>
-      <p:sp>
-        <p:nvSpPr>
-          <p:cNvPr name="TextBox 20" id="20"/>
-          <p:cNvSpPr txBox="true"/>
-          <p:nvPr/>
-        </p:nvSpPr>
-        <p:spPr>
-          <a:xfrm rot="0">
+              <a:t>Thrift es </a:t>
+            </a:r>
+            <a:r>
+              <a:rPr lang="en-US" sz="3089" dirty="0" err="1">
+                <a:solidFill>
+                  <a:srgbClr val="FFFFFF"/>
+                </a:solidFill>
+                <a:latin typeface="Open Sans"/>
+              </a:rPr>
+              <a:t>utilizado</a:t>
+            </a:r>
+            <a:r>
+              <a:rPr lang="en-US" sz="3089" dirty="0">
+                <a:solidFill>
+                  <a:srgbClr val="FFFFFF"/>
+                </a:solidFill>
+                <a:latin typeface="Open Sans"/>
+              </a:rPr>
+              <a:t> para </a:t>
+            </a:r>
+            <a:r>
+              <a:rPr lang="en-US" sz="3089" dirty="0" err="1">
+                <a:solidFill>
+                  <a:srgbClr val="FFFFFF"/>
+                </a:solidFill>
+                <a:latin typeface="Open Sans"/>
+              </a:rPr>
+              <a:t>crear</a:t>
+            </a:r>
+            <a:r>
+              <a:rPr lang="en-US" sz="3089" dirty="0">
+                <a:solidFill>
+                  <a:srgbClr val="FFFFFF"/>
+                </a:solidFill>
+                <a:latin typeface="Open Sans"/>
+              </a:rPr>
+              <a:t> </a:t>
+            </a:r>
+            <a:r>
+              <a:rPr lang="en-US" sz="3089" dirty="0" err="1">
+                <a:solidFill>
+                  <a:srgbClr val="FFFFFF"/>
+                </a:solidFill>
+                <a:latin typeface="Open Sans"/>
+              </a:rPr>
+              <a:t>aplicaciones</a:t>
+            </a:r>
+            <a:r>
+              <a:rPr lang="en-US" sz="3089" dirty="0">
+                <a:solidFill>
+                  <a:srgbClr val="FFFFFF"/>
+                </a:solidFill>
+                <a:latin typeface="Open Sans"/>
+              </a:rPr>
+              <a:t> </a:t>
+            </a:r>
+            <a:r>
+              <a:rPr lang="en-US" sz="3089" dirty="0" err="1">
+                <a:solidFill>
+                  <a:srgbClr val="FFFFFF"/>
+                </a:solidFill>
+                <a:latin typeface="Open Sans"/>
+              </a:rPr>
+              <a:t>distribuidas</a:t>
+            </a:r>
+            <a:r>
+              <a:rPr lang="en-US" sz="3089" dirty="0">
+                <a:solidFill>
+                  <a:srgbClr val="FFFFFF"/>
+                </a:solidFill>
+                <a:latin typeface="Open Sans"/>
+              </a:rPr>
+              <a:t> y </a:t>
+            </a:r>
+            <a:r>
+              <a:rPr lang="en-US" sz="3089" dirty="0" err="1">
+                <a:solidFill>
+                  <a:srgbClr val="FFFFFF"/>
+                </a:solidFill>
+                <a:latin typeface="Open Sans"/>
+              </a:rPr>
+              <a:t>microservicios</a:t>
+            </a:r>
+            <a:r>
+              <a:rPr lang="en-US" sz="3089" dirty="0">
+                <a:solidFill>
+                  <a:srgbClr val="FFFFFF"/>
+                </a:solidFill>
+                <a:latin typeface="Open Sans"/>
+              </a:rPr>
+              <a:t> que </a:t>
+            </a:r>
+            <a:r>
+              <a:rPr lang="en-US" sz="3089" dirty="0" err="1">
+                <a:solidFill>
+                  <a:srgbClr val="FFFFFF"/>
+                </a:solidFill>
+                <a:latin typeface="Open Sans"/>
+              </a:rPr>
+              <a:t>requieren</a:t>
+            </a:r>
+            <a:r>
+              <a:rPr lang="en-US" sz="3089" dirty="0">
+                <a:solidFill>
+                  <a:srgbClr val="FFFFFF"/>
+                </a:solidFill>
+                <a:latin typeface="Open Sans"/>
+              </a:rPr>
+              <a:t> </a:t>
+            </a:r>
+            <a:r>
+              <a:rPr lang="en-US" sz="3089" dirty="0" err="1">
+                <a:solidFill>
+                  <a:srgbClr val="FFFFFF"/>
+                </a:solidFill>
+                <a:latin typeface="Open Sans"/>
+              </a:rPr>
+              <a:t>comunicación</a:t>
+            </a:r>
+            <a:r>
+              <a:rPr lang="en-US" sz="3089" dirty="0">
+                <a:solidFill>
+                  <a:srgbClr val="FFFFFF"/>
+                </a:solidFill>
+                <a:latin typeface="Open Sans"/>
+              </a:rPr>
+              <a:t> entre </a:t>
+            </a:r>
+            <a:r>
+              <a:rPr lang="en-US" sz="3089" dirty="0" err="1">
+                <a:solidFill>
+                  <a:srgbClr val="FFFFFF"/>
+                </a:solidFill>
+                <a:latin typeface="Open Sans"/>
+              </a:rPr>
+              <a:t>componentes</a:t>
+            </a:r>
+            <a:r>
+              <a:rPr lang="en-US" sz="3089" dirty="0">
+                <a:solidFill>
+                  <a:srgbClr val="FFFFFF"/>
+                </a:solidFill>
+                <a:latin typeface="Open Sans"/>
+              </a:rPr>
+              <a:t> </a:t>
+            </a:r>
+            <a:r>
+              <a:rPr lang="en-US" sz="3089" dirty="0" err="1">
+                <a:solidFill>
+                  <a:srgbClr val="FFFFFF"/>
+                </a:solidFill>
+                <a:latin typeface="Open Sans"/>
+              </a:rPr>
+              <a:t>escritos</a:t>
+            </a:r>
+            <a:r>
+              <a:rPr lang="en-US" sz="3089" dirty="0">
+                <a:solidFill>
+                  <a:srgbClr val="FFFFFF"/>
+                </a:solidFill>
+                <a:latin typeface="Open Sans"/>
+              </a:rPr>
+              <a:t> </a:t>
+            </a:r>
+            <a:r>
+              <a:rPr lang="en-US" sz="3089" dirty="0" err="1">
+                <a:solidFill>
+                  <a:srgbClr val="FFFFFF"/>
+                </a:solidFill>
+                <a:latin typeface="Open Sans"/>
+              </a:rPr>
+              <a:t>en</a:t>
+            </a:r>
+            <a:r>
+              <a:rPr lang="en-US" sz="3089" dirty="0">
+                <a:solidFill>
+                  <a:srgbClr val="FFFFFF"/>
+                </a:solidFill>
+                <a:latin typeface="Open Sans"/>
+              </a:rPr>
+              <a:t> </a:t>
+            </a:r>
+            <a:r>
+              <a:rPr lang="en-US" sz="3089" dirty="0" err="1">
+                <a:solidFill>
+                  <a:srgbClr val="FFFFFF"/>
+                </a:solidFill>
+                <a:latin typeface="Open Sans"/>
+              </a:rPr>
+              <a:t>diferentes</a:t>
+            </a:r>
+            <a:r>
+              <a:rPr lang="en-US" sz="3089" dirty="0">
+                <a:solidFill>
+                  <a:srgbClr val="FFFFFF"/>
+                </a:solidFill>
+                <a:latin typeface="Open Sans"/>
+              </a:rPr>
+              <a:t> </a:t>
+            </a:r>
+            <a:r>
+              <a:rPr lang="en-US" sz="3089" dirty="0" err="1">
+                <a:solidFill>
+                  <a:srgbClr val="FFFFFF"/>
+                </a:solidFill>
+                <a:latin typeface="Open Sans"/>
+              </a:rPr>
+              <a:t>lenguajes</a:t>
+            </a:r>
+            <a:r>
+              <a:rPr lang="en-US" sz="3089" dirty="0">
+                <a:solidFill>
+                  <a:srgbClr val="FFFFFF"/>
+                </a:solidFill>
+                <a:latin typeface="Open Sans"/>
+              </a:rPr>
+              <a:t> de </a:t>
+            </a:r>
+            <a:r>
+              <a:rPr lang="en-US" sz="3089" dirty="0" err="1">
+                <a:solidFill>
+                  <a:srgbClr val="FFFFFF"/>
+                </a:solidFill>
+                <a:latin typeface="Open Sans"/>
+              </a:rPr>
+              <a:t>programación</a:t>
+            </a:r>
+            <a:r>
+              <a:rPr lang="en-US" sz="3089" dirty="0">
+                <a:solidFill>
+                  <a:srgbClr val="FFFFFF"/>
+                </a:solidFill>
+                <a:latin typeface="Open Sans"/>
+              </a:rPr>
+              <a:t>. Es </a:t>
+            </a:r>
+            <a:r>
+              <a:rPr lang="en-US" sz="3089" dirty="0" err="1">
+                <a:solidFill>
+                  <a:srgbClr val="FFFFFF"/>
+                </a:solidFill>
+                <a:latin typeface="Open Sans"/>
+              </a:rPr>
+              <a:t>especialmente</a:t>
+            </a:r>
+            <a:r>
+              <a:rPr lang="en-US" sz="3089" dirty="0">
+                <a:solidFill>
+                  <a:srgbClr val="FFFFFF"/>
+                </a:solidFill>
+                <a:latin typeface="Open Sans"/>
+              </a:rPr>
+              <a:t> </a:t>
+            </a:r>
+            <a:r>
+              <a:rPr lang="en-US" sz="3089" dirty="0" err="1">
+                <a:solidFill>
+                  <a:srgbClr val="FFFFFF"/>
+                </a:solidFill>
+                <a:latin typeface="Open Sans"/>
+              </a:rPr>
+              <a:t>útil</a:t>
+            </a:r>
+            <a:r>
+              <a:rPr lang="en-US" sz="3089" dirty="0">
+                <a:solidFill>
+                  <a:srgbClr val="FFFFFF"/>
+                </a:solidFill>
+                <a:latin typeface="Open Sans"/>
+              </a:rPr>
+              <a:t> </a:t>
+            </a:r>
+            <a:r>
+              <a:rPr lang="en-US" sz="3089" dirty="0" err="1">
+                <a:solidFill>
+                  <a:srgbClr val="FFFFFF"/>
+                </a:solidFill>
+                <a:latin typeface="Open Sans"/>
+              </a:rPr>
+              <a:t>en</a:t>
+            </a:r>
+            <a:r>
+              <a:rPr lang="en-US" sz="3089" dirty="0">
+                <a:solidFill>
+                  <a:srgbClr val="FFFFFF"/>
+                </a:solidFill>
+                <a:latin typeface="Open Sans"/>
+              </a:rPr>
+              <a:t> </a:t>
+            </a:r>
+            <a:r>
+              <a:rPr lang="en-US" sz="3089" dirty="0" err="1">
+                <a:solidFill>
+                  <a:srgbClr val="FFFFFF"/>
+                </a:solidFill>
+                <a:latin typeface="Open Sans"/>
+              </a:rPr>
+              <a:t>entornos</a:t>
+            </a:r>
+            <a:r>
+              <a:rPr lang="en-US" sz="3089" dirty="0">
+                <a:solidFill>
+                  <a:srgbClr val="FFFFFF"/>
+                </a:solidFill>
+                <a:latin typeface="Open Sans"/>
+              </a:rPr>
+              <a:t> </a:t>
+            </a:r>
+            <a:r>
+              <a:rPr lang="en-US" sz="3089" dirty="0" err="1">
+                <a:solidFill>
+                  <a:srgbClr val="FFFFFF"/>
+                </a:solidFill>
+                <a:latin typeface="Open Sans"/>
+              </a:rPr>
+              <a:t>donde</a:t>
+            </a:r>
+            <a:r>
+              <a:rPr lang="en-US" sz="3089" dirty="0">
+                <a:solidFill>
+                  <a:srgbClr val="FFFFFF"/>
+                </a:solidFill>
+                <a:latin typeface="Open Sans"/>
+              </a:rPr>
+              <a:t> se </a:t>
+            </a:r>
+            <a:r>
+              <a:rPr lang="en-US" sz="3089" dirty="0" err="1">
+                <a:solidFill>
+                  <a:srgbClr val="FFFFFF"/>
+                </a:solidFill>
+                <a:latin typeface="Open Sans"/>
+              </a:rPr>
+              <a:t>necesita</a:t>
+            </a:r>
+            <a:r>
+              <a:rPr lang="en-US" sz="3089" dirty="0">
+                <a:solidFill>
+                  <a:srgbClr val="FFFFFF"/>
+                </a:solidFill>
+                <a:latin typeface="Open Sans"/>
+              </a:rPr>
+              <a:t> </a:t>
+            </a:r>
+            <a:r>
+              <a:rPr lang="en-US" sz="3089" dirty="0" err="1">
+                <a:solidFill>
+                  <a:srgbClr val="FFFFFF"/>
+                </a:solidFill>
+                <a:latin typeface="Open Sans"/>
+              </a:rPr>
+              <a:t>alta</a:t>
+            </a:r>
+            <a:r>
+              <a:rPr lang="en-US" sz="3089" dirty="0">
+                <a:solidFill>
+                  <a:srgbClr val="FFFFFF"/>
+                </a:solidFill>
+                <a:latin typeface="Open Sans"/>
+              </a:rPr>
+              <a:t> </a:t>
+            </a:r>
+            <a:r>
+              <a:rPr lang="en-US" sz="3089" dirty="0" err="1">
+                <a:solidFill>
+                  <a:srgbClr val="FFFFFF"/>
+                </a:solidFill>
+                <a:latin typeface="Open Sans"/>
+              </a:rPr>
+              <a:t>eficiencia</a:t>
+            </a:r>
+            <a:r>
+              <a:rPr lang="en-US" sz="3089" dirty="0">
+                <a:solidFill>
+                  <a:srgbClr val="FFFFFF"/>
+                </a:solidFill>
+                <a:latin typeface="Open Sans"/>
+              </a:rPr>
+              <a:t> y </a:t>
+            </a:r>
+            <a:r>
+              <a:rPr lang="en-US" sz="3089" dirty="0" err="1">
+                <a:solidFill>
+                  <a:srgbClr val="FFFFFF"/>
+                </a:solidFill>
+                <a:latin typeface="Open Sans"/>
+              </a:rPr>
+              <a:t>soporte</a:t>
+            </a:r>
+            <a:r>
+              <a:rPr lang="en-US" sz="3089" dirty="0">
+                <a:solidFill>
+                  <a:srgbClr val="FFFFFF"/>
+                </a:solidFill>
+                <a:latin typeface="Open Sans"/>
+              </a:rPr>
+              <a:t> para </a:t>
+            </a:r>
+            <a:r>
+              <a:rPr lang="en-US" sz="3089" dirty="0" err="1">
+                <a:solidFill>
+                  <a:srgbClr val="FFFFFF"/>
+                </a:solidFill>
+                <a:latin typeface="Open Sans"/>
+              </a:rPr>
+              <a:t>múltiples</a:t>
+            </a:r>
+            <a:r>
+              <a:rPr lang="en-US" sz="3089" dirty="0">
+                <a:solidFill>
+                  <a:srgbClr val="FFFFFF"/>
+                </a:solidFill>
+                <a:latin typeface="Open Sans"/>
+              </a:rPr>
+              <a:t> </a:t>
+            </a:r>
+            <a:r>
+              <a:rPr lang="en-US" sz="3089" dirty="0" err="1">
+                <a:solidFill>
+                  <a:srgbClr val="FFFFFF"/>
+                </a:solidFill>
+                <a:latin typeface="Open Sans"/>
+              </a:rPr>
+              <a:t>lenguajes</a:t>
+            </a:r>
+            <a:r>
+              <a:rPr lang="en-US" sz="3089" dirty="0">
+                <a:solidFill>
+                  <a:srgbClr val="FFFFFF"/>
+                </a:solidFill>
+                <a:latin typeface="Open Sans"/>
+              </a:rPr>
+              <a:t> de </a:t>
+            </a:r>
+            <a:r>
+              <a:rPr lang="en-US" sz="3089" dirty="0" err="1">
+                <a:solidFill>
+                  <a:srgbClr val="FFFFFF"/>
+                </a:solidFill>
+                <a:latin typeface="Open Sans"/>
+              </a:rPr>
+              <a:t>programación</a:t>
+            </a:r>
+            <a:r>
+              <a:rPr lang="en-US" sz="3089" dirty="0">
+                <a:solidFill>
+                  <a:srgbClr val="FFFFFF"/>
+                </a:solidFill>
+                <a:latin typeface="Open Sans"/>
+              </a:rPr>
+              <a:t>, </a:t>
+            </a:r>
+            <a:r>
+              <a:rPr lang="en-US" sz="3089" dirty="0" err="1">
+                <a:solidFill>
+                  <a:srgbClr val="FFFFFF"/>
+                </a:solidFill>
+                <a:latin typeface="Open Sans"/>
+              </a:rPr>
+              <a:t>como</a:t>
+            </a:r>
+            <a:r>
+              <a:rPr lang="en-US" sz="3089" dirty="0">
+                <a:solidFill>
+                  <a:srgbClr val="FFFFFF"/>
+                </a:solidFill>
+                <a:latin typeface="Open Sans"/>
+              </a:rPr>
+              <a:t> C++, Java, Python, PHP, Ruby y </a:t>
+            </a:r>
+            <a:r>
+              <a:rPr lang="en-US" sz="3089" dirty="0" err="1">
+                <a:solidFill>
+                  <a:srgbClr val="FFFFFF"/>
+                </a:solidFill>
+                <a:latin typeface="Open Sans"/>
+              </a:rPr>
+              <a:t>más</a:t>
+            </a:r>
+            <a:r>
+              <a:rPr lang="en-US" sz="3089" dirty="0">
+                <a:solidFill>
+                  <a:srgbClr val="FFFFFF"/>
+                </a:solidFill>
+                <a:latin typeface="Open Sans"/>
+              </a:rPr>
+              <a:t>.</a:t>
+            </a:r>
+          </a:p>
+        </p:txBody>
+      </p:sp>
+      <p:sp>
+        <p:nvSpPr>
+          <p:cNvPr id="20" name="TextBox 20"/>
+          <p:cNvSpPr txBox="1"/>
+          <p:nvPr/>
+        </p:nvSpPr>
+        <p:spPr>
+          <a:xfrm>
             <a:off x="10759162" y="4984939"/>
             <a:ext cx="496110" cy="297180"/>
           </a:xfrm>
@@ -5379,7 +6052,7 @@
           </a:prstGeom>
         </p:spPr>
         <p:txBody>
-          <a:bodyPr anchor="t" rtlCol="false" tIns="0" lIns="0" bIns="0" rIns="0">
+          <a:bodyPr lIns="0" tIns="0" rIns="0" bIns="0" rtlCol="0" anchor="t">
             <a:spAutoFit/>
           </a:bodyPr>
           <a:lstStyle/>
@@ -5413,7 +6086,7 @@
 </file>
 
 <file path=ppt/slides/slide4.xml><?xml version="1.0" encoding="utf-8"?>
-<p:sld xmlns:p="http://schemas.openxmlformats.org/presentationml/2006/main" xmlns:a="http://schemas.openxmlformats.org/drawingml/2006/main" xmlns:r="http://schemas.openxmlformats.org/officeDocument/2006/relationships">
+<p:sld xmlns:a="http://schemas.openxmlformats.org/drawingml/2006/main" xmlns:r="http://schemas.openxmlformats.org/officeDocument/2006/relationships" xmlns:p="http://schemas.openxmlformats.org/presentationml/2006/main">
   <p:cSld>
     <p:spTree>
       <p:nvGrpSpPr>
@@ -5431,12 +6104,12 @@
       </p:grpSpPr>
       <p:sp>
         <p:nvSpPr>
-          <p:cNvPr name="Freeform 2" id="2"/>
+          <p:cNvPr id="2" name="Freeform 2"/>
           <p:cNvSpPr/>
           <p:nvPr/>
         </p:nvSpPr>
         <p:spPr>
-          <a:xfrm flipH="false" flipV="false" rot="0">
+          <a:xfrm>
             <a:off x="0" y="0"/>
             <a:ext cx="18288000" cy="10287000"/>
           </a:xfrm>
@@ -5445,9 +6118,9 @@
             <a:gdLst/>
             <a:ahLst/>
             <a:cxnLst/>
-            <a:rect r="r" b="b" t="t" l="l"/>
+            <a:rect l="l" t="t" r="r" b="b"/>
             <a:pathLst>
-              <a:path h="10287000" w="18288000">
+              <a:path w="18288000" h="10287000">
                 <a:moveTo>
                   <a:pt x="0" y="0"/>
                 </a:moveTo>
@@ -5470,19 +6143,26 @@
           <a:blipFill>
             <a:blip r:embed="rId2"/>
             <a:stretch>
-              <a:fillRect l="0" t="-38888" r="0" b="-38888"/>
+              <a:fillRect t="-38888" b="-38888"/>
             </a:stretch>
           </a:blipFill>
         </p:spPr>
-      </p:sp>
-      <p:sp>
-        <p:nvSpPr>
-          <p:cNvPr name="Freeform 3" id="3"/>
+        <p:txBody>
+          <a:bodyPr/>
+          <a:lstStyle/>
+          <a:p>
+            <a:endParaRPr lang="es-CR"/>
+          </a:p>
+        </p:txBody>
+      </p:sp>
+      <p:sp>
+        <p:nvSpPr>
+          <p:cNvPr id="3" name="Freeform 3"/>
           <p:cNvSpPr/>
           <p:nvPr/>
         </p:nvSpPr>
         <p:spPr>
-          <a:xfrm flipH="false" flipV="false" rot="0">
+          <a:xfrm>
             <a:off x="17324710" y="458184"/>
             <a:ext cx="306065" cy="336000"/>
           </a:xfrm>
@@ -5491,9 +6171,9 @@
             <a:gdLst/>
             <a:ahLst/>
             <a:cxnLst/>
-            <a:rect r="r" b="b" t="t" l="l"/>
+            <a:rect l="l" t="t" r="r" b="b"/>
             <a:pathLst>
-              <a:path h="336000" w="306065">
+              <a:path w="306065" h="336000">
                 <a:moveTo>
                   <a:pt x="0" y="0"/>
                 </a:moveTo>
@@ -5522,19 +6202,26 @@
               </a:extLst>
             </a:blip>
             <a:stretch>
-              <a:fillRect l="0" t="0" r="0" b="0"/>
+              <a:fillRect/>
             </a:stretch>
           </a:blipFill>
         </p:spPr>
-      </p:sp>
-      <p:sp>
-        <p:nvSpPr>
-          <p:cNvPr name="Freeform 4" id="4"/>
+        <p:txBody>
+          <a:bodyPr/>
+          <a:lstStyle/>
+          <a:p>
+            <a:endParaRPr lang="es-CR"/>
+          </a:p>
+        </p:txBody>
+      </p:sp>
+      <p:sp>
+        <p:nvSpPr>
+          <p:cNvPr id="4" name="Freeform 4"/>
           <p:cNvSpPr/>
           <p:nvPr/>
         </p:nvSpPr>
         <p:spPr>
-          <a:xfrm flipH="false" flipV="false" rot="0">
+          <a:xfrm>
             <a:off x="602972" y="439904"/>
             <a:ext cx="253149" cy="354280"/>
           </a:xfrm>
@@ -5543,9 +6230,9 @@
             <a:gdLst/>
             <a:ahLst/>
             <a:cxnLst/>
-            <a:rect r="r" b="b" t="t" l="l"/>
+            <a:rect l="l" t="t" r="r" b="b"/>
             <a:pathLst>
-              <a:path h="354280" w="253149">
+              <a:path w="253149" h="354280">
                 <a:moveTo>
                   <a:pt x="0" y="0"/>
                 </a:moveTo>
@@ -5574,132 +6261,21 @@
               </a:extLst>
             </a:blip>
             <a:stretch>
-              <a:fillRect l="0" t="0" r="0" b="0"/>
+              <a:fillRect/>
             </a:stretch>
           </a:blipFill>
         </p:spPr>
+        <p:txBody>
+          <a:bodyPr/>
+          <a:lstStyle/>
+          <a:p>
+            <a:endParaRPr lang="es-CR"/>
+          </a:p>
+        </p:txBody>
       </p:sp>
       <p:grpSp>
         <p:nvGrpSpPr>
-          <p:cNvPr name="Group 5" id="5"/>
-          <p:cNvGrpSpPr/>
-          <p:nvPr/>
-        </p:nvGrpSpPr>
-        <p:grpSpPr>
-          <a:xfrm rot="0">
-            <a:off x="10420735" y="4902831"/>
-            <a:ext cx="4700562" cy="4700562"/>
-            <a:chOff x="0" y="0"/>
-            <a:chExt cx="6350000" cy="6350000"/>
-          </a:xfrm>
-        </p:grpSpPr>
-        <p:sp>
-          <p:nvSpPr>
-            <p:cNvPr name="Freeform 6" id="6"/>
-            <p:cNvSpPr/>
-            <p:nvPr/>
-          </p:nvSpPr>
-          <p:spPr>
-            <a:xfrm flipH="false" flipV="false" rot="0">
-              <a:off x="0" y="0"/>
-              <a:ext cx="6350000" cy="6350000"/>
-            </a:xfrm>
-            <a:custGeom>
-              <a:avLst/>
-              <a:gdLst/>
-              <a:ahLst/>
-              <a:cxnLst/>
-              <a:rect r="r" b="b" t="t" l="l"/>
-              <a:pathLst>
-                <a:path h="6350000" w="6350000">
-                  <a:moveTo>
-                    <a:pt x="6350000" y="0"/>
-                  </a:moveTo>
-                  <a:lnTo>
-                    <a:pt x="6350000" y="6350000"/>
-                  </a:lnTo>
-                  <a:lnTo>
-                    <a:pt x="1224280" y="6350000"/>
-                  </a:lnTo>
-                  <a:lnTo>
-                    <a:pt x="0" y="0"/>
-                  </a:lnTo>
-                  <a:close/>
-                </a:path>
-              </a:pathLst>
-            </a:custGeom>
-            <a:solidFill>
-              <a:srgbClr val="12F1FF"/>
-            </a:solidFill>
-            <a:ln w="12700">
-              <a:solidFill>
-                <a:srgbClr val="000000"/>
-              </a:solidFill>
-            </a:ln>
-          </p:spPr>
-        </p:sp>
-      </p:grpSp>
-      <p:grpSp>
-        <p:nvGrpSpPr>
-          <p:cNvPr name="Group 7" id="7"/>
-          <p:cNvGrpSpPr/>
-          <p:nvPr/>
-        </p:nvGrpSpPr>
-        <p:grpSpPr>
-          <a:xfrm rot="0">
-            <a:off x="10062710" y="1028700"/>
-            <a:ext cx="8229600" cy="8229600"/>
-            <a:chOff x="0" y="0"/>
-            <a:chExt cx="6350000" cy="6350000"/>
-          </a:xfrm>
-        </p:grpSpPr>
-        <p:sp>
-          <p:nvSpPr>
-            <p:cNvPr name="Freeform 8" id="8"/>
-            <p:cNvSpPr/>
-            <p:nvPr/>
-          </p:nvSpPr>
-          <p:spPr>
-            <a:xfrm flipH="true" flipV="false" rot="0">
-              <a:off x="0" y="0"/>
-              <a:ext cx="6350000" cy="6350000"/>
-            </a:xfrm>
-            <a:custGeom>
-              <a:avLst/>
-              <a:gdLst/>
-              <a:ahLst/>
-              <a:cxnLst/>
-              <a:rect r="r" b="b" t="t" l="l"/>
-              <a:pathLst>
-                <a:path h="6350000" w="6350000">
-                  <a:moveTo>
-                    <a:pt x="0" y="0"/>
-                  </a:moveTo>
-                  <a:lnTo>
-                    <a:pt x="0" y="6350000"/>
-                  </a:lnTo>
-                  <a:lnTo>
-                    <a:pt x="5125720" y="6350000"/>
-                  </a:lnTo>
-                  <a:lnTo>
-                    <a:pt x="6350000" y="0"/>
-                  </a:lnTo>
-                  <a:close/>
-                </a:path>
-              </a:pathLst>
-            </a:custGeom>
-            <a:blipFill>
-              <a:blip r:embed="rId7"/>
-              <a:stretch>
-                <a:fillRect l="-24026" t="0" r="-26066" b="0"/>
-              </a:stretch>
-            </a:blipFill>
-          </p:spPr>
-        </p:sp>
-      </p:grpSp>
-      <p:grpSp>
-        <p:nvGrpSpPr>
-          <p:cNvPr name="Group 9" id="9"/>
+          <p:cNvPr id="5" name="Group 5"/>
           <p:cNvGrpSpPr/>
           <p:nvPr/>
         </p:nvGrpSpPr>
@@ -5713,12 +6289,12 @@
         </p:grpSpPr>
         <p:sp>
           <p:nvSpPr>
-            <p:cNvPr name="Freeform 10" id="10"/>
+            <p:cNvPr id="6" name="Freeform 6"/>
             <p:cNvSpPr/>
             <p:nvPr/>
           </p:nvSpPr>
           <p:spPr>
-            <a:xfrm flipH="false" flipV="false" rot="0">
+            <a:xfrm>
               <a:off x="0" y="0"/>
               <a:ext cx="1347239" cy="579341"/>
             </a:xfrm>
@@ -5727,9 +6303,9 @@
               <a:gdLst/>
               <a:ahLst/>
               <a:cxnLst/>
-              <a:rect r="r" b="b" t="t" l="l"/>
+              <a:rect l="l" t="t" r="r" b="b"/>
               <a:pathLst>
-                <a:path h="579341" w="1347239">
+                <a:path w="1347239" h="579341">
                   <a:moveTo>
                     <a:pt x="673619" y="0"/>
                   </a:moveTo>
@@ -5750,11 +6326,18 @@
               <a:srgbClr val="12F1FF"/>
             </a:solidFill>
           </p:spPr>
+          <p:txBody>
+            <a:bodyPr/>
+            <a:lstStyle/>
+            <a:p>
+              <a:endParaRPr lang="es-CR"/>
+            </a:p>
+          </p:txBody>
         </p:sp>
         <p:sp>
           <p:nvSpPr>
-            <p:cNvPr name="TextBox 11" id="11"/>
-            <p:cNvSpPr txBox="true"/>
+            <p:cNvPr id="7" name="TextBox 7"/>
+            <p:cNvSpPr txBox="1"/>
             <p:nvPr/>
           </p:nvSpPr>
           <p:spPr>
@@ -5767,7 +6350,7 @@
             </a:prstGeom>
           </p:spPr>
           <p:txBody>
-            <a:bodyPr anchor="ctr" rtlCol="false" tIns="50800" lIns="50800" bIns="50800" rIns="50800"/>
+            <a:bodyPr lIns="50800" tIns="50800" rIns="50800" bIns="50800" rtlCol="0" anchor="ctr"/>
             <a:lstStyle/>
             <a:p>
               <a:pPr algn="ctr">
@@ -5778,415 +6361,55 @@
                   <a:spcPct val="0"/>
                 </a:spcBef>
               </a:pPr>
+              <a:endParaRPr/>
             </a:p>
           </p:txBody>
         </p:sp>
       </p:grpSp>
-      <p:sp>
-        <p:nvSpPr>
-          <p:cNvPr name="TextBox 12" id="12"/>
-          <p:cNvSpPr txBox="true"/>
-          <p:nvPr/>
-        </p:nvSpPr>
-        <p:spPr>
-          <a:xfrm rot="0">
-            <a:off x="16089294" y="517674"/>
-            <a:ext cx="978460" cy="197971"/>
-          </a:xfrm>
-          <a:prstGeom prst="rect">
-            <a:avLst/>
-          </a:prstGeom>
-        </p:spPr>
-        <p:txBody>
-          <a:bodyPr anchor="t" rtlCol="false" tIns="0" lIns="0" bIns="0" rIns="0">
-            <a:spAutoFit/>
-          </a:bodyPr>
-          <a:lstStyle/>
-          <a:p>
-            <a:pPr algn="l">
-              <a:lnSpc>
-                <a:spcPts val="1680"/>
-              </a:lnSpc>
-              <a:spcBef>
-                <a:spcPct val="0"/>
-              </a:spcBef>
-            </a:pPr>
-            <a:r>
-              <a:rPr lang="en-US" sz="1200">
-                <a:solidFill>
-                  <a:srgbClr val="FFFFFF"/>
-                </a:solidFill>
-                <a:latin typeface="Open Sans"/>
-              </a:rPr>
-              <a:t>Contact</a:t>
-            </a:r>
-          </a:p>
-        </p:txBody>
-      </p:sp>
-      <p:sp>
-        <p:nvSpPr>
-          <p:cNvPr name="TextBox 13" id="13"/>
-          <p:cNvSpPr txBox="true"/>
-          <p:nvPr/>
-        </p:nvSpPr>
-        <p:spPr>
-          <a:xfrm rot="0">
-            <a:off x="14533497" y="517674"/>
-            <a:ext cx="1060497" cy="197971"/>
-          </a:xfrm>
-          <a:prstGeom prst="rect">
-            <a:avLst/>
-          </a:prstGeom>
-        </p:spPr>
-        <p:txBody>
-          <a:bodyPr anchor="t" rtlCol="false" tIns="0" lIns="0" bIns="0" rIns="0">
-            <a:spAutoFit/>
-          </a:bodyPr>
-          <a:lstStyle/>
-          <a:p>
-            <a:pPr algn="l">
-              <a:lnSpc>
-                <a:spcPts val="1680"/>
-              </a:lnSpc>
-              <a:spcBef>
-                <a:spcPct val="0"/>
-              </a:spcBef>
-            </a:pPr>
-            <a:r>
-              <a:rPr lang="en-US" sz="1200">
-                <a:solidFill>
-                  <a:srgbClr val="FFFFFF"/>
-                </a:solidFill>
-                <a:latin typeface="Open Sans"/>
-              </a:rPr>
-              <a:t>About Us</a:t>
-            </a:r>
-          </a:p>
-        </p:txBody>
-      </p:sp>
-      <p:sp>
-        <p:nvSpPr>
-          <p:cNvPr name="TextBox 14" id="14"/>
-          <p:cNvSpPr txBox="true"/>
-          <p:nvPr/>
-        </p:nvSpPr>
-        <p:spPr>
-          <a:xfrm rot="0">
-            <a:off x="13302741" y="517674"/>
-            <a:ext cx="735456" cy="197971"/>
-          </a:xfrm>
-          <a:prstGeom prst="rect">
-            <a:avLst/>
-          </a:prstGeom>
-        </p:spPr>
-        <p:txBody>
-          <a:bodyPr anchor="t" rtlCol="false" tIns="0" lIns="0" bIns="0" rIns="0">
-            <a:spAutoFit/>
-          </a:bodyPr>
-          <a:lstStyle/>
-          <a:p>
-            <a:pPr algn="l">
-              <a:lnSpc>
-                <a:spcPts val="1680"/>
-              </a:lnSpc>
-              <a:spcBef>
-                <a:spcPct val="0"/>
-              </a:spcBef>
-            </a:pPr>
-            <a:r>
-              <a:rPr lang="en-US" sz="1200">
-                <a:solidFill>
-                  <a:srgbClr val="FFFFFF"/>
-                </a:solidFill>
-                <a:latin typeface="Open Sans"/>
-              </a:rPr>
-              <a:t>Service</a:t>
-            </a:r>
-          </a:p>
-        </p:txBody>
-      </p:sp>
-      <p:sp>
-        <p:nvSpPr>
-          <p:cNvPr name="TextBox 15" id="15"/>
-          <p:cNvSpPr txBox="true"/>
-          <p:nvPr/>
-        </p:nvSpPr>
-        <p:spPr>
-          <a:xfrm rot="0">
-            <a:off x="12046981" y="517674"/>
-            <a:ext cx="809760" cy="197971"/>
-          </a:xfrm>
-          <a:prstGeom prst="rect">
-            <a:avLst/>
-          </a:prstGeom>
-        </p:spPr>
-        <p:txBody>
-          <a:bodyPr anchor="t" rtlCol="false" tIns="0" lIns="0" bIns="0" rIns="0">
-            <a:spAutoFit/>
-          </a:bodyPr>
-          <a:lstStyle/>
-          <a:p>
-            <a:pPr algn="l">
-              <a:lnSpc>
-                <a:spcPts val="1680"/>
-              </a:lnSpc>
-              <a:spcBef>
-                <a:spcPct val="0"/>
-              </a:spcBef>
-            </a:pPr>
-            <a:r>
-              <a:rPr lang="en-US" sz="1200">
-                <a:solidFill>
-                  <a:srgbClr val="FFFFFF"/>
-                </a:solidFill>
-                <a:latin typeface="Open Sans"/>
-              </a:rPr>
-              <a:t>Home</a:t>
-            </a:r>
-          </a:p>
-        </p:txBody>
-      </p:sp>
-      <p:sp>
-        <p:nvSpPr>
-          <p:cNvPr name="TextBox 16" id="16"/>
-          <p:cNvSpPr txBox="true"/>
-          <p:nvPr/>
-        </p:nvSpPr>
-        <p:spPr>
-          <a:xfrm rot="0">
-            <a:off x="1886793" y="1285191"/>
-            <a:ext cx="5384039" cy="2118740"/>
-          </a:xfrm>
-          <a:prstGeom prst="rect">
-            <a:avLst/>
-          </a:prstGeom>
-        </p:spPr>
-        <p:txBody>
-          <a:bodyPr anchor="t" rtlCol="false" tIns="0" lIns="0" bIns="0" rIns="0">
-            <a:spAutoFit/>
-          </a:bodyPr>
-          <a:lstStyle/>
-          <a:p>
-            <a:pPr algn="l">
-              <a:lnSpc>
-                <a:spcPts val="8515"/>
-              </a:lnSpc>
-              <a:spcBef>
-                <a:spcPct val="0"/>
-              </a:spcBef>
-            </a:pPr>
-            <a:r>
-              <a:rPr lang="en-US" sz="6082">
-                <a:solidFill>
-                  <a:srgbClr val="FFFFFF"/>
-                </a:solidFill>
-                <a:latin typeface="TT Octosquares Compressed"/>
-              </a:rPr>
-              <a:t>CARACTERÍSTICAS CLAVE:</a:t>
-            </a:r>
-          </a:p>
-        </p:txBody>
-      </p:sp>
-      <p:sp>
-        <p:nvSpPr>
-          <p:cNvPr name="Freeform 17" id="17"/>
-          <p:cNvSpPr/>
-          <p:nvPr/>
-        </p:nvSpPr>
-        <p:spPr>
-          <a:xfrm flipH="false" flipV="false" rot="0">
-            <a:off x="2110424" y="2128306"/>
-            <a:ext cx="355359" cy="556335"/>
-          </a:xfrm>
-          <a:custGeom>
-            <a:avLst/>
-            <a:gdLst/>
-            <a:ahLst/>
-            <a:cxnLst/>
-            <a:rect r="r" b="b" t="t" l="l"/>
-            <a:pathLst>
-              <a:path h="556335" w="355359">
-                <a:moveTo>
-                  <a:pt x="0" y="0"/>
-                </a:moveTo>
-                <a:lnTo>
-                  <a:pt x="355359" y="0"/>
-                </a:lnTo>
-                <a:lnTo>
-                  <a:pt x="355359" y="556335"/>
-                </a:lnTo>
-                <a:lnTo>
-                  <a:pt x="0" y="556335"/>
-                </a:lnTo>
-                <a:lnTo>
-                  <a:pt x="0" y="0"/>
-                </a:lnTo>
-                <a:close/>
-              </a:path>
-            </a:pathLst>
-          </a:custGeom>
-          <a:blipFill>
-            <a:blip r:embed="rId8">
-              <a:extLst>
-                <a:ext uri="{96DAC541-7B7A-43D3-8B79-37D633B846F1}">
-                  <asvg:svgBlip xmlns:asvg="http://schemas.microsoft.com/office/drawing/2016/SVG/main" r:embed="rId9"/>
-                </a:ext>
-              </a:extLst>
-            </a:blip>
-            <a:stretch>
-              <a:fillRect l="0" t="0" r="0" b="0"/>
-            </a:stretch>
-          </a:blipFill>
-        </p:spPr>
-      </p:sp>
-      <p:sp>
-        <p:nvSpPr>
-          <p:cNvPr name="Freeform 18" id="18"/>
-          <p:cNvSpPr/>
-          <p:nvPr/>
-        </p:nvSpPr>
-        <p:spPr>
-          <a:xfrm flipH="false" flipV="false" rot="0">
-            <a:off x="2575544" y="2128306"/>
-            <a:ext cx="355359" cy="556335"/>
-          </a:xfrm>
-          <a:custGeom>
-            <a:avLst/>
-            <a:gdLst/>
-            <a:ahLst/>
-            <a:cxnLst/>
-            <a:rect r="r" b="b" t="t" l="l"/>
-            <a:pathLst>
-              <a:path h="556335" w="355359">
-                <a:moveTo>
-                  <a:pt x="0" y="0"/>
-                </a:moveTo>
-                <a:lnTo>
-                  <a:pt x="355359" y="0"/>
-                </a:lnTo>
-                <a:lnTo>
-                  <a:pt x="355359" y="556335"/>
-                </a:lnTo>
-                <a:lnTo>
-                  <a:pt x="0" y="556335"/>
-                </a:lnTo>
-                <a:lnTo>
-                  <a:pt x="0" y="0"/>
-                </a:lnTo>
-                <a:close/>
-              </a:path>
-            </a:pathLst>
-          </a:custGeom>
-          <a:blipFill>
-            <a:blip r:embed="rId8">
-              <a:extLst>
-                <a:ext uri="{96DAC541-7B7A-43D3-8B79-37D633B846F1}">
-                  <asvg:svgBlip xmlns:asvg="http://schemas.microsoft.com/office/drawing/2016/SVG/main" r:embed="rId9"/>
-                </a:ext>
-              </a:extLst>
-            </a:blip>
-            <a:stretch>
-              <a:fillRect l="0" t="0" r="0" b="0"/>
-            </a:stretch>
-          </a:blipFill>
-        </p:spPr>
-      </p:sp>
-      <p:sp>
-        <p:nvSpPr>
-          <p:cNvPr name="Freeform 19" id="19"/>
-          <p:cNvSpPr/>
-          <p:nvPr/>
-        </p:nvSpPr>
-        <p:spPr>
-          <a:xfrm flipH="false" flipV="false" rot="0">
-            <a:off x="3040664" y="2128306"/>
-            <a:ext cx="355359" cy="556335"/>
-          </a:xfrm>
-          <a:custGeom>
-            <a:avLst/>
-            <a:gdLst/>
-            <a:ahLst/>
-            <a:cxnLst/>
-            <a:rect r="r" b="b" t="t" l="l"/>
-            <a:pathLst>
-              <a:path h="556335" w="355359">
-                <a:moveTo>
-                  <a:pt x="0" y="0"/>
-                </a:moveTo>
-                <a:lnTo>
-                  <a:pt x="355359" y="0"/>
-                </a:lnTo>
-                <a:lnTo>
-                  <a:pt x="355359" y="556335"/>
-                </a:lnTo>
-                <a:lnTo>
-                  <a:pt x="0" y="556335"/>
-                </a:lnTo>
-                <a:lnTo>
-                  <a:pt x="0" y="0"/>
-                </a:lnTo>
-                <a:close/>
-              </a:path>
-            </a:pathLst>
-          </a:custGeom>
-          <a:blipFill>
-            <a:blip r:embed="rId8">
-              <a:extLst>
-                <a:ext uri="{96DAC541-7B7A-43D3-8B79-37D633B846F1}">
-                  <asvg:svgBlip xmlns:asvg="http://schemas.microsoft.com/office/drawing/2016/SVG/main" r:embed="rId9"/>
-                </a:ext>
-              </a:extLst>
-            </a:blip>
-            <a:stretch>
-              <a:fillRect l="0" t="0" r="0" b="0"/>
-            </a:stretch>
-          </a:blipFill>
-        </p:spPr>
-      </p:sp>
       <p:grpSp>
         <p:nvGrpSpPr>
-          <p:cNvPr name="Group 20" id="20"/>
+          <p:cNvPr id="8" name="Group 8"/>
           <p:cNvGrpSpPr/>
           <p:nvPr/>
         </p:nvGrpSpPr>
         <p:grpSpPr>
-          <a:xfrm rot="0">
-            <a:off x="1886793" y="3832338"/>
-            <a:ext cx="677751" cy="677751"/>
+          <a:xfrm>
+            <a:off x="0" y="6666286"/>
+            <a:ext cx="2669523" cy="3799826"/>
             <a:chOff x="0" y="0"/>
-            <a:chExt cx="812800" cy="812800"/>
+            <a:chExt cx="703084" cy="1000777"/>
           </a:xfrm>
         </p:grpSpPr>
         <p:sp>
           <p:nvSpPr>
-            <p:cNvPr name="Freeform 21" id="21"/>
+            <p:cNvPr id="9" name="Freeform 9"/>
             <p:cNvSpPr/>
             <p:nvPr/>
           </p:nvSpPr>
           <p:spPr>
-            <a:xfrm flipH="false" flipV="false" rot="0">
+            <a:xfrm>
               <a:off x="0" y="0"/>
-              <a:ext cx="812800" cy="812800"/>
+              <a:ext cx="703084" cy="1000777"/>
             </a:xfrm>
             <a:custGeom>
               <a:avLst/>
               <a:gdLst/>
               <a:ahLst/>
               <a:cxnLst/>
-              <a:rect r="r" b="b" t="t" l="l"/>
+              <a:rect l="l" t="t" r="r" b="b"/>
               <a:pathLst>
-                <a:path h="812800" w="812800">
+                <a:path w="703084" h="1000777">
                   <a:moveTo>
                     <a:pt x="0" y="0"/>
                   </a:moveTo>
                   <a:lnTo>
-                    <a:pt x="812800" y="0"/>
+                    <a:pt x="703084" y="0"/>
                   </a:lnTo>
                   <a:lnTo>
-                    <a:pt x="812800" y="812800"/>
+                    <a:pt x="703084" y="1000777"/>
                   </a:lnTo>
                   <a:lnTo>
-                    <a:pt x="0" y="812800"/>
+                    <a:pt x="0" y="1000777"/>
                   </a:lnTo>
                   <a:close/>
                 </a:path>
@@ -6196,93 +6419,483 @@
               <a:srgbClr val="12F1FF"/>
             </a:solidFill>
           </p:spPr>
+          <p:txBody>
+            <a:bodyPr/>
+            <a:lstStyle/>
+            <a:p>
+              <a:endParaRPr lang="es-CR"/>
+            </a:p>
+          </p:txBody>
         </p:sp>
         <p:sp>
           <p:nvSpPr>
-            <p:cNvPr name="TextBox 22" id="22"/>
-            <p:cNvSpPr txBox="true"/>
+            <p:cNvPr id="10" name="TextBox 10"/>
+            <p:cNvSpPr txBox="1"/>
             <p:nvPr/>
           </p:nvSpPr>
           <p:spPr>
             <a:xfrm>
-              <a:off x="0" y="-47625"/>
-              <a:ext cx="812800" cy="860425"/>
+              <a:off x="0" y="-38100"/>
+              <a:ext cx="703084" cy="1038877"/>
             </a:xfrm>
             <a:prstGeom prst="rect">
               <a:avLst/>
             </a:prstGeom>
           </p:spPr>
           <p:txBody>
-            <a:bodyPr anchor="ctr" rtlCol="false" tIns="50800" lIns="50800" bIns="50800" rIns="50800"/>
+            <a:bodyPr lIns="50800" tIns="50800" rIns="50800" bIns="50800" rtlCol="0" anchor="ctr"/>
             <a:lstStyle/>
             <a:p>
               <a:pPr algn="ctr">
                 <a:lnSpc>
-                  <a:spcPts val="2239"/>
+                  <a:spcPts val="2659"/>
                 </a:lnSpc>
               </a:pPr>
+              <a:endParaRPr/>
             </a:p>
           </p:txBody>
         </p:sp>
       </p:grpSp>
       <p:sp>
         <p:nvSpPr>
-          <p:cNvPr name="TextBox 23" id="23"/>
-          <p:cNvSpPr txBox="true"/>
-          <p:nvPr/>
-        </p:nvSpPr>
-        <p:spPr>
-          <a:xfrm rot="0">
-            <a:off x="2960114" y="3843777"/>
-            <a:ext cx="5245590" cy="871220"/>
+          <p:cNvPr id="11" name="TextBox 11"/>
+          <p:cNvSpPr txBox="1"/>
+          <p:nvPr/>
+        </p:nvSpPr>
+        <p:spPr>
+          <a:xfrm>
+            <a:off x="16089294" y="517674"/>
+            <a:ext cx="978460" cy="197971"/>
           </a:xfrm>
           <a:prstGeom prst="rect">
             <a:avLst/>
           </a:prstGeom>
         </p:spPr>
         <p:txBody>
-          <a:bodyPr anchor="t" rtlCol="false" tIns="0" lIns="0" bIns="0" rIns="0">
+          <a:bodyPr lIns="0" tIns="0" rIns="0" bIns="0" rtlCol="0" anchor="t">
             <a:spAutoFit/>
           </a:bodyPr>
           <a:lstStyle/>
           <a:p>
             <a:pPr algn="l">
               <a:lnSpc>
-                <a:spcPts val="2379"/>
+                <a:spcPts val="1680"/>
               </a:lnSpc>
               <a:spcBef>
                 <a:spcPct val="0"/>
               </a:spcBef>
             </a:pPr>
             <a:r>
-              <a:rPr lang="en-US" sz="1699">
+              <a:rPr lang="en-US" sz="1200">
                 <a:solidFill>
                   <a:srgbClr val="FFFFFF"/>
                 </a:solidFill>
                 <a:latin typeface="Open Sans"/>
               </a:rPr>
-              <a:t>Multilenguaje: Soporta una amplia gama de lenguajes de programación, facilitando la interoperabilidad. </a:t>
-            </a:r>
-          </a:p>
-        </p:txBody>
-      </p:sp>
-      <p:sp>
-        <p:nvSpPr>
-          <p:cNvPr name="TextBox 24" id="24"/>
-          <p:cNvSpPr txBox="true"/>
-          <p:nvPr/>
-        </p:nvSpPr>
-        <p:spPr>
-          <a:xfrm rot="0">
-            <a:off x="1977613" y="4008336"/>
-            <a:ext cx="496110" cy="297180"/>
+              <a:t>Contact</a:t>
+            </a:r>
+          </a:p>
+        </p:txBody>
+      </p:sp>
+      <p:sp>
+        <p:nvSpPr>
+          <p:cNvPr id="12" name="TextBox 12"/>
+          <p:cNvSpPr txBox="1"/>
+          <p:nvPr/>
+        </p:nvSpPr>
+        <p:spPr>
+          <a:xfrm>
+            <a:off x="14533497" y="517674"/>
+            <a:ext cx="1060497" cy="197971"/>
           </a:xfrm>
           <a:prstGeom prst="rect">
             <a:avLst/>
           </a:prstGeom>
         </p:spPr>
         <p:txBody>
-          <a:bodyPr anchor="t" rtlCol="false" tIns="0" lIns="0" bIns="0" rIns="0">
+          <a:bodyPr lIns="0" tIns="0" rIns="0" bIns="0" rtlCol="0" anchor="t">
+            <a:spAutoFit/>
+          </a:bodyPr>
+          <a:lstStyle/>
+          <a:p>
+            <a:pPr algn="l">
+              <a:lnSpc>
+                <a:spcPts val="1680"/>
+              </a:lnSpc>
+              <a:spcBef>
+                <a:spcPct val="0"/>
+              </a:spcBef>
+            </a:pPr>
+            <a:r>
+              <a:rPr lang="en-US" sz="1200">
+                <a:solidFill>
+                  <a:srgbClr val="FFFFFF"/>
+                </a:solidFill>
+                <a:latin typeface="Open Sans"/>
+              </a:rPr>
+              <a:t>About Us</a:t>
+            </a:r>
+          </a:p>
+        </p:txBody>
+      </p:sp>
+      <p:sp>
+        <p:nvSpPr>
+          <p:cNvPr id="13" name="TextBox 13"/>
+          <p:cNvSpPr txBox="1"/>
+          <p:nvPr/>
+        </p:nvSpPr>
+        <p:spPr>
+          <a:xfrm>
+            <a:off x="13302741" y="517674"/>
+            <a:ext cx="735456" cy="197971"/>
+          </a:xfrm>
+          <a:prstGeom prst="rect">
+            <a:avLst/>
+          </a:prstGeom>
+        </p:spPr>
+        <p:txBody>
+          <a:bodyPr lIns="0" tIns="0" rIns="0" bIns="0" rtlCol="0" anchor="t">
+            <a:spAutoFit/>
+          </a:bodyPr>
+          <a:lstStyle/>
+          <a:p>
+            <a:pPr algn="l">
+              <a:lnSpc>
+                <a:spcPts val="1680"/>
+              </a:lnSpc>
+              <a:spcBef>
+                <a:spcPct val="0"/>
+              </a:spcBef>
+            </a:pPr>
+            <a:r>
+              <a:rPr lang="en-US" sz="1200">
+                <a:solidFill>
+                  <a:srgbClr val="FFFFFF"/>
+                </a:solidFill>
+                <a:latin typeface="Open Sans"/>
+              </a:rPr>
+              <a:t>Service</a:t>
+            </a:r>
+          </a:p>
+        </p:txBody>
+      </p:sp>
+      <p:sp>
+        <p:nvSpPr>
+          <p:cNvPr id="14" name="TextBox 14"/>
+          <p:cNvSpPr txBox="1"/>
+          <p:nvPr/>
+        </p:nvSpPr>
+        <p:spPr>
+          <a:xfrm>
+            <a:off x="12046981" y="517674"/>
+            <a:ext cx="809760" cy="197971"/>
+          </a:xfrm>
+          <a:prstGeom prst="rect">
+            <a:avLst/>
+          </a:prstGeom>
+        </p:spPr>
+        <p:txBody>
+          <a:bodyPr lIns="0" tIns="0" rIns="0" bIns="0" rtlCol="0" anchor="t">
+            <a:spAutoFit/>
+          </a:bodyPr>
+          <a:lstStyle/>
+          <a:p>
+            <a:pPr algn="l">
+              <a:lnSpc>
+                <a:spcPts val="1680"/>
+              </a:lnSpc>
+              <a:spcBef>
+                <a:spcPct val="0"/>
+              </a:spcBef>
+            </a:pPr>
+            <a:r>
+              <a:rPr lang="en-US" sz="1200">
+                <a:solidFill>
+                  <a:srgbClr val="FFFFFF"/>
+                </a:solidFill>
+                <a:latin typeface="Open Sans"/>
+              </a:rPr>
+              <a:t>Home</a:t>
+            </a:r>
+          </a:p>
+        </p:txBody>
+      </p:sp>
+      <p:sp>
+        <p:nvSpPr>
+          <p:cNvPr id="15" name="TextBox 15"/>
+          <p:cNvSpPr txBox="1"/>
+          <p:nvPr/>
+        </p:nvSpPr>
+        <p:spPr>
+          <a:xfrm>
+            <a:off x="7225993" y="1115831"/>
+            <a:ext cx="5630748" cy="1471955"/>
+          </a:xfrm>
+          <a:prstGeom prst="rect">
+            <a:avLst/>
+          </a:prstGeom>
+        </p:spPr>
+        <p:txBody>
+          <a:bodyPr lIns="0" tIns="0" rIns="0" bIns="0" rtlCol="0" anchor="t">
+            <a:spAutoFit/>
+          </a:bodyPr>
+          <a:lstStyle/>
+          <a:p>
+            <a:pPr algn="l">
+              <a:lnSpc>
+                <a:spcPts val="11985"/>
+              </a:lnSpc>
+              <a:spcBef>
+                <a:spcPct val="0"/>
+              </a:spcBef>
+            </a:pPr>
+            <a:r>
+              <a:rPr lang="en-US" sz="8560">
+                <a:solidFill>
+                  <a:srgbClr val="FFFFFF"/>
+                </a:solidFill>
+                <a:latin typeface="TT Octosquares Compressed"/>
+              </a:rPr>
+              <a:t>PROTOCOLOS</a:t>
+            </a:r>
+          </a:p>
+        </p:txBody>
+      </p:sp>
+      <p:sp>
+        <p:nvSpPr>
+          <p:cNvPr id="16" name="Freeform 16"/>
+          <p:cNvSpPr/>
+          <p:nvPr/>
+        </p:nvSpPr>
+        <p:spPr>
+          <a:xfrm>
+            <a:off x="10668341" y="2309619"/>
+            <a:ext cx="355359" cy="556335"/>
+          </a:xfrm>
+          <a:custGeom>
+            <a:avLst/>
+            <a:gdLst/>
+            <a:ahLst/>
+            <a:cxnLst/>
+            <a:rect l="l" t="t" r="r" b="b"/>
+            <a:pathLst>
+              <a:path w="355359" h="556335">
+                <a:moveTo>
+                  <a:pt x="0" y="0"/>
+                </a:moveTo>
+                <a:lnTo>
+                  <a:pt x="355359" y="0"/>
+                </a:lnTo>
+                <a:lnTo>
+                  <a:pt x="355359" y="556334"/>
+                </a:lnTo>
+                <a:lnTo>
+                  <a:pt x="0" y="556334"/>
+                </a:lnTo>
+                <a:lnTo>
+                  <a:pt x="0" y="0"/>
+                </a:lnTo>
+                <a:close/>
+              </a:path>
+            </a:pathLst>
+          </a:custGeom>
+          <a:blipFill>
+            <a:blip r:embed="rId7">
+              <a:extLst>
+                <a:ext uri="{96DAC541-7B7A-43D3-8B79-37D633B846F1}">
+                  <asvg:svgBlip xmlns:asvg="http://schemas.microsoft.com/office/drawing/2016/SVG/main" r:embed="rId8"/>
+                </a:ext>
+              </a:extLst>
+            </a:blip>
+            <a:stretch>
+              <a:fillRect/>
+            </a:stretch>
+          </a:blipFill>
+        </p:spPr>
+        <p:txBody>
+          <a:bodyPr/>
+          <a:lstStyle/>
+          <a:p>
+            <a:endParaRPr lang="es-CR"/>
+          </a:p>
+        </p:txBody>
+      </p:sp>
+      <p:sp>
+        <p:nvSpPr>
+          <p:cNvPr id="17" name="Freeform 17"/>
+          <p:cNvSpPr/>
+          <p:nvPr/>
+        </p:nvSpPr>
+        <p:spPr>
+          <a:xfrm>
+            <a:off x="11133462" y="2309619"/>
+            <a:ext cx="355359" cy="556335"/>
+          </a:xfrm>
+          <a:custGeom>
+            <a:avLst/>
+            <a:gdLst/>
+            <a:ahLst/>
+            <a:cxnLst/>
+            <a:rect l="l" t="t" r="r" b="b"/>
+            <a:pathLst>
+              <a:path w="355359" h="556335">
+                <a:moveTo>
+                  <a:pt x="0" y="0"/>
+                </a:moveTo>
+                <a:lnTo>
+                  <a:pt x="355359" y="0"/>
+                </a:lnTo>
+                <a:lnTo>
+                  <a:pt x="355359" y="556334"/>
+                </a:lnTo>
+                <a:lnTo>
+                  <a:pt x="0" y="556334"/>
+                </a:lnTo>
+                <a:lnTo>
+                  <a:pt x="0" y="0"/>
+                </a:lnTo>
+                <a:close/>
+              </a:path>
+            </a:pathLst>
+          </a:custGeom>
+          <a:blipFill>
+            <a:blip r:embed="rId7">
+              <a:extLst>
+                <a:ext uri="{96DAC541-7B7A-43D3-8B79-37D633B846F1}">
+                  <asvg:svgBlip xmlns:asvg="http://schemas.microsoft.com/office/drawing/2016/SVG/main" r:embed="rId8"/>
+                </a:ext>
+              </a:extLst>
+            </a:blip>
+            <a:stretch>
+              <a:fillRect/>
+            </a:stretch>
+          </a:blipFill>
+        </p:spPr>
+        <p:txBody>
+          <a:bodyPr/>
+          <a:lstStyle/>
+          <a:p>
+            <a:endParaRPr lang="es-CR"/>
+          </a:p>
+        </p:txBody>
+      </p:sp>
+      <p:sp>
+        <p:nvSpPr>
+          <p:cNvPr id="18" name="Freeform 18"/>
+          <p:cNvSpPr/>
+          <p:nvPr/>
+        </p:nvSpPr>
+        <p:spPr>
+          <a:xfrm>
+            <a:off x="11598582" y="2309619"/>
+            <a:ext cx="355359" cy="556335"/>
+          </a:xfrm>
+          <a:custGeom>
+            <a:avLst/>
+            <a:gdLst/>
+            <a:ahLst/>
+            <a:cxnLst/>
+            <a:rect l="l" t="t" r="r" b="b"/>
+            <a:pathLst>
+              <a:path w="355359" h="556335">
+                <a:moveTo>
+                  <a:pt x="0" y="0"/>
+                </a:moveTo>
+                <a:lnTo>
+                  <a:pt x="355359" y="0"/>
+                </a:lnTo>
+                <a:lnTo>
+                  <a:pt x="355359" y="556334"/>
+                </a:lnTo>
+                <a:lnTo>
+                  <a:pt x="0" y="556334"/>
+                </a:lnTo>
+                <a:lnTo>
+                  <a:pt x="0" y="0"/>
+                </a:lnTo>
+                <a:close/>
+              </a:path>
+            </a:pathLst>
+          </a:custGeom>
+          <a:blipFill>
+            <a:blip r:embed="rId7">
+              <a:extLst>
+                <a:ext uri="{96DAC541-7B7A-43D3-8B79-37D633B846F1}">
+                  <asvg:svgBlip xmlns:asvg="http://schemas.microsoft.com/office/drawing/2016/SVG/main" r:embed="rId8"/>
+                </a:ext>
+              </a:extLst>
+            </a:blip>
+            <a:stretch>
+              <a:fillRect/>
+            </a:stretch>
+          </a:blipFill>
+        </p:spPr>
+        <p:txBody>
+          <a:bodyPr/>
+          <a:lstStyle/>
+          <a:p>
+            <a:endParaRPr lang="es-CR"/>
+          </a:p>
+        </p:txBody>
+      </p:sp>
+      <p:sp>
+        <p:nvSpPr>
+          <p:cNvPr id="19" name="TextBox 19"/>
+          <p:cNvSpPr txBox="1"/>
+          <p:nvPr/>
+        </p:nvSpPr>
+        <p:spPr>
+          <a:xfrm>
+            <a:off x="3614134" y="2886548"/>
+            <a:ext cx="10056335" cy="3235370"/>
+          </a:xfrm>
+          <a:prstGeom prst="rect">
+            <a:avLst/>
+          </a:prstGeom>
+        </p:spPr>
+        <p:txBody>
+          <a:bodyPr lIns="0" tIns="0" rIns="0" bIns="0" rtlCol="0" anchor="t">
+            <a:spAutoFit/>
+          </a:bodyPr>
+          <a:lstStyle/>
+          <a:p>
+            <a:pPr algn="l">
+              <a:lnSpc>
+                <a:spcPts val="4324"/>
+              </a:lnSpc>
+              <a:spcBef>
+                <a:spcPct val="0"/>
+              </a:spcBef>
+            </a:pPr>
+            <a:r>
+              <a:rPr lang="en-US" sz="3089">
+                <a:solidFill>
+                  <a:srgbClr val="FFFFFF"/>
+                </a:solidFill>
+                <a:latin typeface="Open Sans"/>
+              </a:rPr>
+              <a:t>Thrift utiliza su propio protocolo binario o de texto para la comunicación, optimizado para ser más eficiente en términos de tamaño de mensaje y velocidad de procesamiento en comparación con protocolos como HTTP/2. Esto lo hace adecuado para aplicaciones donde el rendimiento es crítico.</a:t>
+            </a:r>
+          </a:p>
+        </p:txBody>
+      </p:sp>
+      <p:sp>
+        <p:nvSpPr>
+          <p:cNvPr id="20" name="TextBox 20"/>
+          <p:cNvSpPr txBox="1"/>
+          <p:nvPr/>
+        </p:nvSpPr>
+        <p:spPr>
+          <a:xfrm>
+            <a:off x="10759162" y="4984939"/>
+            <a:ext cx="496110" cy="297180"/>
+          </a:xfrm>
+          <a:prstGeom prst="rect">
+            <a:avLst/>
+          </a:prstGeom>
+        </p:spPr>
+        <p:txBody>
+          <a:bodyPr lIns="0" tIns="0" rIns="0" bIns="0" rtlCol="0" anchor="t">
             <a:spAutoFit/>
           </a:bodyPr>
           <a:lstStyle/>
@@ -6303,498 +6916,6 @@
                 <a:latin typeface="Open Sans Bold"/>
               </a:rPr>
               <a:t>01</a:t>
-            </a:r>
-          </a:p>
-        </p:txBody>
-      </p:sp>
-      <p:grpSp>
-        <p:nvGrpSpPr>
-          <p:cNvPr name="Group 25" id="25"/>
-          <p:cNvGrpSpPr/>
-          <p:nvPr/>
-        </p:nvGrpSpPr>
-        <p:grpSpPr>
-          <a:xfrm rot="0">
-            <a:off x="1886793" y="5253039"/>
-            <a:ext cx="677751" cy="677751"/>
-            <a:chOff x="0" y="0"/>
-            <a:chExt cx="812800" cy="812800"/>
-          </a:xfrm>
-        </p:grpSpPr>
-        <p:sp>
-          <p:nvSpPr>
-            <p:cNvPr name="Freeform 26" id="26"/>
-            <p:cNvSpPr/>
-            <p:nvPr/>
-          </p:nvSpPr>
-          <p:spPr>
-            <a:xfrm flipH="false" flipV="false" rot="0">
-              <a:off x="0" y="0"/>
-              <a:ext cx="812800" cy="812800"/>
-            </a:xfrm>
-            <a:custGeom>
-              <a:avLst/>
-              <a:gdLst/>
-              <a:ahLst/>
-              <a:cxnLst/>
-              <a:rect r="r" b="b" t="t" l="l"/>
-              <a:pathLst>
-                <a:path h="812800" w="812800">
-                  <a:moveTo>
-                    <a:pt x="0" y="0"/>
-                  </a:moveTo>
-                  <a:lnTo>
-                    <a:pt x="812800" y="0"/>
-                  </a:lnTo>
-                  <a:lnTo>
-                    <a:pt x="812800" y="812800"/>
-                  </a:lnTo>
-                  <a:lnTo>
-                    <a:pt x="0" y="812800"/>
-                  </a:lnTo>
-                  <a:close/>
-                </a:path>
-              </a:pathLst>
-            </a:custGeom>
-            <a:solidFill>
-              <a:srgbClr val="12F1FF"/>
-            </a:solidFill>
-          </p:spPr>
-        </p:sp>
-        <p:sp>
-          <p:nvSpPr>
-            <p:cNvPr name="TextBox 27" id="27"/>
-            <p:cNvSpPr txBox="true"/>
-            <p:nvPr/>
-          </p:nvSpPr>
-          <p:spPr>
-            <a:xfrm>
-              <a:off x="0" y="-47625"/>
-              <a:ext cx="812800" cy="860425"/>
-            </a:xfrm>
-            <a:prstGeom prst="rect">
-              <a:avLst/>
-            </a:prstGeom>
-          </p:spPr>
-          <p:txBody>
-            <a:bodyPr anchor="ctr" rtlCol="false" tIns="50800" lIns="50800" bIns="50800" rIns="50800"/>
-            <a:lstStyle/>
-            <a:p>
-              <a:pPr algn="ctr">
-                <a:lnSpc>
-                  <a:spcPts val="2239"/>
-                </a:lnSpc>
-              </a:pPr>
-            </a:p>
-          </p:txBody>
-        </p:sp>
-      </p:grpSp>
-      <p:sp>
-        <p:nvSpPr>
-          <p:cNvPr name="TextBox 28" id="28"/>
-          <p:cNvSpPr txBox="true"/>
-          <p:nvPr/>
-        </p:nvSpPr>
-        <p:spPr>
-          <a:xfrm rot="0">
-            <a:off x="2960114" y="5264477"/>
-            <a:ext cx="5245590" cy="871220"/>
-          </a:xfrm>
-          <a:prstGeom prst="rect">
-            <a:avLst/>
-          </a:prstGeom>
-        </p:spPr>
-        <p:txBody>
-          <a:bodyPr anchor="t" rtlCol="false" tIns="0" lIns="0" bIns="0" rIns="0">
-            <a:spAutoFit/>
-          </a:bodyPr>
-          <a:lstStyle/>
-          <a:p>
-            <a:pPr algn="l">
-              <a:lnSpc>
-                <a:spcPts val="2379"/>
-              </a:lnSpc>
-              <a:spcBef>
-                <a:spcPct val="0"/>
-              </a:spcBef>
-            </a:pPr>
-            <a:r>
-              <a:rPr lang="en-US" sz="1699">
-                <a:solidFill>
-                  <a:srgbClr val="FFFFFF"/>
-                </a:solidFill>
-                <a:latin typeface="Open Sans"/>
-              </a:rPr>
-              <a:t>Eficiencia: Utiliza protocolos binarios o de texto, que son más eficientes en comparación con otros métodos de serialización.</a:t>
-            </a:r>
-          </a:p>
-        </p:txBody>
-      </p:sp>
-      <p:sp>
-        <p:nvSpPr>
-          <p:cNvPr name="TextBox 29" id="29"/>
-          <p:cNvSpPr txBox="true"/>
-          <p:nvPr/>
-        </p:nvSpPr>
-        <p:spPr>
-          <a:xfrm rot="0">
-            <a:off x="1977613" y="5429036"/>
-            <a:ext cx="496110" cy="297180"/>
-          </a:xfrm>
-          <a:prstGeom prst="rect">
-            <a:avLst/>
-          </a:prstGeom>
-        </p:spPr>
-        <p:txBody>
-          <a:bodyPr anchor="t" rtlCol="false" tIns="0" lIns="0" bIns="0" rIns="0">
-            <a:spAutoFit/>
-          </a:bodyPr>
-          <a:lstStyle/>
-          <a:p>
-            <a:pPr algn="ctr">
-              <a:lnSpc>
-                <a:spcPts val="2519"/>
-              </a:lnSpc>
-              <a:spcBef>
-                <a:spcPct val="0"/>
-              </a:spcBef>
-            </a:pPr>
-            <a:r>
-              <a:rPr lang="en-US" sz="1799">
-                <a:solidFill>
-                  <a:srgbClr val="0B081D"/>
-                </a:solidFill>
-                <a:latin typeface="Open Sans Bold"/>
-              </a:rPr>
-              <a:t>02</a:t>
-            </a:r>
-          </a:p>
-        </p:txBody>
-      </p:sp>
-      <p:grpSp>
-        <p:nvGrpSpPr>
-          <p:cNvPr name="Group 30" id="30"/>
-          <p:cNvGrpSpPr/>
-          <p:nvPr/>
-        </p:nvGrpSpPr>
-        <p:grpSpPr>
-          <a:xfrm rot="0">
-            <a:off x="1886793" y="6673739"/>
-            <a:ext cx="677751" cy="677751"/>
-            <a:chOff x="0" y="0"/>
-            <a:chExt cx="812800" cy="812800"/>
-          </a:xfrm>
-        </p:grpSpPr>
-        <p:sp>
-          <p:nvSpPr>
-            <p:cNvPr name="Freeform 31" id="31"/>
-            <p:cNvSpPr/>
-            <p:nvPr/>
-          </p:nvSpPr>
-          <p:spPr>
-            <a:xfrm flipH="false" flipV="false" rot="0">
-              <a:off x="0" y="0"/>
-              <a:ext cx="812800" cy="812800"/>
-            </a:xfrm>
-            <a:custGeom>
-              <a:avLst/>
-              <a:gdLst/>
-              <a:ahLst/>
-              <a:cxnLst/>
-              <a:rect r="r" b="b" t="t" l="l"/>
-              <a:pathLst>
-                <a:path h="812800" w="812800">
-                  <a:moveTo>
-                    <a:pt x="0" y="0"/>
-                  </a:moveTo>
-                  <a:lnTo>
-                    <a:pt x="812800" y="0"/>
-                  </a:lnTo>
-                  <a:lnTo>
-                    <a:pt x="812800" y="812800"/>
-                  </a:lnTo>
-                  <a:lnTo>
-                    <a:pt x="0" y="812800"/>
-                  </a:lnTo>
-                  <a:close/>
-                </a:path>
-              </a:pathLst>
-            </a:custGeom>
-            <a:solidFill>
-              <a:srgbClr val="12F1FF"/>
-            </a:solidFill>
-          </p:spPr>
-        </p:sp>
-        <p:sp>
-          <p:nvSpPr>
-            <p:cNvPr name="TextBox 32" id="32"/>
-            <p:cNvSpPr txBox="true"/>
-            <p:nvPr/>
-          </p:nvSpPr>
-          <p:spPr>
-            <a:xfrm>
-              <a:off x="0" y="-47625"/>
-              <a:ext cx="812800" cy="860425"/>
-            </a:xfrm>
-            <a:prstGeom prst="rect">
-              <a:avLst/>
-            </a:prstGeom>
-          </p:spPr>
-          <p:txBody>
-            <a:bodyPr anchor="ctr" rtlCol="false" tIns="50800" lIns="50800" bIns="50800" rIns="50800"/>
-            <a:lstStyle/>
-            <a:p>
-              <a:pPr algn="ctr">
-                <a:lnSpc>
-                  <a:spcPts val="2239"/>
-                </a:lnSpc>
-              </a:pPr>
-            </a:p>
-          </p:txBody>
-        </p:sp>
-      </p:grpSp>
-      <p:sp>
-        <p:nvSpPr>
-          <p:cNvPr name="TextBox 33" id="33"/>
-          <p:cNvSpPr txBox="true"/>
-          <p:nvPr/>
-        </p:nvSpPr>
-        <p:spPr>
-          <a:xfrm rot="0">
-            <a:off x="2960114" y="6685178"/>
-            <a:ext cx="5245590" cy="575945"/>
-          </a:xfrm>
-          <a:prstGeom prst="rect">
-            <a:avLst/>
-          </a:prstGeom>
-        </p:spPr>
-        <p:txBody>
-          <a:bodyPr anchor="t" rtlCol="false" tIns="0" lIns="0" bIns="0" rIns="0">
-            <a:spAutoFit/>
-          </a:bodyPr>
-          <a:lstStyle/>
-          <a:p>
-            <a:pPr algn="l">
-              <a:lnSpc>
-                <a:spcPts val="2379"/>
-              </a:lnSpc>
-              <a:spcBef>
-                <a:spcPct val="0"/>
-              </a:spcBef>
-            </a:pPr>
-            <a:r>
-              <a:rPr lang="en-US" sz="1699">
-                <a:solidFill>
-                  <a:srgbClr val="FFFFFF"/>
-                </a:solidFill>
-                <a:latin typeface="Open Sans"/>
-              </a:rPr>
-              <a:t>Flexibilidad: Permite definir y generar servicios y tipos de datos personalizados.</a:t>
-            </a:r>
-          </a:p>
-        </p:txBody>
-      </p:sp>
-      <p:sp>
-        <p:nvSpPr>
-          <p:cNvPr name="TextBox 34" id="34"/>
-          <p:cNvSpPr txBox="true"/>
-          <p:nvPr/>
-        </p:nvSpPr>
-        <p:spPr>
-          <a:xfrm rot="0">
-            <a:off x="1977613" y="6849737"/>
-            <a:ext cx="496110" cy="297180"/>
-          </a:xfrm>
-          <a:prstGeom prst="rect">
-            <a:avLst/>
-          </a:prstGeom>
-        </p:spPr>
-        <p:txBody>
-          <a:bodyPr anchor="t" rtlCol="false" tIns="0" lIns="0" bIns="0" rIns="0">
-            <a:spAutoFit/>
-          </a:bodyPr>
-          <a:lstStyle/>
-          <a:p>
-            <a:pPr algn="ctr">
-              <a:lnSpc>
-                <a:spcPts val="2519"/>
-              </a:lnSpc>
-              <a:spcBef>
-                <a:spcPct val="0"/>
-              </a:spcBef>
-            </a:pPr>
-            <a:r>
-              <a:rPr lang="en-US" sz="1799">
-                <a:solidFill>
-                  <a:srgbClr val="0B081D"/>
-                </a:solidFill>
-                <a:latin typeface="Open Sans Bold"/>
-              </a:rPr>
-              <a:t>03</a:t>
-            </a:r>
-          </a:p>
-        </p:txBody>
-      </p:sp>
-      <p:grpSp>
-        <p:nvGrpSpPr>
-          <p:cNvPr name="Group 35" id="35"/>
-          <p:cNvGrpSpPr/>
-          <p:nvPr/>
-        </p:nvGrpSpPr>
-        <p:grpSpPr>
-          <a:xfrm rot="0">
-            <a:off x="1886793" y="7988984"/>
-            <a:ext cx="677751" cy="677751"/>
-            <a:chOff x="0" y="0"/>
-            <a:chExt cx="812800" cy="812800"/>
-          </a:xfrm>
-        </p:grpSpPr>
-        <p:sp>
-          <p:nvSpPr>
-            <p:cNvPr name="Freeform 36" id="36"/>
-            <p:cNvSpPr/>
-            <p:nvPr/>
-          </p:nvSpPr>
-          <p:spPr>
-            <a:xfrm flipH="false" flipV="false" rot="0">
-              <a:off x="0" y="0"/>
-              <a:ext cx="812800" cy="812800"/>
-            </a:xfrm>
-            <a:custGeom>
-              <a:avLst/>
-              <a:gdLst/>
-              <a:ahLst/>
-              <a:cxnLst/>
-              <a:rect r="r" b="b" t="t" l="l"/>
-              <a:pathLst>
-                <a:path h="812800" w="812800">
-                  <a:moveTo>
-                    <a:pt x="0" y="0"/>
-                  </a:moveTo>
-                  <a:lnTo>
-                    <a:pt x="812800" y="0"/>
-                  </a:lnTo>
-                  <a:lnTo>
-                    <a:pt x="812800" y="812800"/>
-                  </a:lnTo>
-                  <a:lnTo>
-                    <a:pt x="0" y="812800"/>
-                  </a:lnTo>
-                  <a:close/>
-                </a:path>
-              </a:pathLst>
-            </a:custGeom>
-            <a:solidFill>
-              <a:srgbClr val="12F1FF"/>
-            </a:solidFill>
-          </p:spPr>
-        </p:sp>
-        <p:sp>
-          <p:nvSpPr>
-            <p:cNvPr name="TextBox 37" id="37"/>
-            <p:cNvSpPr txBox="true"/>
-            <p:nvPr/>
-          </p:nvSpPr>
-          <p:spPr>
-            <a:xfrm>
-              <a:off x="0" y="-47625"/>
-              <a:ext cx="812800" cy="860425"/>
-            </a:xfrm>
-            <a:prstGeom prst="rect">
-              <a:avLst/>
-            </a:prstGeom>
-          </p:spPr>
-          <p:txBody>
-            <a:bodyPr anchor="ctr" rtlCol="false" tIns="50800" lIns="50800" bIns="50800" rIns="50800"/>
-            <a:lstStyle/>
-            <a:p>
-              <a:pPr algn="ctr">
-                <a:lnSpc>
-                  <a:spcPts val="2239"/>
-                </a:lnSpc>
-              </a:pPr>
-            </a:p>
-          </p:txBody>
-        </p:sp>
-      </p:grpSp>
-      <p:sp>
-        <p:nvSpPr>
-          <p:cNvPr name="TextBox 38" id="38"/>
-          <p:cNvSpPr txBox="true"/>
-          <p:nvPr/>
-        </p:nvSpPr>
-        <p:spPr>
-          <a:xfrm rot="0">
-            <a:off x="1994097" y="8164982"/>
-            <a:ext cx="496110" cy="297180"/>
-          </a:xfrm>
-          <a:prstGeom prst="rect">
-            <a:avLst/>
-          </a:prstGeom>
-        </p:spPr>
-        <p:txBody>
-          <a:bodyPr anchor="t" rtlCol="false" tIns="0" lIns="0" bIns="0" rIns="0">
-            <a:spAutoFit/>
-          </a:bodyPr>
-          <a:lstStyle/>
-          <a:p>
-            <a:pPr algn="ctr">
-              <a:lnSpc>
-                <a:spcPts val="2519"/>
-              </a:lnSpc>
-              <a:spcBef>
-                <a:spcPct val="0"/>
-              </a:spcBef>
-            </a:pPr>
-            <a:r>
-              <a:rPr lang="en-US" sz="1799">
-                <a:solidFill>
-                  <a:srgbClr val="0B081D"/>
-                </a:solidFill>
-                <a:latin typeface="Open Sans Bold"/>
-              </a:rPr>
-              <a:t>04</a:t>
-            </a:r>
-          </a:p>
-        </p:txBody>
-      </p:sp>
-      <p:sp>
-        <p:nvSpPr>
-          <p:cNvPr name="TextBox 39" id="39"/>
-          <p:cNvSpPr txBox="true"/>
-          <p:nvPr/>
-        </p:nvSpPr>
-        <p:spPr>
-          <a:xfrm rot="0">
-            <a:off x="2817034" y="7924968"/>
-            <a:ext cx="5245590" cy="871220"/>
-          </a:xfrm>
-          <a:prstGeom prst="rect">
-            <a:avLst/>
-          </a:prstGeom>
-        </p:spPr>
-        <p:txBody>
-          <a:bodyPr anchor="t" rtlCol="false" tIns="0" lIns="0" bIns="0" rIns="0">
-            <a:spAutoFit/>
-          </a:bodyPr>
-          <a:lstStyle/>
-          <a:p>
-            <a:pPr algn="l">
-              <a:lnSpc>
-                <a:spcPts val="2379"/>
-              </a:lnSpc>
-              <a:spcBef>
-                <a:spcPct val="0"/>
-              </a:spcBef>
-            </a:pPr>
-            <a:r>
-              <a:rPr lang="en-US" sz="1699">
-                <a:solidFill>
-                  <a:srgbClr val="FFFFFF"/>
-                </a:solidFill>
-                <a:latin typeface="Open Sans"/>
-              </a:rPr>
-              <a:t>Compatibilidad: Facilita la integración con otras herramientas y plataformas en un ecosistema de microservicios.</a:t>
             </a:r>
           </a:p>
         </p:txBody>
@@ -6808,7 +6929,7 @@
 </file>
 
 <file path=ppt/slides/slide5.xml><?xml version="1.0" encoding="utf-8"?>
-<p:sld xmlns:p="http://schemas.openxmlformats.org/presentationml/2006/main" xmlns:a="http://schemas.openxmlformats.org/drawingml/2006/main" xmlns:r="http://schemas.openxmlformats.org/officeDocument/2006/relationships">
+<p:sld xmlns:a="http://schemas.openxmlformats.org/drawingml/2006/main" xmlns:r="http://schemas.openxmlformats.org/officeDocument/2006/relationships" xmlns:p="http://schemas.openxmlformats.org/presentationml/2006/main">
   <p:cSld>
     <p:spTree>
       <p:nvGrpSpPr>
@@ -6826,13 +6947,13 @@
       </p:grpSpPr>
       <p:sp>
         <p:nvSpPr>
-          <p:cNvPr name="Freeform 2" id="2"/>
+          <p:cNvPr id="2" name="Freeform 2"/>
           <p:cNvSpPr/>
           <p:nvPr/>
         </p:nvSpPr>
         <p:spPr>
-          <a:xfrm flipH="false" flipV="false" rot="0">
-            <a:off x="0" y="0"/>
+          <a:xfrm>
+            <a:off x="-24078" y="-1"/>
             <a:ext cx="18288000" cy="10287000"/>
           </a:xfrm>
           <a:custGeom>
@@ -6840,9 +6961,9 @@
             <a:gdLst/>
             <a:ahLst/>
             <a:cxnLst/>
-            <a:rect r="r" b="b" t="t" l="l"/>
+            <a:rect l="l" t="t" r="r" b="b"/>
             <a:pathLst>
-              <a:path h="10287000" w="18288000">
+              <a:path w="18288000" h="10287000">
                 <a:moveTo>
                   <a:pt x="0" y="0"/>
                 </a:moveTo>
@@ -6865,19 +6986,26 @@
           <a:blipFill>
             <a:blip r:embed="rId2"/>
             <a:stretch>
-              <a:fillRect l="0" t="-38888" r="0" b="-38888"/>
+              <a:fillRect t="-38888" b="-38888"/>
             </a:stretch>
           </a:blipFill>
         </p:spPr>
-      </p:sp>
-      <p:sp>
-        <p:nvSpPr>
-          <p:cNvPr name="Freeform 3" id="3"/>
+        <p:txBody>
+          <a:bodyPr/>
+          <a:lstStyle/>
+          <a:p>
+            <a:endParaRPr lang="es-CR"/>
+          </a:p>
+        </p:txBody>
+      </p:sp>
+      <p:sp>
+        <p:nvSpPr>
+          <p:cNvPr id="3" name="Freeform 3"/>
           <p:cNvSpPr/>
           <p:nvPr/>
         </p:nvSpPr>
         <p:spPr>
-          <a:xfrm flipH="false" flipV="false" rot="0">
+          <a:xfrm>
             <a:off x="17324710" y="458184"/>
             <a:ext cx="306065" cy="336000"/>
           </a:xfrm>
@@ -6886,9 +7014,9 @@
             <a:gdLst/>
             <a:ahLst/>
             <a:cxnLst/>
-            <a:rect r="r" b="b" t="t" l="l"/>
+            <a:rect l="l" t="t" r="r" b="b"/>
             <a:pathLst>
-              <a:path h="336000" w="306065">
+              <a:path w="306065" h="336000">
                 <a:moveTo>
                   <a:pt x="0" y="0"/>
                 </a:moveTo>
@@ -6917,19 +7045,26 @@
               </a:extLst>
             </a:blip>
             <a:stretch>
-              <a:fillRect l="0" t="0" r="0" b="0"/>
+              <a:fillRect/>
             </a:stretch>
           </a:blipFill>
         </p:spPr>
-      </p:sp>
-      <p:sp>
-        <p:nvSpPr>
-          <p:cNvPr name="Freeform 4" id="4"/>
+        <p:txBody>
+          <a:bodyPr/>
+          <a:lstStyle/>
+          <a:p>
+            <a:endParaRPr lang="es-CR"/>
+          </a:p>
+        </p:txBody>
+      </p:sp>
+      <p:sp>
+        <p:nvSpPr>
+          <p:cNvPr id="4" name="Freeform 4"/>
           <p:cNvSpPr/>
           <p:nvPr/>
         </p:nvSpPr>
         <p:spPr>
-          <a:xfrm flipH="false" flipV="false" rot="0">
+          <a:xfrm>
             <a:off x="602972" y="439904"/>
             <a:ext cx="253149" cy="354280"/>
           </a:xfrm>
@@ -6938,9 +7073,9 @@
             <a:gdLst/>
             <a:ahLst/>
             <a:cxnLst/>
-            <a:rect r="r" b="b" t="t" l="l"/>
+            <a:rect l="l" t="t" r="r" b="b"/>
             <a:pathLst>
-              <a:path h="354280" w="253149">
+              <a:path w="253149" h="354280">
                 <a:moveTo>
                   <a:pt x="0" y="0"/>
                 </a:moveTo>
@@ -6969,14 +7104,21 @@
               </a:extLst>
             </a:blip>
             <a:stretch>
-              <a:fillRect l="0" t="0" r="0" b="0"/>
+              <a:fillRect/>
             </a:stretch>
           </a:blipFill>
         </p:spPr>
+        <p:txBody>
+          <a:bodyPr/>
+          <a:lstStyle/>
+          <a:p>
+            <a:endParaRPr lang="es-CR"/>
+          </a:p>
+        </p:txBody>
       </p:sp>
       <p:grpSp>
         <p:nvGrpSpPr>
-          <p:cNvPr name="Group 5" id="5"/>
+          <p:cNvPr id="9" name="Group 9"/>
           <p:cNvGrpSpPr/>
           <p:nvPr/>
         </p:nvGrpSpPr>
@@ -6990,12 +7132,12 @@
         </p:grpSpPr>
         <p:sp>
           <p:nvSpPr>
-            <p:cNvPr name="Freeform 6" id="6"/>
+            <p:cNvPr id="10" name="Freeform 10"/>
             <p:cNvSpPr/>
             <p:nvPr/>
           </p:nvSpPr>
           <p:spPr>
-            <a:xfrm flipH="false" flipV="false" rot="0">
+            <a:xfrm>
               <a:off x="0" y="0"/>
               <a:ext cx="1347239" cy="579341"/>
             </a:xfrm>
@@ -7004,9 +7146,9 @@
               <a:gdLst/>
               <a:ahLst/>
               <a:cxnLst/>
-              <a:rect r="r" b="b" t="t" l="l"/>
+              <a:rect l="l" t="t" r="r" b="b"/>
               <a:pathLst>
-                <a:path h="579341" w="1347239">
+                <a:path w="1347239" h="579341">
                   <a:moveTo>
                     <a:pt x="673619" y="0"/>
                   </a:moveTo>
@@ -7027,11 +7169,18 @@
               <a:srgbClr val="12F1FF"/>
             </a:solidFill>
           </p:spPr>
+          <p:txBody>
+            <a:bodyPr/>
+            <a:lstStyle/>
+            <a:p>
+              <a:endParaRPr lang="es-CR"/>
+            </a:p>
+          </p:txBody>
         </p:sp>
         <p:sp>
           <p:nvSpPr>
-            <p:cNvPr name="TextBox 7" id="7"/>
-            <p:cNvSpPr txBox="true"/>
+            <p:cNvPr id="11" name="TextBox 11"/>
+            <p:cNvSpPr txBox="1"/>
             <p:nvPr/>
           </p:nvSpPr>
           <p:spPr>
@@ -7044,7 +7193,7 @@
             </a:prstGeom>
           </p:spPr>
           <p:txBody>
-            <a:bodyPr anchor="ctr" rtlCol="false" tIns="50800" lIns="50800" bIns="50800" rIns="50800"/>
+            <a:bodyPr lIns="50800" tIns="50800" rIns="50800" bIns="50800" rtlCol="0" anchor="ctr"/>
             <a:lstStyle/>
             <a:p>
               <a:pPr algn="ctr">
@@ -7055,100 +7204,19 @@
                   <a:spcPct val="0"/>
                 </a:spcBef>
               </a:pPr>
+              <a:endParaRPr/>
             </a:p>
           </p:txBody>
         </p:sp>
       </p:grpSp>
-      <p:grpSp>
-        <p:nvGrpSpPr>
-          <p:cNvPr name="Group 8" id="8"/>
-          <p:cNvGrpSpPr/>
-          <p:nvPr/>
-        </p:nvGrpSpPr>
-        <p:grpSpPr>
-          <a:xfrm rot="0">
-            <a:off x="0" y="6666286"/>
-            <a:ext cx="2669523" cy="3799826"/>
-            <a:chOff x="0" y="0"/>
-            <a:chExt cx="703084" cy="1000777"/>
-          </a:xfrm>
-        </p:grpSpPr>
-        <p:sp>
-          <p:nvSpPr>
-            <p:cNvPr name="Freeform 9" id="9"/>
-            <p:cNvSpPr/>
-            <p:nvPr/>
-          </p:nvSpPr>
-          <p:spPr>
-            <a:xfrm flipH="false" flipV="false" rot="0">
-              <a:off x="0" y="0"/>
-              <a:ext cx="703084" cy="1000777"/>
-            </a:xfrm>
-            <a:custGeom>
-              <a:avLst/>
-              <a:gdLst/>
-              <a:ahLst/>
-              <a:cxnLst/>
-              <a:rect r="r" b="b" t="t" l="l"/>
-              <a:pathLst>
-                <a:path h="1000777" w="703084">
-                  <a:moveTo>
-                    <a:pt x="0" y="0"/>
-                  </a:moveTo>
-                  <a:lnTo>
-                    <a:pt x="703084" y="0"/>
-                  </a:lnTo>
-                  <a:lnTo>
-                    <a:pt x="703084" y="1000777"/>
-                  </a:lnTo>
-                  <a:lnTo>
-                    <a:pt x="0" y="1000777"/>
-                  </a:lnTo>
-                  <a:close/>
-                </a:path>
-              </a:pathLst>
-            </a:custGeom>
-            <a:solidFill>
-              <a:srgbClr val="12F1FF"/>
-            </a:solidFill>
-          </p:spPr>
-        </p:sp>
-        <p:sp>
-          <p:nvSpPr>
-            <p:cNvPr name="TextBox 10" id="10"/>
-            <p:cNvSpPr txBox="true"/>
-            <p:nvPr/>
-          </p:nvSpPr>
-          <p:spPr>
-            <a:xfrm>
-              <a:off x="0" y="-38100"/>
-              <a:ext cx="703084" cy="1038877"/>
-            </a:xfrm>
-            <a:prstGeom prst="rect">
-              <a:avLst/>
-            </a:prstGeom>
-          </p:spPr>
-          <p:txBody>
-            <a:bodyPr anchor="ctr" rtlCol="false" tIns="50800" lIns="50800" bIns="50800" rIns="50800"/>
-            <a:lstStyle/>
-            <a:p>
-              <a:pPr algn="ctr">
-                <a:lnSpc>
-                  <a:spcPts val="2659"/>
-                </a:lnSpc>
-              </a:pPr>
-            </a:p>
-          </p:txBody>
-        </p:sp>
-      </p:grpSp>
-      <p:sp>
-        <p:nvSpPr>
-          <p:cNvPr name="TextBox 11" id="11"/>
-          <p:cNvSpPr txBox="true"/>
-          <p:nvPr/>
-        </p:nvSpPr>
-        <p:spPr>
-          <a:xfrm rot="0">
+      <p:sp>
+        <p:nvSpPr>
+          <p:cNvPr id="12" name="TextBox 12"/>
+          <p:cNvSpPr txBox="1"/>
+          <p:nvPr/>
+        </p:nvSpPr>
+        <p:spPr>
+          <a:xfrm>
             <a:off x="16089294" y="517674"/>
             <a:ext cx="978460" cy="197971"/>
           </a:xfrm>
@@ -7157,7 +7225,7 @@
           </a:prstGeom>
         </p:spPr>
         <p:txBody>
-          <a:bodyPr anchor="t" rtlCol="false" tIns="0" lIns="0" bIns="0" rIns="0">
+          <a:bodyPr lIns="0" tIns="0" rIns="0" bIns="0" rtlCol="0" anchor="t">
             <a:spAutoFit/>
           </a:bodyPr>
           <a:lstStyle/>
@@ -7184,12 +7252,12 @@
       </p:sp>
       <p:sp>
         <p:nvSpPr>
-          <p:cNvPr name="TextBox 12" id="12"/>
-          <p:cNvSpPr txBox="true"/>
-          <p:nvPr/>
-        </p:nvSpPr>
-        <p:spPr>
-          <a:xfrm rot="0">
+          <p:cNvPr id="13" name="TextBox 13"/>
+          <p:cNvSpPr txBox="1"/>
+          <p:nvPr/>
+        </p:nvSpPr>
+        <p:spPr>
+          <a:xfrm>
             <a:off x="14533497" y="517674"/>
             <a:ext cx="1060497" cy="197971"/>
           </a:xfrm>
@@ -7198,7 +7266,7 @@
           </a:prstGeom>
         </p:spPr>
         <p:txBody>
-          <a:bodyPr anchor="t" rtlCol="false" tIns="0" lIns="0" bIns="0" rIns="0">
+          <a:bodyPr lIns="0" tIns="0" rIns="0" bIns="0" rtlCol="0" anchor="t">
             <a:spAutoFit/>
           </a:bodyPr>
           <a:lstStyle/>
@@ -7225,12 +7293,12 @@
       </p:sp>
       <p:sp>
         <p:nvSpPr>
-          <p:cNvPr name="TextBox 13" id="13"/>
-          <p:cNvSpPr txBox="true"/>
-          <p:nvPr/>
-        </p:nvSpPr>
-        <p:spPr>
-          <a:xfrm rot="0">
+          <p:cNvPr id="14" name="TextBox 14"/>
+          <p:cNvSpPr txBox="1"/>
+          <p:nvPr/>
+        </p:nvSpPr>
+        <p:spPr>
+          <a:xfrm>
             <a:off x="13302741" y="517674"/>
             <a:ext cx="735456" cy="197971"/>
           </a:xfrm>
@@ -7239,7 +7307,7 @@
           </a:prstGeom>
         </p:spPr>
         <p:txBody>
-          <a:bodyPr anchor="t" rtlCol="false" tIns="0" lIns="0" bIns="0" rIns="0">
+          <a:bodyPr lIns="0" tIns="0" rIns="0" bIns="0" rtlCol="0" anchor="t">
             <a:spAutoFit/>
           </a:bodyPr>
           <a:lstStyle/>
@@ -7266,12 +7334,12 @@
       </p:sp>
       <p:sp>
         <p:nvSpPr>
-          <p:cNvPr name="TextBox 14" id="14"/>
-          <p:cNvSpPr txBox="true"/>
-          <p:nvPr/>
-        </p:nvSpPr>
-        <p:spPr>
-          <a:xfrm rot="0">
+          <p:cNvPr id="15" name="TextBox 15"/>
+          <p:cNvSpPr txBox="1"/>
+          <p:nvPr/>
+        </p:nvSpPr>
+        <p:spPr>
+          <a:xfrm>
             <a:off x="12046981" y="517674"/>
             <a:ext cx="809760" cy="197971"/>
           </a:xfrm>
@@ -7280,7 +7348,7 @@
           </a:prstGeom>
         </p:spPr>
         <p:txBody>
-          <a:bodyPr anchor="t" rtlCol="false" tIns="0" lIns="0" bIns="0" rIns="0">
+          <a:bodyPr lIns="0" tIns="0" rIns="0" bIns="0" rtlCol="0" anchor="t">
             <a:spAutoFit/>
           </a:bodyPr>
           <a:lstStyle/>
@@ -7307,54 +7375,13 @@
       </p:sp>
       <p:sp>
         <p:nvSpPr>
-          <p:cNvPr name="TextBox 15" id="15"/>
-          <p:cNvSpPr txBox="true"/>
-          <p:nvPr/>
-        </p:nvSpPr>
-        <p:spPr>
-          <a:xfrm rot="0">
-            <a:off x="7225993" y="1115831"/>
-            <a:ext cx="5630748" cy="1471955"/>
-          </a:xfrm>
-          <a:prstGeom prst="rect">
-            <a:avLst/>
-          </a:prstGeom>
-        </p:spPr>
-        <p:txBody>
-          <a:bodyPr anchor="t" rtlCol="false" tIns="0" lIns="0" bIns="0" rIns="0">
-            <a:spAutoFit/>
-          </a:bodyPr>
-          <a:lstStyle/>
-          <a:p>
-            <a:pPr algn="l">
-              <a:lnSpc>
-                <a:spcPts val="11985"/>
-              </a:lnSpc>
-              <a:spcBef>
-                <a:spcPct val="0"/>
-              </a:spcBef>
-            </a:pPr>
-            <a:r>
-              <a:rPr lang="en-US" sz="8560">
-                <a:solidFill>
-                  <a:srgbClr val="FFFFFF"/>
-                </a:solidFill>
-                <a:latin typeface="TT Octosquares Compressed"/>
-              </a:rPr>
-              <a:t>PROTOCOLOS</a:t>
-            </a:r>
-          </a:p>
-        </p:txBody>
-      </p:sp>
-      <p:sp>
-        <p:nvSpPr>
-          <p:cNvPr name="Freeform 16" id="16"/>
+          <p:cNvPr id="17" name="Freeform 17"/>
           <p:cNvSpPr/>
           <p:nvPr/>
         </p:nvSpPr>
         <p:spPr>
-          <a:xfrm flipH="false" flipV="false" rot="0">
-            <a:off x="10668341" y="2309619"/>
+          <a:xfrm>
+            <a:off x="2110424" y="2128306"/>
             <a:ext cx="355359" cy="556335"/>
           </a:xfrm>
           <a:custGeom>
@@ -7362,9 +7389,9 @@
             <a:gdLst/>
             <a:ahLst/>
             <a:cxnLst/>
-            <a:rect r="r" b="b" t="t" l="l"/>
+            <a:rect l="l" t="t" r="r" b="b"/>
             <a:pathLst>
-              <a:path h="556335" w="355359">
+              <a:path w="355359" h="556335">
                 <a:moveTo>
                   <a:pt x="0" y="0"/>
                 </a:moveTo>
@@ -7372,10 +7399,10 @@
                   <a:pt x="355359" y="0"/>
                 </a:lnTo>
                 <a:lnTo>
-                  <a:pt x="355359" y="556334"/>
-                </a:lnTo>
-                <a:lnTo>
-                  <a:pt x="0" y="556334"/>
+                  <a:pt x="355359" y="556335"/>
+                </a:lnTo>
+                <a:lnTo>
+                  <a:pt x="0" y="556335"/>
                 </a:lnTo>
                 <a:lnTo>
                   <a:pt x="0" y="0"/>
@@ -7393,20 +7420,27 @@
               </a:extLst>
             </a:blip>
             <a:stretch>
-              <a:fillRect l="0" t="0" r="0" b="0"/>
+              <a:fillRect/>
             </a:stretch>
           </a:blipFill>
         </p:spPr>
-      </p:sp>
-      <p:sp>
-        <p:nvSpPr>
-          <p:cNvPr name="Freeform 17" id="17"/>
+        <p:txBody>
+          <a:bodyPr/>
+          <a:lstStyle/>
+          <a:p>
+            <a:endParaRPr lang="es-CR"/>
+          </a:p>
+        </p:txBody>
+      </p:sp>
+      <p:sp>
+        <p:nvSpPr>
+          <p:cNvPr id="18" name="Freeform 18"/>
           <p:cNvSpPr/>
           <p:nvPr/>
         </p:nvSpPr>
         <p:spPr>
-          <a:xfrm flipH="false" flipV="false" rot="0">
-            <a:off x="11133462" y="2309619"/>
+          <a:xfrm>
+            <a:off x="2575544" y="2128306"/>
             <a:ext cx="355359" cy="556335"/>
           </a:xfrm>
           <a:custGeom>
@@ -7414,9 +7448,9 @@
             <a:gdLst/>
             <a:ahLst/>
             <a:cxnLst/>
-            <a:rect r="r" b="b" t="t" l="l"/>
+            <a:rect l="l" t="t" r="r" b="b"/>
             <a:pathLst>
-              <a:path h="556335" w="355359">
+              <a:path w="355359" h="556335">
                 <a:moveTo>
                   <a:pt x="0" y="0"/>
                 </a:moveTo>
@@ -7424,10 +7458,10 @@
                   <a:pt x="355359" y="0"/>
                 </a:lnTo>
                 <a:lnTo>
-                  <a:pt x="355359" y="556334"/>
-                </a:lnTo>
-                <a:lnTo>
-                  <a:pt x="0" y="556334"/>
+                  <a:pt x="355359" y="556335"/>
+                </a:lnTo>
+                <a:lnTo>
+                  <a:pt x="0" y="556335"/>
                 </a:lnTo>
                 <a:lnTo>
                   <a:pt x="0" y="0"/>
@@ -7445,20 +7479,27 @@
               </a:extLst>
             </a:blip>
             <a:stretch>
-              <a:fillRect l="0" t="0" r="0" b="0"/>
+              <a:fillRect/>
             </a:stretch>
           </a:blipFill>
         </p:spPr>
-      </p:sp>
-      <p:sp>
-        <p:nvSpPr>
-          <p:cNvPr name="Freeform 18" id="18"/>
+        <p:txBody>
+          <a:bodyPr/>
+          <a:lstStyle/>
+          <a:p>
+            <a:endParaRPr lang="es-CR"/>
+          </a:p>
+        </p:txBody>
+      </p:sp>
+      <p:sp>
+        <p:nvSpPr>
+          <p:cNvPr id="19" name="Freeform 19"/>
           <p:cNvSpPr/>
           <p:nvPr/>
         </p:nvSpPr>
         <p:spPr>
-          <a:xfrm flipH="false" flipV="false" rot="0">
-            <a:off x="11598582" y="2309619"/>
+          <a:xfrm>
+            <a:off x="3040664" y="2128306"/>
             <a:ext cx="355359" cy="556335"/>
           </a:xfrm>
           <a:custGeom>
@@ -7466,9 +7507,9 @@
             <a:gdLst/>
             <a:ahLst/>
             <a:cxnLst/>
-            <a:rect r="r" b="b" t="t" l="l"/>
+            <a:rect l="l" t="t" r="r" b="b"/>
             <a:pathLst>
-              <a:path h="556335" w="355359">
+              <a:path w="355359" h="556335">
                 <a:moveTo>
                   <a:pt x="0" y="0"/>
                 </a:moveTo>
@@ -7476,10 +7517,10 @@
                   <a:pt x="355359" y="0"/>
                 </a:lnTo>
                 <a:lnTo>
-                  <a:pt x="355359" y="556334"/>
-                </a:lnTo>
-                <a:lnTo>
-                  <a:pt x="0" y="556334"/>
+                  <a:pt x="355359" y="556335"/>
+                </a:lnTo>
+                <a:lnTo>
+                  <a:pt x="0" y="556335"/>
                 </a:lnTo>
                 <a:lnTo>
                   <a:pt x="0" y="0"/>
@@ -7497,69 +7538,35 @@
               </a:extLst>
             </a:blip>
             <a:stretch>
-              <a:fillRect l="0" t="0" r="0" b="0"/>
+              <a:fillRect/>
             </a:stretch>
           </a:blipFill>
         </p:spPr>
-      </p:sp>
-      <p:sp>
-        <p:nvSpPr>
-          <p:cNvPr name="TextBox 19" id="19"/>
-          <p:cNvSpPr txBox="true"/>
-          <p:nvPr/>
-        </p:nvSpPr>
-        <p:spPr>
-          <a:xfrm rot="0">
-            <a:off x="3614134" y="2886548"/>
-            <a:ext cx="10056335" cy="3235370"/>
+        <p:txBody>
+          <a:bodyPr/>
+          <a:lstStyle/>
+          <a:p>
+            <a:endParaRPr lang="es-CR"/>
+          </a:p>
+        </p:txBody>
+      </p:sp>
+      <p:sp>
+        <p:nvSpPr>
+          <p:cNvPr id="24" name="TextBox 24"/>
+          <p:cNvSpPr txBox="1"/>
+          <p:nvPr/>
+        </p:nvSpPr>
+        <p:spPr>
+          <a:xfrm>
+            <a:off x="1977613" y="4008336"/>
+            <a:ext cx="496110" cy="297180"/>
           </a:xfrm>
           <a:prstGeom prst="rect">
             <a:avLst/>
           </a:prstGeom>
         </p:spPr>
         <p:txBody>
-          <a:bodyPr anchor="t" rtlCol="false" tIns="0" lIns="0" bIns="0" rIns="0">
-            <a:spAutoFit/>
-          </a:bodyPr>
-          <a:lstStyle/>
-          <a:p>
-            <a:pPr algn="l">
-              <a:lnSpc>
-                <a:spcPts val="4324"/>
-              </a:lnSpc>
-              <a:spcBef>
-                <a:spcPct val="0"/>
-              </a:spcBef>
-            </a:pPr>
-            <a:r>
-              <a:rPr lang="en-US" sz="3089">
-                <a:solidFill>
-                  <a:srgbClr val="FFFFFF"/>
-                </a:solidFill>
-                <a:latin typeface="Open Sans"/>
-              </a:rPr>
-              <a:t>Thrift utiliza su propio protocolo binario o de texto para la comunicación, optimizado para ser más eficiente en términos de tamaño de mensaje y velocidad de procesamiento en comparación con protocolos como HTTP/2. Esto lo hace adecuado para aplicaciones donde el rendimiento es crítico.</a:t>
-            </a:r>
-          </a:p>
-        </p:txBody>
-      </p:sp>
-      <p:sp>
-        <p:nvSpPr>
-          <p:cNvPr name="TextBox 20" id="20"/>
-          <p:cNvSpPr txBox="true"/>
-          <p:nvPr/>
-        </p:nvSpPr>
-        <p:spPr>
-          <a:xfrm rot="0">
-            <a:off x="10759162" y="4984939"/>
-            <a:ext cx="496110" cy="297180"/>
-          </a:xfrm>
-          <a:prstGeom prst="rect">
-            <a:avLst/>
-          </a:prstGeom>
-        </p:spPr>
-        <p:txBody>
-          <a:bodyPr anchor="t" rtlCol="false" tIns="0" lIns="0" bIns="0" rIns="0">
+          <a:bodyPr lIns="0" tIns="0" rIns="0" bIns="0" rtlCol="0" anchor="t">
             <a:spAutoFit/>
           </a:bodyPr>
           <a:lstStyle/>
@@ -7584,6 +7591,248 @@
           </a:p>
         </p:txBody>
       </p:sp>
+      <p:sp>
+        <p:nvSpPr>
+          <p:cNvPr id="29" name="TextBox 29"/>
+          <p:cNvSpPr txBox="1"/>
+          <p:nvPr/>
+        </p:nvSpPr>
+        <p:spPr>
+          <a:xfrm>
+            <a:off x="1977613" y="5429036"/>
+            <a:ext cx="496110" cy="297180"/>
+          </a:xfrm>
+          <a:prstGeom prst="rect">
+            <a:avLst/>
+          </a:prstGeom>
+        </p:spPr>
+        <p:txBody>
+          <a:bodyPr lIns="0" tIns="0" rIns="0" bIns="0" rtlCol="0" anchor="t">
+            <a:spAutoFit/>
+          </a:bodyPr>
+          <a:lstStyle/>
+          <a:p>
+            <a:pPr algn="ctr">
+              <a:lnSpc>
+                <a:spcPts val="2519"/>
+              </a:lnSpc>
+              <a:spcBef>
+                <a:spcPct val="0"/>
+              </a:spcBef>
+            </a:pPr>
+            <a:r>
+              <a:rPr lang="en-US" sz="1799">
+                <a:solidFill>
+                  <a:srgbClr val="0B081D"/>
+                </a:solidFill>
+                <a:latin typeface="Open Sans Bold"/>
+              </a:rPr>
+              <a:t>02</a:t>
+            </a:r>
+          </a:p>
+        </p:txBody>
+      </p:sp>
+      <p:sp>
+        <p:nvSpPr>
+          <p:cNvPr id="34" name="TextBox 34"/>
+          <p:cNvSpPr txBox="1"/>
+          <p:nvPr/>
+        </p:nvSpPr>
+        <p:spPr>
+          <a:xfrm>
+            <a:off x="1977613" y="6849737"/>
+            <a:ext cx="496110" cy="297180"/>
+          </a:xfrm>
+          <a:prstGeom prst="rect">
+            <a:avLst/>
+          </a:prstGeom>
+        </p:spPr>
+        <p:txBody>
+          <a:bodyPr lIns="0" tIns="0" rIns="0" bIns="0" rtlCol="0" anchor="t">
+            <a:spAutoFit/>
+          </a:bodyPr>
+          <a:lstStyle/>
+          <a:p>
+            <a:pPr algn="ctr">
+              <a:lnSpc>
+                <a:spcPts val="2519"/>
+              </a:lnSpc>
+              <a:spcBef>
+                <a:spcPct val="0"/>
+              </a:spcBef>
+            </a:pPr>
+            <a:r>
+              <a:rPr lang="en-US" sz="1799">
+                <a:solidFill>
+                  <a:srgbClr val="0B081D"/>
+                </a:solidFill>
+                <a:latin typeface="Open Sans Bold"/>
+              </a:rPr>
+              <a:t>03</a:t>
+            </a:r>
+          </a:p>
+        </p:txBody>
+      </p:sp>
+      <p:sp>
+        <p:nvSpPr>
+          <p:cNvPr id="38" name="TextBox 38"/>
+          <p:cNvSpPr txBox="1"/>
+          <p:nvPr/>
+        </p:nvSpPr>
+        <p:spPr>
+          <a:xfrm>
+            <a:off x="1994097" y="8164982"/>
+            <a:ext cx="496110" cy="297180"/>
+          </a:xfrm>
+          <a:prstGeom prst="rect">
+            <a:avLst/>
+          </a:prstGeom>
+        </p:spPr>
+        <p:txBody>
+          <a:bodyPr lIns="0" tIns="0" rIns="0" bIns="0" rtlCol="0" anchor="t">
+            <a:spAutoFit/>
+          </a:bodyPr>
+          <a:lstStyle/>
+          <a:p>
+            <a:pPr algn="ctr">
+              <a:lnSpc>
+                <a:spcPts val="2519"/>
+              </a:lnSpc>
+              <a:spcBef>
+                <a:spcPct val="0"/>
+              </a:spcBef>
+            </a:pPr>
+            <a:r>
+              <a:rPr lang="en-US" sz="1799">
+                <a:solidFill>
+                  <a:srgbClr val="0B081D"/>
+                </a:solidFill>
+                <a:latin typeface="Open Sans Bold"/>
+              </a:rPr>
+              <a:t>04</a:t>
+            </a:r>
+          </a:p>
+        </p:txBody>
+      </p:sp>
+      <p:pic>
+        <p:nvPicPr>
+          <p:cNvPr id="40" name="Imagen 39">
+            <a:extLst>
+              <a:ext uri="{FF2B5EF4-FFF2-40B4-BE49-F238E27FC236}">
+                <a16:creationId xmlns:a16="http://schemas.microsoft.com/office/drawing/2014/main" id="{9DDEE466-F60D-53A8-1A0B-71DCA6ABA43C}"/>
+              </a:ext>
+            </a:extLst>
+          </p:cNvPr>
+          <p:cNvPicPr>
+            <a:picLocks noChangeAspect="1"/>
+          </p:cNvPicPr>
+          <p:nvPr/>
+        </p:nvPicPr>
+        <p:blipFill>
+          <a:blip r:embed="rId9"/>
+          <a:stretch>
+            <a:fillRect/>
+          </a:stretch>
+        </p:blipFill>
+        <p:spPr>
+          <a:xfrm>
+            <a:off x="1361070" y="3700464"/>
+            <a:ext cx="2929439" cy="2929439"/>
+          </a:xfrm>
+          <a:prstGeom prst="rect">
+            <a:avLst/>
+          </a:prstGeom>
+        </p:spPr>
+      </p:pic>
+      <p:pic>
+        <p:nvPicPr>
+          <p:cNvPr id="41" name="Imagen 40">
+            <a:extLst>
+              <a:ext uri="{FF2B5EF4-FFF2-40B4-BE49-F238E27FC236}">
+                <a16:creationId xmlns:a16="http://schemas.microsoft.com/office/drawing/2014/main" id="{DD19C4F0-3B02-19D0-3775-8F20426DF52F}"/>
+              </a:ext>
+            </a:extLst>
+          </p:cNvPr>
+          <p:cNvPicPr>
+            <a:picLocks noChangeAspect="1"/>
+          </p:cNvPicPr>
+          <p:nvPr/>
+        </p:nvPicPr>
+        <p:blipFill rotWithShape="1">
+          <a:blip r:embed="rId10"/>
+          <a:srcRect b="12231"/>
+          <a:stretch/>
+        </p:blipFill>
+        <p:spPr>
+          <a:xfrm>
+            <a:off x="5675657" y="3717272"/>
+            <a:ext cx="3058666" cy="2895821"/>
+          </a:xfrm>
+          <a:prstGeom prst="rect">
+            <a:avLst/>
+          </a:prstGeom>
+        </p:spPr>
+      </p:pic>
+      <p:pic>
+        <p:nvPicPr>
+          <p:cNvPr id="42" name="Imagen 41">
+            <a:extLst>
+              <a:ext uri="{FF2B5EF4-FFF2-40B4-BE49-F238E27FC236}">
+                <a16:creationId xmlns:a16="http://schemas.microsoft.com/office/drawing/2014/main" id="{ACC28316-3E45-D237-8EAA-BF3D3F862500}"/>
+              </a:ext>
+            </a:extLst>
+          </p:cNvPr>
+          <p:cNvPicPr>
+            <a:picLocks noChangeAspect="1"/>
+          </p:cNvPicPr>
+          <p:nvPr/>
+        </p:nvPicPr>
+        <p:blipFill>
+          <a:blip r:embed="rId11"/>
+          <a:stretch>
+            <a:fillRect/>
+          </a:stretch>
+        </p:blipFill>
+        <p:spPr>
+          <a:xfrm>
+            <a:off x="9927302" y="3734082"/>
+            <a:ext cx="2929439" cy="2929439"/>
+          </a:xfrm>
+          <a:prstGeom prst="rect">
+            <a:avLst/>
+          </a:prstGeom>
+        </p:spPr>
+      </p:pic>
+      <p:pic>
+        <p:nvPicPr>
+          <p:cNvPr id="43" name="Imagen 42">
+            <a:extLst>
+              <a:ext uri="{FF2B5EF4-FFF2-40B4-BE49-F238E27FC236}">
+                <a16:creationId xmlns:a16="http://schemas.microsoft.com/office/drawing/2014/main" id="{C06C812A-4A93-8E44-E9A2-BA806E840BEC}"/>
+              </a:ext>
+            </a:extLst>
+          </p:cNvPr>
+          <p:cNvPicPr>
+            <a:picLocks noChangeAspect="1"/>
+          </p:cNvPicPr>
+          <p:nvPr/>
+        </p:nvPicPr>
+        <p:blipFill>
+          <a:blip r:embed="rId12"/>
+          <a:stretch>
+            <a:fillRect/>
+          </a:stretch>
+        </p:blipFill>
+        <p:spPr>
+          <a:xfrm>
+            <a:off x="14048592" y="3734082"/>
+            <a:ext cx="3029557" cy="2895820"/>
+          </a:xfrm>
+          <a:prstGeom prst="rect">
+            <a:avLst/>
+          </a:prstGeom>
+        </p:spPr>
+      </p:pic>
     </p:spTree>
   </p:cSld>
   <p:clrMapOvr>
@@ -7593,7 +7842,7 @@
 </file>
 
 <file path=ppt/slides/slide6.xml><?xml version="1.0" encoding="utf-8"?>
-<p:sld xmlns:p="http://schemas.openxmlformats.org/presentationml/2006/main" xmlns:a="http://schemas.openxmlformats.org/drawingml/2006/main" xmlns:r="http://schemas.openxmlformats.org/officeDocument/2006/relationships">
+<p:sld xmlns:a="http://schemas.openxmlformats.org/drawingml/2006/main" xmlns:r="http://schemas.openxmlformats.org/officeDocument/2006/relationships" xmlns:p="http://schemas.openxmlformats.org/presentationml/2006/main">
   <p:cSld>
     <p:spTree>
       <p:nvGrpSpPr>
@@ -7611,12 +7860,12 @@
       </p:grpSpPr>
       <p:sp>
         <p:nvSpPr>
-          <p:cNvPr name="Freeform 2" id="2"/>
+          <p:cNvPr id="2" name="Freeform 2"/>
           <p:cNvSpPr/>
           <p:nvPr/>
         </p:nvSpPr>
         <p:spPr>
-          <a:xfrm flipH="false" flipV="false" rot="0">
+          <a:xfrm>
             <a:off x="0" y="0"/>
             <a:ext cx="18288000" cy="10287000"/>
           </a:xfrm>
@@ -7625,9 +7874,9 @@
             <a:gdLst/>
             <a:ahLst/>
             <a:cxnLst/>
-            <a:rect r="r" b="b" t="t" l="l"/>
+            <a:rect l="l" t="t" r="r" b="b"/>
             <a:pathLst>
-              <a:path h="10287000" w="18288000">
+              <a:path w="18288000" h="10287000">
                 <a:moveTo>
                   <a:pt x="0" y="0"/>
                 </a:moveTo>
@@ -7650,19 +7899,26 @@
           <a:blipFill>
             <a:blip r:embed="rId2"/>
             <a:stretch>
-              <a:fillRect l="0" t="-38888" r="0" b="-38888"/>
+              <a:fillRect t="-38888" b="-38888"/>
             </a:stretch>
           </a:blipFill>
         </p:spPr>
-      </p:sp>
-      <p:sp>
-        <p:nvSpPr>
-          <p:cNvPr name="Freeform 3" id="3"/>
+        <p:txBody>
+          <a:bodyPr/>
+          <a:lstStyle/>
+          <a:p>
+            <a:endParaRPr lang="es-CR"/>
+          </a:p>
+        </p:txBody>
+      </p:sp>
+      <p:sp>
+        <p:nvSpPr>
+          <p:cNvPr id="3" name="Freeform 3"/>
           <p:cNvSpPr/>
           <p:nvPr/>
         </p:nvSpPr>
         <p:spPr>
-          <a:xfrm flipH="false" flipV="false" rot="0">
+          <a:xfrm>
             <a:off x="17324710" y="458184"/>
             <a:ext cx="306065" cy="336000"/>
           </a:xfrm>
@@ -7671,9 +7927,9 @@
             <a:gdLst/>
             <a:ahLst/>
             <a:cxnLst/>
-            <a:rect r="r" b="b" t="t" l="l"/>
+            <a:rect l="l" t="t" r="r" b="b"/>
             <a:pathLst>
-              <a:path h="336000" w="306065">
+              <a:path w="306065" h="336000">
                 <a:moveTo>
                   <a:pt x="0" y="0"/>
                 </a:moveTo>
@@ -7702,19 +7958,26 @@
               </a:extLst>
             </a:blip>
             <a:stretch>
-              <a:fillRect l="0" t="0" r="0" b="0"/>
+              <a:fillRect/>
             </a:stretch>
           </a:blipFill>
         </p:spPr>
-      </p:sp>
-      <p:sp>
-        <p:nvSpPr>
-          <p:cNvPr name="Freeform 4" id="4"/>
+        <p:txBody>
+          <a:bodyPr/>
+          <a:lstStyle/>
+          <a:p>
+            <a:endParaRPr lang="es-CR"/>
+          </a:p>
+        </p:txBody>
+      </p:sp>
+      <p:sp>
+        <p:nvSpPr>
+          <p:cNvPr id="4" name="Freeform 4"/>
           <p:cNvSpPr/>
           <p:nvPr/>
         </p:nvSpPr>
         <p:spPr>
-          <a:xfrm flipH="false" flipV="false" rot="0">
+          <a:xfrm>
             <a:off x="602972" y="439904"/>
             <a:ext cx="253149" cy="354280"/>
           </a:xfrm>
@@ -7723,9 +7986,9 @@
             <a:gdLst/>
             <a:ahLst/>
             <a:cxnLst/>
-            <a:rect r="r" b="b" t="t" l="l"/>
+            <a:rect l="l" t="t" r="r" b="b"/>
             <a:pathLst>
-              <a:path h="354280" w="253149">
+              <a:path w="253149" h="354280">
                 <a:moveTo>
                   <a:pt x="0" y="0"/>
                 </a:moveTo>
@@ -7754,14 +8017,21 @@
               </a:extLst>
             </a:blip>
             <a:stretch>
-              <a:fillRect l="0" t="0" r="0" b="0"/>
+              <a:fillRect/>
             </a:stretch>
           </a:blipFill>
         </p:spPr>
+        <p:txBody>
+          <a:bodyPr/>
+          <a:lstStyle/>
+          <a:p>
+            <a:endParaRPr lang="es-CR"/>
+          </a:p>
+        </p:txBody>
       </p:sp>
       <p:grpSp>
         <p:nvGrpSpPr>
-          <p:cNvPr name="Group 5" id="5"/>
+          <p:cNvPr id="5" name="Group 5"/>
           <p:cNvGrpSpPr/>
           <p:nvPr/>
         </p:nvGrpSpPr>
@@ -7775,12 +8045,12 @@
         </p:grpSpPr>
         <p:sp>
           <p:nvSpPr>
-            <p:cNvPr name="Freeform 6" id="6"/>
+            <p:cNvPr id="6" name="Freeform 6"/>
             <p:cNvSpPr/>
             <p:nvPr/>
           </p:nvSpPr>
           <p:spPr>
-            <a:xfrm flipH="false" flipV="false" rot="0">
+            <a:xfrm>
               <a:off x="0" y="0"/>
               <a:ext cx="1347239" cy="579341"/>
             </a:xfrm>
@@ -7789,9 +8059,9 @@
               <a:gdLst/>
               <a:ahLst/>
               <a:cxnLst/>
-              <a:rect r="r" b="b" t="t" l="l"/>
+              <a:rect l="l" t="t" r="r" b="b"/>
               <a:pathLst>
-                <a:path h="579341" w="1347239">
+                <a:path w="1347239" h="579341">
                   <a:moveTo>
                     <a:pt x="673619" y="0"/>
                   </a:moveTo>
@@ -7812,11 +8082,18 @@
               <a:srgbClr val="12F1FF"/>
             </a:solidFill>
           </p:spPr>
+          <p:txBody>
+            <a:bodyPr/>
+            <a:lstStyle/>
+            <a:p>
+              <a:endParaRPr lang="es-CR"/>
+            </a:p>
+          </p:txBody>
         </p:sp>
         <p:sp>
           <p:nvSpPr>
-            <p:cNvPr name="TextBox 7" id="7"/>
-            <p:cNvSpPr txBox="true"/>
+            <p:cNvPr id="7" name="TextBox 7"/>
+            <p:cNvSpPr txBox="1"/>
             <p:nvPr/>
           </p:nvSpPr>
           <p:spPr>
@@ -7829,7 +8106,7 @@
             </a:prstGeom>
           </p:spPr>
           <p:txBody>
-            <a:bodyPr anchor="ctr" rtlCol="false" tIns="50800" lIns="50800" bIns="50800" rIns="50800"/>
+            <a:bodyPr lIns="50800" tIns="50800" rIns="50800" bIns="50800" rtlCol="0" anchor="ctr"/>
             <a:lstStyle/>
             <a:p>
               <a:pPr algn="ctr">
@@ -7840,327 +8117,41 @@
                   <a:spcPct val="0"/>
                 </a:spcBef>
               </a:pPr>
+              <a:endParaRPr/>
             </a:p>
           </p:txBody>
         </p:sp>
       </p:grpSp>
-      <p:grpSp>
-        <p:nvGrpSpPr>
-          <p:cNvPr name="Group 8" id="8"/>
-          <p:cNvGrpSpPr/>
-          <p:nvPr/>
-        </p:nvGrpSpPr>
-        <p:grpSpPr>
-          <a:xfrm rot="0">
-            <a:off x="0" y="6666286"/>
-            <a:ext cx="2669523" cy="3799826"/>
-            <a:chOff x="0" y="0"/>
-            <a:chExt cx="703084" cy="1000777"/>
-          </a:xfrm>
-        </p:grpSpPr>
-        <p:sp>
-          <p:nvSpPr>
-            <p:cNvPr name="Freeform 9" id="9"/>
-            <p:cNvSpPr/>
-            <p:nvPr/>
-          </p:nvSpPr>
-          <p:spPr>
-            <a:xfrm flipH="false" flipV="false" rot="0">
-              <a:off x="0" y="0"/>
-              <a:ext cx="703084" cy="1000777"/>
-            </a:xfrm>
-            <a:custGeom>
-              <a:avLst/>
-              <a:gdLst/>
-              <a:ahLst/>
-              <a:cxnLst/>
-              <a:rect r="r" b="b" t="t" l="l"/>
-              <a:pathLst>
-                <a:path h="1000777" w="703084">
-                  <a:moveTo>
-                    <a:pt x="0" y="0"/>
-                  </a:moveTo>
-                  <a:lnTo>
-                    <a:pt x="703084" y="0"/>
-                  </a:lnTo>
-                  <a:lnTo>
-                    <a:pt x="703084" y="1000777"/>
-                  </a:lnTo>
-                  <a:lnTo>
-                    <a:pt x="0" y="1000777"/>
-                  </a:lnTo>
-                  <a:close/>
-                </a:path>
-              </a:pathLst>
-            </a:custGeom>
-            <a:solidFill>
-              <a:srgbClr val="12F1FF"/>
-            </a:solidFill>
-          </p:spPr>
-        </p:sp>
-        <p:sp>
-          <p:nvSpPr>
-            <p:cNvPr name="TextBox 10" id="10"/>
-            <p:cNvSpPr txBox="true"/>
-            <p:nvPr/>
-          </p:nvSpPr>
-          <p:spPr>
-            <a:xfrm>
-              <a:off x="0" y="-38100"/>
-              <a:ext cx="703084" cy="1038877"/>
-            </a:xfrm>
-            <a:prstGeom prst="rect">
-              <a:avLst/>
-            </a:prstGeom>
-          </p:spPr>
-          <p:txBody>
-            <a:bodyPr anchor="ctr" rtlCol="false" tIns="50800" lIns="50800" bIns="50800" rIns="50800"/>
-            <a:lstStyle/>
-            <a:p>
-              <a:pPr algn="ctr">
-                <a:lnSpc>
-                  <a:spcPts val="2659"/>
-                </a:lnSpc>
-              </a:pPr>
-            </a:p>
-          </p:txBody>
-        </p:sp>
-      </p:grpSp>
-      <p:sp>
-        <p:nvSpPr>
-          <p:cNvPr name="TextBox 11" id="11"/>
-          <p:cNvSpPr txBox="true"/>
-          <p:nvPr/>
-        </p:nvSpPr>
-        <p:spPr>
-          <a:xfrm rot="0">
-            <a:off x="16089294" y="517674"/>
-            <a:ext cx="978460" cy="197971"/>
-          </a:xfrm>
-          <a:prstGeom prst="rect">
-            <a:avLst/>
-          </a:prstGeom>
-        </p:spPr>
-        <p:txBody>
-          <a:bodyPr anchor="t" rtlCol="false" tIns="0" lIns="0" bIns="0" rIns="0">
-            <a:spAutoFit/>
-          </a:bodyPr>
-          <a:lstStyle/>
-          <a:p>
-            <a:pPr algn="l">
-              <a:lnSpc>
-                <a:spcPts val="1680"/>
-              </a:lnSpc>
-              <a:spcBef>
-                <a:spcPct val="0"/>
-              </a:spcBef>
-            </a:pPr>
-            <a:r>
-              <a:rPr lang="en-US" sz="1200">
-                <a:solidFill>
-                  <a:srgbClr val="FFFFFF"/>
-                </a:solidFill>
-                <a:latin typeface="Open Sans"/>
-              </a:rPr>
-              <a:t>Contact</a:t>
-            </a:r>
-          </a:p>
-        </p:txBody>
-      </p:sp>
-      <p:sp>
-        <p:nvSpPr>
-          <p:cNvPr name="TextBox 12" id="12"/>
-          <p:cNvSpPr txBox="true"/>
-          <p:nvPr/>
-        </p:nvSpPr>
-        <p:spPr>
-          <a:xfrm rot="0">
-            <a:off x="14533497" y="517674"/>
-            <a:ext cx="1060497" cy="197971"/>
-          </a:xfrm>
-          <a:prstGeom prst="rect">
-            <a:avLst/>
-          </a:prstGeom>
-        </p:spPr>
-        <p:txBody>
-          <a:bodyPr anchor="t" rtlCol="false" tIns="0" lIns="0" bIns="0" rIns="0">
-            <a:spAutoFit/>
-          </a:bodyPr>
-          <a:lstStyle/>
-          <a:p>
-            <a:pPr algn="l">
-              <a:lnSpc>
-                <a:spcPts val="1680"/>
-              </a:lnSpc>
-              <a:spcBef>
-                <a:spcPct val="0"/>
-              </a:spcBef>
-            </a:pPr>
-            <a:r>
-              <a:rPr lang="en-US" sz="1200">
-                <a:solidFill>
-                  <a:srgbClr val="FFFFFF"/>
-                </a:solidFill>
-                <a:latin typeface="Open Sans"/>
-              </a:rPr>
-              <a:t>About Us</a:t>
-            </a:r>
-          </a:p>
-        </p:txBody>
-      </p:sp>
-      <p:sp>
-        <p:nvSpPr>
-          <p:cNvPr name="TextBox 13" id="13"/>
-          <p:cNvSpPr txBox="true"/>
-          <p:nvPr/>
-        </p:nvSpPr>
-        <p:spPr>
-          <a:xfrm rot="0">
-            <a:off x="13302741" y="517674"/>
-            <a:ext cx="735456" cy="197971"/>
-          </a:xfrm>
-          <a:prstGeom prst="rect">
-            <a:avLst/>
-          </a:prstGeom>
-        </p:spPr>
-        <p:txBody>
-          <a:bodyPr anchor="t" rtlCol="false" tIns="0" lIns="0" bIns="0" rIns="0">
-            <a:spAutoFit/>
-          </a:bodyPr>
-          <a:lstStyle/>
-          <a:p>
-            <a:pPr algn="l">
-              <a:lnSpc>
-                <a:spcPts val="1680"/>
-              </a:lnSpc>
-              <a:spcBef>
-                <a:spcPct val="0"/>
-              </a:spcBef>
-            </a:pPr>
-            <a:r>
-              <a:rPr lang="en-US" sz="1200">
-                <a:solidFill>
-                  <a:srgbClr val="FFFFFF"/>
-                </a:solidFill>
-                <a:latin typeface="Open Sans"/>
-              </a:rPr>
-              <a:t>Service</a:t>
-            </a:r>
-          </a:p>
-        </p:txBody>
-      </p:sp>
-      <p:sp>
-        <p:nvSpPr>
-          <p:cNvPr name="TextBox 14" id="14"/>
-          <p:cNvSpPr txBox="true"/>
-          <p:nvPr/>
-        </p:nvSpPr>
-        <p:spPr>
-          <a:xfrm rot="0">
-            <a:off x="12046981" y="517674"/>
-            <a:ext cx="809760" cy="197971"/>
-          </a:xfrm>
-          <a:prstGeom prst="rect">
-            <a:avLst/>
-          </a:prstGeom>
-        </p:spPr>
-        <p:txBody>
-          <a:bodyPr anchor="t" rtlCol="false" tIns="0" lIns="0" bIns="0" rIns="0">
-            <a:spAutoFit/>
-          </a:bodyPr>
-          <a:lstStyle/>
-          <a:p>
-            <a:pPr algn="l">
-              <a:lnSpc>
-                <a:spcPts val="1680"/>
-              </a:lnSpc>
-              <a:spcBef>
-                <a:spcPct val="0"/>
-              </a:spcBef>
-            </a:pPr>
-            <a:r>
-              <a:rPr lang="en-US" sz="1200">
-                <a:solidFill>
-                  <a:srgbClr val="FFFFFF"/>
-                </a:solidFill>
-                <a:latin typeface="Open Sans"/>
-              </a:rPr>
-              <a:t>Home</a:t>
-            </a:r>
-          </a:p>
-        </p:txBody>
-      </p:sp>
-      <p:sp>
-        <p:nvSpPr>
-          <p:cNvPr name="TextBox 15" id="15"/>
-          <p:cNvSpPr txBox="true"/>
-          <p:nvPr/>
-        </p:nvSpPr>
-        <p:spPr>
-          <a:xfrm rot="0">
-            <a:off x="7225993" y="1115831"/>
-            <a:ext cx="5630748" cy="1471955"/>
-          </a:xfrm>
-          <a:prstGeom prst="rect">
-            <a:avLst/>
-          </a:prstGeom>
-        </p:spPr>
-        <p:txBody>
-          <a:bodyPr anchor="t" rtlCol="false" tIns="0" lIns="0" bIns="0" rIns="0">
-            <a:spAutoFit/>
-          </a:bodyPr>
-          <a:lstStyle/>
-          <a:p>
-            <a:pPr algn="l">
-              <a:lnSpc>
-                <a:spcPts val="11985"/>
-              </a:lnSpc>
-              <a:spcBef>
-                <a:spcPct val="0"/>
-              </a:spcBef>
-            </a:pPr>
-            <a:r>
-              <a:rPr lang="en-US" sz="8560">
-                <a:solidFill>
-                  <a:srgbClr val="FFFFFF"/>
-                </a:solidFill>
-                <a:latin typeface="TT Octosquares Compressed"/>
-              </a:rPr>
-              <a:t>IMPORTANCIA:</a:t>
-            </a:r>
-          </a:p>
-        </p:txBody>
-      </p:sp>
-      <p:sp>
-        <p:nvSpPr>
-          <p:cNvPr name="Freeform 16" id="16"/>
+      <p:sp>
+        <p:nvSpPr>
+          <p:cNvPr id="8" name="Freeform 8"/>
           <p:cNvSpPr/>
           <p:nvPr/>
         </p:nvSpPr>
         <p:spPr>
-          <a:xfrm flipH="false" flipV="false" rot="0">
-            <a:off x="10668341" y="2309619"/>
-            <a:ext cx="355359" cy="556335"/>
+          <a:xfrm>
+            <a:off x="2843386" y="4189844"/>
+            <a:ext cx="1218296" cy="1907312"/>
           </a:xfrm>
           <a:custGeom>
             <a:avLst/>
             <a:gdLst/>
             <a:ahLst/>
             <a:cxnLst/>
-            <a:rect r="r" b="b" t="t" l="l"/>
+            <a:rect l="l" t="t" r="r" b="b"/>
             <a:pathLst>
-              <a:path h="556335" w="355359">
+              <a:path w="1218296" h="1907312">
                 <a:moveTo>
                   <a:pt x="0" y="0"/>
                 </a:moveTo>
                 <a:lnTo>
-                  <a:pt x="355359" y="0"/>
-                </a:lnTo>
-                <a:lnTo>
-                  <a:pt x="355359" y="556334"/>
-                </a:lnTo>
-                <a:lnTo>
-                  <a:pt x="0" y="556334"/>
+                  <a:pt x="1218295" y="0"/>
+                </a:lnTo>
+                <a:lnTo>
+                  <a:pt x="1218295" y="1907312"/>
+                </a:lnTo>
+                <a:lnTo>
+                  <a:pt x="0" y="1907312"/>
                 </a:lnTo>
                 <a:lnTo>
                   <a:pt x="0" y="0"/>
@@ -8178,41 +8169,253 @@
               </a:extLst>
             </a:blip>
             <a:stretch>
-              <a:fillRect l="0" t="0" r="0" b="0"/>
+              <a:fillRect/>
             </a:stretch>
           </a:blipFill>
         </p:spPr>
-      </p:sp>
-      <p:sp>
-        <p:nvSpPr>
-          <p:cNvPr name="Freeform 17" id="17"/>
+        <p:txBody>
+          <a:bodyPr/>
+          <a:lstStyle/>
+          <a:p>
+            <a:endParaRPr lang="es-CR"/>
+          </a:p>
+        </p:txBody>
+      </p:sp>
+      <p:sp>
+        <p:nvSpPr>
+          <p:cNvPr id="9" name="TextBox 9"/>
+          <p:cNvSpPr txBox="1"/>
+          <p:nvPr/>
+        </p:nvSpPr>
+        <p:spPr>
+          <a:xfrm>
+            <a:off x="16089294" y="517674"/>
+            <a:ext cx="978460" cy="197971"/>
+          </a:xfrm>
+          <a:prstGeom prst="rect">
+            <a:avLst/>
+          </a:prstGeom>
+        </p:spPr>
+        <p:txBody>
+          <a:bodyPr lIns="0" tIns="0" rIns="0" bIns="0" rtlCol="0" anchor="t">
+            <a:spAutoFit/>
+          </a:bodyPr>
+          <a:lstStyle/>
+          <a:p>
+            <a:pPr algn="l">
+              <a:lnSpc>
+                <a:spcPts val="1680"/>
+              </a:lnSpc>
+              <a:spcBef>
+                <a:spcPct val="0"/>
+              </a:spcBef>
+            </a:pPr>
+            <a:r>
+              <a:rPr lang="en-US" sz="1200">
+                <a:solidFill>
+                  <a:srgbClr val="FFFFFF"/>
+                </a:solidFill>
+                <a:latin typeface="Open Sans"/>
+              </a:rPr>
+              <a:t>Contact</a:t>
+            </a:r>
+          </a:p>
+        </p:txBody>
+      </p:sp>
+      <p:sp>
+        <p:nvSpPr>
+          <p:cNvPr id="10" name="TextBox 10"/>
+          <p:cNvSpPr txBox="1"/>
+          <p:nvPr/>
+        </p:nvSpPr>
+        <p:spPr>
+          <a:xfrm>
+            <a:off x="14533497" y="517674"/>
+            <a:ext cx="1060497" cy="197971"/>
+          </a:xfrm>
+          <a:prstGeom prst="rect">
+            <a:avLst/>
+          </a:prstGeom>
+        </p:spPr>
+        <p:txBody>
+          <a:bodyPr lIns="0" tIns="0" rIns="0" bIns="0" rtlCol="0" anchor="t">
+            <a:spAutoFit/>
+          </a:bodyPr>
+          <a:lstStyle/>
+          <a:p>
+            <a:pPr algn="l">
+              <a:lnSpc>
+                <a:spcPts val="1680"/>
+              </a:lnSpc>
+              <a:spcBef>
+                <a:spcPct val="0"/>
+              </a:spcBef>
+            </a:pPr>
+            <a:r>
+              <a:rPr lang="en-US" sz="1200">
+                <a:solidFill>
+                  <a:srgbClr val="FFFFFF"/>
+                </a:solidFill>
+                <a:latin typeface="Open Sans"/>
+              </a:rPr>
+              <a:t>About Us</a:t>
+            </a:r>
+          </a:p>
+        </p:txBody>
+      </p:sp>
+      <p:sp>
+        <p:nvSpPr>
+          <p:cNvPr id="11" name="TextBox 11"/>
+          <p:cNvSpPr txBox="1"/>
+          <p:nvPr/>
+        </p:nvSpPr>
+        <p:spPr>
+          <a:xfrm>
+            <a:off x="13302741" y="517674"/>
+            <a:ext cx="735456" cy="197971"/>
+          </a:xfrm>
+          <a:prstGeom prst="rect">
+            <a:avLst/>
+          </a:prstGeom>
+        </p:spPr>
+        <p:txBody>
+          <a:bodyPr lIns="0" tIns="0" rIns="0" bIns="0" rtlCol="0" anchor="t">
+            <a:spAutoFit/>
+          </a:bodyPr>
+          <a:lstStyle/>
+          <a:p>
+            <a:pPr algn="l">
+              <a:lnSpc>
+                <a:spcPts val="1680"/>
+              </a:lnSpc>
+              <a:spcBef>
+                <a:spcPct val="0"/>
+              </a:spcBef>
+            </a:pPr>
+            <a:r>
+              <a:rPr lang="en-US" sz="1200">
+                <a:solidFill>
+                  <a:srgbClr val="FFFFFF"/>
+                </a:solidFill>
+                <a:latin typeface="Open Sans"/>
+              </a:rPr>
+              <a:t>Service</a:t>
+            </a:r>
+          </a:p>
+        </p:txBody>
+      </p:sp>
+      <p:sp>
+        <p:nvSpPr>
+          <p:cNvPr id="12" name="TextBox 12"/>
+          <p:cNvSpPr txBox="1"/>
+          <p:nvPr/>
+        </p:nvSpPr>
+        <p:spPr>
+          <a:xfrm>
+            <a:off x="12046981" y="517674"/>
+            <a:ext cx="809760" cy="197971"/>
+          </a:xfrm>
+          <a:prstGeom prst="rect">
+            <a:avLst/>
+          </a:prstGeom>
+        </p:spPr>
+        <p:txBody>
+          <a:bodyPr lIns="0" tIns="0" rIns="0" bIns="0" rtlCol="0" anchor="t">
+            <a:spAutoFit/>
+          </a:bodyPr>
+          <a:lstStyle/>
+          <a:p>
+            <a:pPr algn="l">
+              <a:lnSpc>
+                <a:spcPts val="1680"/>
+              </a:lnSpc>
+              <a:spcBef>
+                <a:spcPct val="0"/>
+              </a:spcBef>
+            </a:pPr>
+            <a:r>
+              <a:rPr lang="en-US" sz="1200">
+                <a:solidFill>
+                  <a:srgbClr val="FFFFFF"/>
+                </a:solidFill>
+                <a:latin typeface="Open Sans"/>
+              </a:rPr>
+              <a:t>Home</a:t>
+            </a:r>
+          </a:p>
+        </p:txBody>
+      </p:sp>
+      <p:sp>
+        <p:nvSpPr>
+          <p:cNvPr id="13" name="TextBox 13"/>
+          <p:cNvSpPr txBox="1"/>
+          <p:nvPr/>
+        </p:nvSpPr>
+        <p:spPr>
+          <a:xfrm>
+            <a:off x="4061681" y="3220694"/>
+            <a:ext cx="10164638" cy="3464612"/>
+          </a:xfrm>
+          <a:prstGeom prst="rect">
+            <a:avLst/>
+          </a:prstGeom>
+        </p:spPr>
+        <p:txBody>
+          <a:bodyPr lIns="0" tIns="0" rIns="0" bIns="0" rtlCol="0" anchor="t">
+            <a:spAutoFit/>
+          </a:bodyPr>
+          <a:lstStyle/>
+          <a:p>
+            <a:pPr algn="ctr">
+              <a:lnSpc>
+                <a:spcPts val="28402"/>
+              </a:lnSpc>
+              <a:spcBef>
+                <a:spcPct val="0"/>
+              </a:spcBef>
+            </a:pPr>
+            <a:r>
+              <a:rPr lang="en-US" sz="20287">
+                <a:solidFill>
+                  <a:srgbClr val="FFFFFF"/>
+                </a:solidFill>
+                <a:latin typeface="TT Octosquares Compressed"/>
+              </a:rPr>
+              <a:t>THANK YOU</a:t>
+            </a:r>
+          </a:p>
+        </p:txBody>
+      </p:sp>
+      <p:sp>
+        <p:nvSpPr>
+          <p:cNvPr id="14" name="Freeform 14"/>
           <p:cNvSpPr/>
           <p:nvPr/>
         </p:nvSpPr>
         <p:spPr>
-          <a:xfrm flipH="false" flipV="false" rot="0">
-            <a:off x="11133462" y="2309619"/>
-            <a:ext cx="355359" cy="556335"/>
+          <a:xfrm>
+            <a:off x="2105520" y="4471286"/>
+            <a:ext cx="858754" cy="1344429"/>
           </a:xfrm>
           <a:custGeom>
             <a:avLst/>
             <a:gdLst/>
             <a:ahLst/>
             <a:cxnLst/>
-            <a:rect r="r" b="b" t="t" l="l"/>
+            <a:rect l="l" t="t" r="r" b="b"/>
             <a:pathLst>
-              <a:path h="556335" w="355359">
+              <a:path w="858754" h="1344429">
                 <a:moveTo>
                   <a:pt x="0" y="0"/>
                 </a:moveTo>
                 <a:lnTo>
-                  <a:pt x="355359" y="0"/>
-                </a:lnTo>
-                <a:lnTo>
-                  <a:pt x="355359" y="556334"/>
-                </a:lnTo>
-                <a:lnTo>
-                  <a:pt x="0" y="556334"/>
+                  <a:pt x="858754" y="0"/>
+                </a:lnTo>
+                <a:lnTo>
+                  <a:pt x="858754" y="1344428"/>
+                </a:lnTo>
+                <a:lnTo>
+                  <a:pt x="0" y="1344428"/>
                 </a:lnTo>
                 <a:lnTo>
                   <a:pt x="0" y="0"/>
@@ -8230,41 +8433,48 @@
               </a:extLst>
             </a:blip>
             <a:stretch>
-              <a:fillRect l="0" t="0" r="0" b="0"/>
+              <a:fillRect/>
             </a:stretch>
           </a:blipFill>
         </p:spPr>
-      </p:sp>
-      <p:sp>
-        <p:nvSpPr>
-          <p:cNvPr name="Freeform 18" id="18"/>
+        <p:txBody>
+          <a:bodyPr/>
+          <a:lstStyle/>
+          <a:p>
+            <a:endParaRPr lang="es-CR"/>
+          </a:p>
+        </p:txBody>
+      </p:sp>
+      <p:sp>
+        <p:nvSpPr>
+          <p:cNvPr id="15" name="Freeform 15"/>
           <p:cNvSpPr/>
           <p:nvPr/>
         </p:nvSpPr>
         <p:spPr>
-          <a:xfrm flipH="false" flipV="false" rot="0">
-            <a:off x="11598582" y="2309619"/>
-            <a:ext cx="355359" cy="556335"/>
+          <a:xfrm>
+            <a:off x="1390081" y="4650573"/>
+            <a:ext cx="629715" cy="985855"/>
           </a:xfrm>
           <a:custGeom>
             <a:avLst/>
             <a:gdLst/>
             <a:ahLst/>
             <a:cxnLst/>
-            <a:rect r="r" b="b" t="t" l="l"/>
+            <a:rect l="l" t="t" r="r" b="b"/>
             <a:pathLst>
-              <a:path h="556335" w="355359">
+              <a:path w="629715" h="985855">
                 <a:moveTo>
                   <a:pt x="0" y="0"/>
                 </a:moveTo>
                 <a:lnTo>
-                  <a:pt x="355359" y="0"/>
-                </a:lnTo>
-                <a:lnTo>
-                  <a:pt x="355359" y="556334"/>
-                </a:lnTo>
-                <a:lnTo>
-                  <a:pt x="0" y="556334"/>
+                  <a:pt x="629714" y="0"/>
+                </a:lnTo>
+                <a:lnTo>
+                  <a:pt x="629714" y="985854"/>
+                </a:lnTo>
+                <a:lnTo>
+                  <a:pt x="0" y="985854"/>
                 </a:lnTo>
                 <a:lnTo>
                   <a:pt x="0" y="0"/>
@@ -8282,372 +8492,37 @@
               </a:extLst>
             </a:blip>
             <a:stretch>
-              <a:fillRect l="0" t="0" r="0" b="0"/>
+              <a:fillRect/>
             </a:stretch>
           </a:blipFill>
         </p:spPr>
-      </p:sp>
-      <p:sp>
-        <p:nvSpPr>
-          <p:cNvPr name="TextBox 19" id="19"/>
-          <p:cNvSpPr txBox="true"/>
-          <p:nvPr/>
-        </p:nvSpPr>
-        <p:spPr>
-          <a:xfrm rot="0">
-            <a:off x="4477162" y="2921232"/>
-            <a:ext cx="10056335" cy="5412845"/>
-          </a:xfrm>
-          <a:prstGeom prst="rect">
-            <a:avLst/>
-          </a:prstGeom>
-        </p:spPr>
-        <p:txBody>
-          <a:bodyPr anchor="t" rtlCol="false" tIns="0" lIns="0" bIns="0" rIns="0">
-            <a:spAutoFit/>
-          </a:bodyPr>
-          <a:lstStyle/>
-          <a:p>
-            <a:pPr algn="l">
-              <a:lnSpc>
-                <a:spcPts val="4324"/>
-              </a:lnSpc>
-              <a:spcBef>
-                <a:spcPct val="0"/>
-              </a:spcBef>
-            </a:pPr>
-            <a:r>
-              <a:rPr lang="en-US" sz="3089">
-                <a:solidFill>
-                  <a:srgbClr val="FFFFFF"/>
-                </a:solidFill>
-                <a:latin typeface="Open Sans"/>
-              </a:rPr>
-              <a:t>Thrift es crucial para la construcción de sistemas distribuidos y microservicios que requieren alta eficiencia y compatibilidad entre diversos lenguajes de programación. Su capacidad para definir interfaces y generar código automáticamente reduce significativamente el esfuerzo de desarrollo y asegura la consistencia en la comunicación entre servicios. Es ampliamente adoptado en la industria por empresas que manejan grandes volúmenes de datos y requieren soluciones de alto rendimiento.</a:t>
-            </a:r>
-          </a:p>
-        </p:txBody>
-      </p:sp>
-      <p:sp>
-        <p:nvSpPr>
-          <p:cNvPr name="TextBox 20" id="20"/>
-          <p:cNvSpPr txBox="true"/>
-          <p:nvPr/>
-        </p:nvSpPr>
-        <p:spPr>
-          <a:xfrm rot="0">
-            <a:off x="10759162" y="4984939"/>
-            <a:ext cx="496110" cy="297180"/>
-          </a:xfrm>
-          <a:prstGeom prst="rect">
-            <a:avLst/>
-          </a:prstGeom>
-        </p:spPr>
-        <p:txBody>
-          <a:bodyPr anchor="t" rtlCol="false" tIns="0" lIns="0" bIns="0" rIns="0">
-            <a:spAutoFit/>
-          </a:bodyPr>
-          <a:lstStyle/>
-          <a:p>
-            <a:pPr algn="ctr">
-              <a:lnSpc>
-                <a:spcPts val="2519"/>
-              </a:lnSpc>
-              <a:spcBef>
-                <a:spcPct val="0"/>
-              </a:spcBef>
-            </a:pPr>
-            <a:r>
-              <a:rPr lang="en-US" sz="1799">
-                <a:solidFill>
-                  <a:srgbClr val="0B081D"/>
-                </a:solidFill>
-                <a:latin typeface="Open Sans Bold"/>
-              </a:rPr>
-              <a:t>01</a:t>
-            </a:r>
-          </a:p>
-        </p:txBody>
-      </p:sp>
-    </p:spTree>
-  </p:cSld>
-  <p:clrMapOvr>
-    <a:masterClrMapping/>
-  </p:clrMapOvr>
-</p:sld>
-</file>
-
-<file path=ppt/slides/slide7.xml><?xml version="1.0" encoding="utf-8"?>
-<p:sld xmlns:p="http://schemas.openxmlformats.org/presentationml/2006/main" xmlns:a="http://schemas.openxmlformats.org/drawingml/2006/main" xmlns:r="http://schemas.openxmlformats.org/officeDocument/2006/relationships">
-  <p:cSld>
-    <p:spTree>
-      <p:nvGrpSpPr>
-        <p:cNvPr id="1" name=""/>
-        <p:cNvGrpSpPr/>
-        <p:nvPr/>
-      </p:nvGrpSpPr>
-      <p:grpSpPr>
-        <a:xfrm>
-          <a:off x="0" y="0"/>
-          <a:ext cx="0" cy="0"/>
-          <a:chOff x="0" y="0"/>
-          <a:chExt cx="0" cy="0"/>
-        </a:xfrm>
-      </p:grpSpPr>
-      <p:sp>
-        <p:nvSpPr>
-          <p:cNvPr name="Freeform 2" id="2"/>
+        <p:txBody>
+          <a:bodyPr/>
+          <a:lstStyle/>
+          <a:p>
+            <a:endParaRPr lang="es-CR"/>
+          </a:p>
+        </p:txBody>
+      </p:sp>
+      <p:sp>
+        <p:nvSpPr>
+          <p:cNvPr id="16" name="Freeform 16"/>
           <p:cNvSpPr/>
           <p:nvPr/>
         </p:nvSpPr>
         <p:spPr>
-          <a:xfrm flipH="false" flipV="false" rot="0">
-            <a:off x="0" y="0"/>
-            <a:ext cx="18288000" cy="10287000"/>
+          <a:xfrm rot="-10800000">
+            <a:off x="14226319" y="4189844"/>
+            <a:ext cx="1218296" cy="1907312"/>
           </a:xfrm>
           <a:custGeom>
             <a:avLst/>
             <a:gdLst/>
             <a:ahLst/>
             <a:cxnLst/>
-            <a:rect r="r" b="b" t="t" l="l"/>
+            <a:rect l="l" t="t" r="r" b="b"/>
             <a:pathLst>
-              <a:path h="10287000" w="18288000">
-                <a:moveTo>
-                  <a:pt x="0" y="0"/>
-                </a:moveTo>
-                <a:lnTo>
-                  <a:pt x="18288000" y="0"/>
-                </a:lnTo>
-                <a:lnTo>
-                  <a:pt x="18288000" y="10287000"/>
-                </a:lnTo>
-                <a:lnTo>
-                  <a:pt x="0" y="10287000"/>
-                </a:lnTo>
-                <a:lnTo>
-                  <a:pt x="0" y="0"/>
-                </a:lnTo>
-                <a:close/>
-              </a:path>
-            </a:pathLst>
-          </a:custGeom>
-          <a:blipFill>
-            <a:blip r:embed="rId2"/>
-            <a:stretch>
-              <a:fillRect l="0" t="-38888" r="0" b="-38888"/>
-            </a:stretch>
-          </a:blipFill>
-        </p:spPr>
-      </p:sp>
-      <p:sp>
-        <p:nvSpPr>
-          <p:cNvPr name="Freeform 3" id="3"/>
-          <p:cNvSpPr/>
-          <p:nvPr/>
-        </p:nvSpPr>
-        <p:spPr>
-          <a:xfrm flipH="false" flipV="false" rot="0">
-            <a:off x="17324710" y="458184"/>
-            <a:ext cx="306065" cy="336000"/>
-          </a:xfrm>
-          <a:custGeom>
-            <a:avLst/>
-            <a:gdLst/>
-            <a:ahLst/>
-            <a:cxnLst/>
-            <a:rect r="r" b="b" t="t" l="l"/>
-            <a:pathLst>
-              <a:path h="336000" w="306065">
-                <a:moveTo>
-                  <a:pt x="0" y="0"/>
-                </a:moveTo>
-                <a:lnTo>
-                  <a:pt x="306065" y="0"/>
-                </a:lnTo>
-                <a:lnTo>
-                  <a:pt x="306065" y="336000"/>
-                </a:lnTo>
-                <a:lnTo>
-                  <a:pt x="0" y="336000"/>
-                </a:lnTo>
-                <a:lnTo>
-                  <a:pt x="0" y="0"/>
-                </a:lnTo>
-                <a:close/>
-              </a:path>
-            </a:pathLst>
-          </a:custGeom>
-          <a:blipFill>
-            <a:blip r:embed="rId3">
-              <a:extLst>
-                <a:ext uri="{96DAC541-7B7A-43D3-8B79-37D633B846F1}">
-                  <asvg:svgBlip xmlns:asvg="http://schemas.microsoft.com/office/drawing/2016/SVG/main" r:embed="rId4"/>
-                </a:ext>
-              </a:extLst>
-            </a:blip>
-            <a:stretch>
-              <a:fillRect l="0" t="0" r="0" b="0"/>
-            </a:stretch>
-          </a:blipFill>
-        </p:spPr>
-      </p:sp>
-      <p:sp>
-        <p:nvSpPr>
-          <p:cNvPr name="Freeform 4" id="4"/>
-          <p:cNvSpPr/>
-          <p:nvPr/>
-        </p:nvSpPr>
-        <p:spPr>
-          <a:xfrm flipH="false" flipV="false" rot="0">
-            <a:off x="602972" y="439904"/>
-            <a:ext cx="253149" cy="354280"/>
-          </a:xfrm>
-          <a:custGeom>
-            <a:avLst/>
-            <a:gdLst/>
-            <a:ahLst/>
-            <a:cxnLst/>
-            <a:rect r="r" b="b" t="t" l="l"/>
-            <a:pathLst>
-              <a:path h="354280" w="253149">
-                <a:moveTo>
-                  <a:pt x="0" y="0"/>
-                </a:moveTo>
-                <a:lnTo>
-                  <a:pt x="253149" y="0"/>
-                </a:lnTo>
-                <a:lnTo>
-                  <a:pt x="253149" y="354280"/>
-                </a:lnTo>
-                <a:lnTo>
-                  <a:pt x="0" y="354280"/>
-                </a:lnTo>
-                <a:lnTo>
-                  <a:pt x="0" y="0"/>
-                </a:lnTo>
-                <a:close/>
-              </a:path>
-            </a:pathLst>
-          </a:custGeom>
-          <a:blipFill>
-            <a:blip r:embed="rId5">
-              <a:extLst>
-                <a:ext uri="{96DAC541-7B7A-43D3-8B79-37D633B846F1}">
-                  <asvg:svgBlip xmlns:asvg="http://schemas.microsoft.com/office/drawing/2016/SVG/main" r:embed="rId6"/>
-                </a:ext>
-              </a:extLst>
-            </a:blip>
-            <a:stretch>
-              <a:fillRect l="0" t="0" r="0" b="0"/>
-            </a:stretch>
-          </a:blipFill>
-        </p:spPr>
-      </p:sp>
-      <p:grpSp>
-        <p:nvGrpSpPr>
-          <p:cNvPr name="Group 5" id="5"/>
-          <p:cNvGrpSpPr/>
-          <p:nvPr/>
-        </p:nvGrpSpPr>
-        <p:grpSpPr>
-          <a:xfrm rot="-5400000">
-            <a:off x="17631481" y="8597471"/>
-            <a:ext cx="924223" cy="397435"/>
-            <a:chOff x="0" y="0"/>
-            <a:chExt cx="1347239" cy="579341"/>
-          </a:xfrm>
-        </p:grpSpPr>
-        <p:sp>
-          <p:nvSpPr>
-            <p:cNvPr name="Freeform 6" id="6"/>
-            <p:cNvSpPr/>
-            <p:nvPr/>
-          </p:nvSpPr>
-          <p:spPr>
-            <a:xfrm flipH="false" flipV="false" rot="0">
-              <a:off x="0" y="0"/>
-              <a:ext cx="1347239" cy="579341"/>
-            </a:xfrm>
-            <a:custGeom>
-              <a:avLst/>
-              <a:gdLst/>
-              <a:ahLst/>
-              <a:cxnLst/>
-              <a:rect r="r" b="b" t="t" l="l"/>
-              <a:pathLst>
-                <a:path h="579341" w="1347239">
-                  <a:moveTo>
-                    <a:pt x="673619" y="0"/>
-                  </a:moveTo>
-                  <a:lnTo>
-                    <a:pt x="1347239" y="579341"/>
-                  </a:lnTo>
-                  <a:lnTo>
-                    <a:pt x="0" y="579341"/>
-                  </a:lnTo>
-                  <a:lnTo>
-                    <a:pt x="673619" y="0"/>
-                  </a:lnTo>
-                  <a:close/>
-                </a:path>
-              </a:pathLst>
-            </a:custGeom>
-            <a:solidFill>
-              <a:srgbClr val="12F1FF"/>
-            </a:solidFill>
-          </p:spPr>
-        </p:sp>
-        <p:sp>
-          <p:nvSpPr>
-            <p:cNvPr name="TextBox 7" id="7"/>
-            <p:cNvSpPr txBox="true"/>
-            <p:nvPr/>
-          </p:nvSpPr>
-          <p:spPr>
-            <a:xfrm>
-              <a:off x="210506" y="230880"/>
-              <a:ext cx="926227" cy="307080"/>
-            </a:xfrm>
-            <a:prstGeom prst="rect">
-              <a:avLst/>
-            </a:prstGeom>
-          </p:spPr>
-          <p:txBody>
-            <a:bodyPr anchor="ctr" rtlCol="false" tIns="50800" lIns="50800" bIns="50800" rIns="50800"/>
-            <a:lstStyle/>
-            <a:p>
-              <a:pPr algn="ctr">
-                <a:lnSpc>
-                  <a:spcPts val="2659"/>
-                </a:lnSpc>
-                <a:spcBef>
-                  <a:spcPct val="0"/>
-                </a:spcBef>
-              </a:pPr>
-            </a:p>
-          </p:txBody>
-        </p:sp>
-      </p:grpSp>
-      <p:sp>
-        <p:nvSpPr>
-          <p:cNvPr name="Freeform 8" id="8"/>
-          <p:cNvSpPr/>
-          <p:nvPr/>
-        </p:nvSpPr>
-        <p:spPr>
-          <a:xfrm flipH="false" flipV="false" rot="0">
-            <a:off x="2843386" y="4189844"/>
-            <a:ext cx="1218296" cy="1907312"/>
-          </a:xfrm>
-          <a:custGeom>
-            <a:avLst/>
-            <a:gdLst/>
-            <a:ahLst/>
-            <a:cxnLst/>
-            <a:rect r="r" b="b" t="t" l="l"/>
-            <a:pathLst>
-              <a:path h="1907312" w="1218296">
+              <a:path w="1218296" h="1907312">
                 <a:moveTo>
                   <a:pt x="0" y="0"/>
                 </a:moveTo>
@@ -8676,225 +8551,27 @@
               </a:extLst>
             </a:blip>
             <a:stretch>
-              <a:fillRect l="0" t="0" r="0" b="0"/>
+              <a:fillRect/>
             </a:stretch>
           </a:blipFill>
         </p:spPr>
-      </p:sp>
-      <p:sp>
-        <p:nvSpPr>
-          <p:cNvPr name="TextBox 9" id="9"/>
-          <p:cNvSpPr txBox="true"/>
-          <p:nvPr/>
-        </p:nvSpPr>
-        <p:spPr>
-          <a:xfrm rot="0">
-            <a:off x="16089294" y="517674"/>
-            <a:ext cx="978460" cy="197971"/>
-          </a:xfrm>
-          <a:prstGeom prst="rect">
-            <a:avLst/>
-          </a:prstGeom>
-        </p:spPr>
-        <p:txBody>
-          <a:bodyPr anchor="t" rtlCol="false" tIns="0" lIns="0" bIns="0" rIns="0">
-            <a:spAutoFit/>
-          </a:bodyPr>
-          <a:lstStyle/>
-          <a:p>
-            <a:pPr algn="l">
-              <a:lnSpc>
-                <a:spcPts val="1680"/>
-              </a:lnSpc>
-              <a:spcBef>
-                <a:spcPct val="0"/>
-              </a:spcBef>
-            </a:pPr>
-            <a:r>
-              <a:rPr lang="en-US" sz="1200">
-                <a:solidFill>
-                  <a:srgbClr val="FFFFFF"/>
-                </a:solidFill>
-                <a:latin typeface="Open Sans"/>
-              </a:rPr>
-              <a:t>Contact</a:t>
-            </a:r>
-          </a:p>
-        </p:txBody>
-      </p:sp>
-      <p:sp>
-        <p:nvSpPr>
-          <p:cNvPr name="TextBox 10" id="10"/>
-          <p:cNvSpPr txBox="true"/>
-          <p:nvPr/>
-        </p:nvSpPr>
-        <p:spPr>
-          <a:xfrm rot="0">
-            <a:off x="14533497" y="517674"/>
-            <a:ext cx="1060497" cy="197971"/>
-          </a:xfrm>
-          <a:prstGeom prst="rect">
-            <a:avLst/>
-          </a:prstGeom>
-        </p:spPr>
-        <p:txBody>
-          <a:bodyPr anchor="t" rtlCol="false" tIns="0" lIns="0" bIns="0" rIns="0">
-            <a:spAutoFit/>
-          </a:bodyPr>
-          <a:lstStyle/>
-          <a:p>
-            <a:pPr algn="l">
-              <a:lnSpc>
-                <a:spcPts val="1680"/>
-              </a:lnSpc>
-              <a:spcBef>
-                <a:spcPct val="0"/>
-              </a:spcBef>
-            </a:pPr>
-            <a:r>
-              <a:rPr lang="en-US" sz="1200">
-                <a:solidFill>
-                  <a:srgbClr val="FFFFFF"/>
-                </a:solidFill>
-                <a:latin typeface="Open Sans"/>
-              </a:rPr>
-              <a:t>About Us</a:t>
-            </a:r>
-          </a:p>
-        </p:txBody>
-      </p:sp>
-      <p:sp>
-        <p:nvSpPr>
-          <p:cNvPr name="TextBox 11" id="11"/>
-          <p:cNvSpPr txBox="true"/>
-          <p:nvPr/>
-        </p:nvSpPr>
-        <p:spPr>
-          <a:xfrm rot="0">
-            <a:off x="13302741" y="517674"/>
-            <a:ext cx="735456" cy="197971"/>
-          </a:xfrm>
-          <a:prstGeom prst="rect">
-            <a:avLst/>
-          </a:prstGeom>
-        </p:spPr>
-        <p:txBody>
-          <a:bodyPr anchor="t" rtlCol="false" tIns="0" lIns="0" bIns="0" rIns="0">
-            <a:spAutoFit/>
-          </a:bodyPr>
-          <a:lstStyle/>
-          <a:p>
-            <a:pPr algn="l">
-              <a:lnSpc>
-                <a:spcPts val="1680"/>
-              </a:lnSpc>
-              <a:spcBef>
-                <a:spcPct val="0"/>
-              </a:spcBef>
-            </a:pPr>
-            <a:r>
-              <a:rPr lang="en-US" sz="1200">
-                <a:solidFill>
-                  <a:srgbClr val="FFFFFF"/>
-                </a:solidFill>
-                <a:latin typeface="Open Sans"/>
-              </a:rPr>
-              <a:t>Service</a:t>
-            </a:r>
-          </a:p>
-        </p:txBody>
-      </p:sp>
-      <p:sp>
-        <p:nvSpPr>
-          <p:cNvPr name="TextBox 12" id="12"/>
-          <p:cNvSpPr txBox="true"/>
-          <p:nvPr/>
-        </p:nvSpPr>
-        <p:spPr>
-          <a:xfrm rot="0">
-            <a:off x="12046981" y="517674"/>
-            <a:ext cx="809760" cy="197971"/>
-          </a:xfrm>
-          <a:prstGeom prst="rect">
-            <a:avLst/>
-          </a:prstGeom>
-        </p:spPr>
-        <p:txBody>
-          <a:bodyPr anchor="t" rtlCol="false" tIns="0" lIns="0" bIns="0" rIns="0">
-            <a:spAutoFit/>
-          </a:bodyPr>
-          <a:lstStyle/>
-          <a:p>
-            <a:pPr algn="l">
-              <a:lnSpc>
-                <a:spcPts val="1680"/>
-              </a:lnSpc>
-              <a:spcBef>
-                <a:spcPct val="0"/>
-              </a:spcBef>
-            </a:pPr>
-            <a:r>
-              <a:rPr lang="en-US" sz="1200">
-                <a:solidFill>
-                  <a:srgbClr val="FFFFFF"/>
-                </a:solidFill>
-                <a:latin typeface="Open Sans"/>
-              </a:rPr>
-              <a:t>Home</a:t>
-            </a:r>
-          </a:p>
-        </p:txBody>
-      </p:sp>
-      <p:sp>
-        <p:nvSpPr>
-          <p:cNvPr name="TextBox 13" id="13"/>
-          <p:cNvSpPr txBox="true"/>
-          <p:nvPr/>
-        </p:nvSpPr>
-        <p:spPr>
-          <a:xfrm rot="0">
-            <a:off x="4061681" y="3220694"/>
-            <a:ext cx="10164638" cy="3464612"/>
-          </a:xfrm>
-          <a:prstGeom prst="rect">
-            <a:avLst/>
-          </a:prstGeom>
-        </p:spPr>
-        <p:txBody>
-          <a:bodyPr anchor="t" rtlCol="false" tIns="0" lIns="0" bIns="0" rIns="0">
-            <a:spAutoFit/>
-          </a:bodyPr>
-          <a:lstStyle/>
-          <a:p>
-            <a:pPr algn="ctr">
-              <a:lnSpc>
-                <a:spcPts val="28402"/>
-              </a:lnSpc>
-              <a:spcBef>
-                <a:spcPct val="0"/>
-              </a:spcBef>
-            </a:pPr>
-            <a:r>
-              <a:rPr lang="en-US" sz="20287">
-                <a:solidFill>
-                  <a:srgbClr val="FFFFFF"/>
-                </a:solidFill>
-                <a:latin typeface="TT Octosquares Compressed"/>
-              </a:rPr>
-              <a:t>THANK YOU</a:t>
-            </a:r>
-          </a:p>
-        </p:txBody>
-      </p:sp>
-      <p:sp>
-        <p:nvSpPr>
-          <p:cNvPr name="Freeform 14" id="14"/>
+        <p:txBody>
+          <a:bodyPr/>
+          <a:lstStyle/>
+          <a:p>
+            <a:endParaRPr lang="es-CR"/>
+          </a:p>
+        </p:txBody>
+      </p:sp>
+      <p:sp>
+        <p:nvSpPr>
+          <p:cNvPr id="17" name="Freeform 17"/>
           <p:cNvSpPr/>
           <p:nvPr/>
         </p:nvSpPr>
         <p:spPr>
-          <a:xfrm flipH="false" flipV="false" rot="0">
-            <a:off x="2105520" y="4471286"/>
+          <a:xfrm rot="-10800000">
+            <a:off x="15323726" y="4471286"/>
             <a:ext cx="858754" cy="1344429"/>
           </a:xfrm>
           <a:custGeom>
@@ -8902,9 +8579,9 @@
             <a:gdLst/>
             <a:ahLst/>
             <a:cxnLst/>
-            <a:rect r="r" b="b" t="t" l="l"/>
+            <a:rect l="l" t="t" r="r" b="b"/>
             <a:pathLst>
-              <a:path h="1344429" w="858754">
+              <a:path w="858754" h="1344429">
                 <a:moveTo>
                   <a:pt x="0" y="0"/>
                 </a:moveTo>
@@ -8933,20 +8610,27 @@
               </a:extLst>
             </a:blip>
             <a:stretch>
-              <a:fillRect l="0" t="0" r="0" b="0"/>
+              <a:fillRect/>
             </a:stretch>
           </a:blipFill>
         </p:spPr>
-      </p:sp>
-      <p:sp>
-        <p:nvSpPr>
-          <p:cNvPr name="Freeform 15" id="15"/>
+        <p:txBody>
+          <a:bodyPr/>
+          <a:lstStyle/>
+          <a:p>
+            <a:endParaRPr lang="es-CR"/>
+          </a:p>
+        </p:txBody>
+      </p:sp>
+      <p:sp>
+        <p:nvSpPr>
+          <p:cNvPr id="18" name="Freeform 18"/>
           <p:cNvSpPr/>
           <p:nvPr/>
         </p:nvSpPr>
         <p:spPr>
-          <a:xfrm flipH="false" flipV="false" rot="0">
-            <a:off x="1390081" y="4650573"/>
+          <a:xfrm rot="-10800000">
+            <a:off x="16268205" y="4650573"/>
             <a:ext cx="629715" cy="985855"/>
           </a:xfrm>
           <a:custGeom>
@@ -8954,9 +8638,9 @@
             <a:gdLst/>
             <a:ahLst/>
             <a:cxnLst/>
-            <a:rect r="r" b="b" t="t" l="l"/>
+            <a:rect l="l" t="t" r="r" b="b"/>
             <a:pathLst>
-              <a:path h="985855" w="629715">
+              <a:path w="629715" h="985855">
                 <a:moveTo>
                   <a:pt x="0" y="0"/>
                 </a:moveTo>
@@ -8985,166 +8669,17 @@
               </a:extLst>
             </a:blip>
             <a:stretch>
-              <a:fillRect l="0" t="0" r="0" b="0"/>
+              <a:fillRect/>
             </a:stretch>
           </a:blipFill>
         </p:spPr>
-      </p:sp>
-      <p:sp>
-        <p:nvSpPr>
-          <p:cNvPr name="Freeform 16" id="16"/>
-          <p:cNvSpPr/>
-          <p:nvPr/>
-        </p:nvSpPr>
-        <p:spPr>
-          <a:xfrm flipH="false" flipV="false" rot="-10800000">
-            <a:off x="14226319" y="4189844"/>
-            <a:ext cx="1218296" cy="1907312"/>
-          </a:xfrm>
-          <a:custGeom>
-            <a:avLst/>
-            <a:gdLst/>
-            <a:ahLst/>
-            <a:cxnLst/>
-            <a:rect r="r" b="b" t="t" l="l"/>
-            <a:pathLst>
-              <a:path h="1907312" w="1218296">
-                <a:moveTo>
-                  <a:pt x="0" y="0"/>
-                </a:moveTo>
-                <a:lnTo>
-                  <a:pt x="1218295" y="0"/>
-                </a:lnTo>
-                <a:lnTo>
-                  <a:pt x="1218295" y="1907312"/>
-                </a:lnTo>
-                <a:lnTo>
-                  <a:pt x="0" y="1907312"/>
-                </a:lnTo>
-                <a:lnTo>
-                  <a:pt x="0" y="0"/>
-                </a:lnTo>
-                <a:close/>
-              </a:path>
-            </a:pathLst>
-          </a:custGeom>
-          <a:blipFill>
-            <a:blip r:embed="rId7">
-              <a:extLst>
-                <a:ext uri="{96DAC541-7B7A-43D3-8B79-37D633B846F1}">
-                  <asvg:svgBlip xmlns:asvg="http://schemas.microsoft.com/office/drawing/2016/SVG/main" r:embed="rId8"/>
-                </a:ext>
-              </a:extLst>
-            </a:blip>
-            <a:stretch>
-              <a:fillRect l="0" t="0" r="0" b="0"/>
-            </a:stretch>
-          </a:blipFill>
-        </p:spPr>
-      </p:sp>
-      <p:sp>
-        <p:nvSpPr>
-          <p:cNvPr name="Freeform 17" id="17"/>
-          <p:cNvSpPr/>
-          <p:nvPr/>
-        </p:nvSpPr>
-        <p:spPr>
-          <a:xfrm flipH="false" flipV="false" rot="-10800000">
-            <a:off x="15323726" y="4471286"/>
-            <a:ext cx="858754" cy="1344429"/>
-          </a:xfrm>
-          <a:custGeom>
-            <a:avLst/>
-            <a:gdLst/>
-            <a:ahLst/>
-            <a:cxnLst/>
-            <a:rect r="r" b="b" t="t" l="l"/>
-            <a:pathLst>
-              <a:path h="1344429" w="858754">
-                <a:moveTo>
-                  <a:pt x="0" y="0"/>
-                </a:moveTo>
-                <a:lnTo>
-                  <a:pt x="858754" y="0"/>
-                </a:lnTo>
-                <a:lnTo>
-                  <a:pt x="858754" y="1344428"/>
-                </a:lnTo>
-                <a:lnTo>
-                  <a:pt x="0" y="1344428"/>
-                </a:lnTo>
-                <a:lnTo>
-                  <a:pt x="0" y="0"/>
-                </a:lnTo>
-                <a:close/>
-              </a:path>
-            </a:pathLst>
-          </a:custGeom>
-          <a:blipFill>
-            <a:blip r:embed="rId7">
-              <a:extLst>
-                <a:ext uri="{96DAC541-7B7A-43D3-8B79-37D633B846F1}">
-                  <asvg:svgBlip xmlns:asvg="http://schemas.microsoft.com/office/drawing/2016/SVG/main" r:embed="rId8"/>
-                </a:ext>
-              </a:extLst>
-            </a:blip>
-            <a:stretch>
-              <a:fillRect l="0" t="0" r="0" b="0"/>
-            </a:stretch>
-          </a:blipFill>
-        </p:spPr>
-      </p:sp>
-      <p:sp>
-        <p:nvSpPr>
-          <p:cNvPr name="Freeform 18" id="18"/>
-          <p:cNvSpPr/>
-          <p:nvPr/>
-        </p:nvSpPr>
-        <p:spPr>
-          <a:xfrm flipH="false" flipV="false" rot="-10800000">
-            <a:off x="16268205" y="4650573"/>
-            <a:ext cx="629715" cy="985855"/>
-          </a:xfrm>
-          <a:custGeom>
-            <a:avLst/>
-            <a:gdLst/>
-            <a:ahLst/>
-            <a:cxnLst/>
-            <a:rect r="r" b="b" t="t" l="l"/>
-            <a:pathLst>
-              <a:path h="985855" w="629715">
-                <a:moveTo>
-                  <a:pt x="0" y="0"/>
-                </a:moveTo>
-                <a:lnTo>
-                  <a:pt x="629714" y="0"/>
-                </a:lnTo>
-                <a:lnTo>
-                  <a:pt x="629714" y="985854"/>
-                </a:lnTo>
-                <a:lnTo>
-                  <a:pt x="0" y="985854"/>
-                </a:lnTo>
-                <a:lnTo>
-                  <a:pt x="0" y="0"/>
-                </a:lnTo>
-                <a:close/>
-              </a:path>
-            </a:pathLst>
-          </a:custGeom>
-          <a:blipFill>
-            <a:blip r:embed="rId7">
-              <a:extLst>
-                <a:ext uri="{96DAC541-7B7A-43D3-8B79-37D633B846F1}">
-                  <asvg:svgBlip xmlns:asvg="http://schemas.microsoft.com/office/drawing/2016/SVG/main" r:embed="rId8"/>
-                </a:ext>
-              </a:extLst>
-            </a:blip>
-            <a:stretch>
-              <a:fillRect l="0" t="0" r="0" b="0"/>
-            </a:stretch>
-          </a:blipFill>
-        </p:spPr>
+        <p:txBody>
+          <a:bodyPr/>
+          <a:lstStyle/>
+          <a:p>
+            <a:endParaRPr lang="es-CR"/>
+          </a:p>
+        </p:txBody>
       </p:sp>
     </p:spTree>
   </p:cSld>
